--- a/GB.pptx
+++ b/GB.pptx
@@ -11,6 +11,12 @@
     <p:sldId id="259" r:id="rId5"/>
     <p:sldId id="260" r:id="rId6"/>
     <p:sldId id="261" r:id="rId7"/>
+    <p:sldId id="262" r:id="rId8"/>
+    <p:sldId id="263" r:id="rId9"/>
+    <p:sldId id="264" r:id="rId10"/>
+    <p:sldId id="265" r:id="rId11"/>
+    <p:sldId id="266" r:id="rId12"/>
+    <p:sldId id="267" r:id="rId13"/>
   </p:sldIdLst>
   <p:sldSz cx="12192000" cy="6858000"/>
   <p:notesSz cx="6858000" cy="9144000"/>
@@ -264,7 +270,7 @@
           <a:p>
             <a:fld id="{082EB1F1-4DA3-4C94-A195-E026FD605553}" type="datetimeFigureOut">
               <a:rPr lang="ru-RU" smtClean="0"/>
-              <a:t>04.10.2022</a:t>
+              <a:t>05.10.2022</a:t>
             </a:fld>
             <a:endParaRPr lang="ru-RU"/>
           </a:p>
@@ -462,7 +468,7 @@
           <a:p>
             <a:fld id="{082EB1F1-4DA3-4C94-A195-E026FD605553}" type="datetimeFigureOut">
               <a:rPr lang="ru-RU" smtClean="0"/>
-              <a:t>04.10.2022</a:t>
+              <a:t>05.10.2022</a:t>
             </a:fld>
             <a:endParaRPr lang="ru-RU"/>
           </a:p>
@@ -670,7 +676,7 @@
           <a:p>
             <a:fld id="{082EB1F1-4DA3-4C94-A195-E026FD605553}" type="datetimeFigureOut">
               <a:rPr lang="ru-RU" smtClean="0"/>
-              <a:t>04.10.2022</a:t>
+              <a:t>05.10.2022</a:t>
             </a:fld>
             <a:endParaRPr lang="ru-RU"/>
           </a:p>
@@ -868,7 +874,7 @@
           <a:p>
             <a:fld id="{082EB1F1-4DA3-4C94-A195-E026FD605553}" type="datetimeFigureOut">
               <a:rPr lang="ru-RU" smtClean="0"/>
-              <a:t>04.10.2022</a:t>
+              <a:t>05.10.2022</a:t>
             </a:fld>
             <a:endParaRPr lang="ru-RU"/>
           </a:p>
@@ -1143,7 +1149,7 @@
           <a:p>
             <a:fld id="{082EB1F1-4DA3-4C94-A195-E026FD605553}" type="datetimeFigureOut">
               <a:rPr lang="ru-RU" smtClean="0"/>
-              <a:t>04.10.2022</a:t>
+              <a:t>05.10.2022</a:t>
             </a:fld>
             <a:endParaRPr lang="ru-RU"/>
           </a:p>
@@ -1408,7 +1414,7 @@
           <a:p>
             <a:fld id="{082EB1F1-4DA3-4C94-A195-E026FD605553}" type="datetimeFigureOut">
               <a:rPr lang="ru-RU" smtClean="0"/>
-              <a:t>04.10.2022</a:t>
+              <a:t>05.10.2022</a:t>
             </a:fld>
             <a:endParaRPr lang="ru-RU"/>
           </a:p>
@@ -1820,7 +1826,7 @@
           <a:p>
             <a:fld id="{082EB1F1-4DA3-4C94-A195-E026FD605553}" type="datetimeFigureOut">
               <a:rPr lang="ru-RU" smtClean="0"/>
-              <a:t>04.10.2022</a:t>
+              <a:t>05.10.2022</a:t>
             </a:fld>
             <a:endParaRPr lang="ru-RU"/>
           </a:p>
@@ -1961,7 +1967,7 @@
           <a:p>
             <a:fld id="{082EB1F1-4DA3-4C94-A195-E026FD605553}" type="datetimeFigureOut">
               <a:rPr lang="ru-RU" smtClean="0"/>
-              <a:t>04.10.2022</a:t>
+              <a:t>05.10.2022</a:t>
             </a:fld>
             <a:endParaRPr lang="ru-RU"/>
           </a:p>
@@ -2074,7 +2080,7 @@
           <a:p>
             <a:fld id="{082EB1F1-4DA3-4C94-A195-E026FD605553}" type="datetimeFigureOut">
               <a:rPr lang="ru-RU" smtClean="0"/>
-              <a:t>04.10.2022</a:t>
+              <a:t>05.10.2022</a:t>
             </a:fld>
             <a:endParaRPr lang="ru-RU"/>
           </a:p>
@@ -2385,7 +2391,7 @@
           <a:p>
             <a:fld id="{082EB1F1-4DA3-4C94-A195-E026FD605553}" type="datetimeFigureOut">
               <a:rPr lang="ru-RU" smtClean="0"/>
-              <a:t>04.10.2022</a:t>
+              <a:t>05.10.2022</a:t>
             </a:fld>
             <a:endParaRPr lang="ru-RU"/>
           </a:p>
@@ -2673,7 +2679,7 @@
           <a:p>
             <a:fld id="{082EB1F1-4DA3-4C94-A195-E026FD605553}" type="datetimeFigureOut">
               <a:rPr lang="ru-RU" smtClean="0"/>
-              <a:t>04.10.2022</a:t>
+              <a:t>05.10.2022</a:t>
             </a:fld>
             <a:endParaRPr lang="ru-RU"/>
           </a:p>
@@ -2914,7 +2920,7 @@
           <a:p>
             <a:fld id="{082EB1F1-4DA3-4C94-A195-E026FD605553}" type="datetimeFigureOut">
               <a:rPr lang="ru-RU" smtClean="0"/>
-              <a:t>04.10.2022</a:t>
+              <a:t>05.10.2022</a:t>
             </a:fld>
             <a:endParaRPr lang="ru-RU"/>
           </a:p>
@@ -3410,6 +3416,286 @@
 </p:sld>
 </file>
 
+<file path=ppt/slides/slide10.xml><?xml version="1.0" encoding="utf-8"?>
+<p:sld xmlns:a="http://schemas.openxmlformats.org/drawingml/2006/main" xmlns:r="http://schemas.openxmlformats.org/officeDocument/2006/relationships" xmlns:p="http://schemas.openxmlformats.org/presentationml/2006/main">
+  <p:cSld>
+    <p:spTree>
+      <p:nvGrpSpPr>
+        <p:cNvPr id="1" name=""/>
+        <p:cNvGrpSpPr/>
+        <p:nvPr/>
+      </p:nvGrpSpPr>
+      <p:grpSpPr>
+        <a:xfrm>
+          <a:off x="0" y="0"/>
+          <a:ext cx="0" cy="0"/>
+          <a:chOff x="0" y="0"/>
+          <a:chExt cx="0" cy="0"/>
+        </a:xfrm>
+      </p:grpSpPr>
+      <p:sp>
+        <p:nvSpPr>
+          <p:cNvPr id="2" name="Заголовок 1">
+            <a:extLst>
+              <a:ext uri="{FF2B5EF4-FFF2-40B4-BE49-F238E27FC236}">
+                <a16:creationId xmlns:a16="http://schemas.microsoft.com/office/drawing/2014/main" id="{2D669930-CA37-44F7-AF6E-FCF91700875D}"/>
+              </a:ext>
+            </a:extLst>
+          </p:cNvPr>
+          <p:cNvSpPr>
+            <a:spLocks noGrp="1"/>
+          </p:cNvSpPr>
+          <p:nvPr>
+            <p:ph type="title"/>
+          </p:nvPr>
+        </p:nvSpPr>
+        <p:spPr/>
+        <p:txBody>
+          <a:bodyPr/>
+          <a:lstStyle/>
+          <a:p>
+            <a:r>
+              <a:rPr lang="ru-RU" dirty="0"/>
+              <a:t>Упражнение – добавить описание месторождения</a:t>
+            </a:r>
+          </a:p>
+        </p:txBody>
+      </p:sp>
+      <p:sp>
+        <p:nvSpPr>
+          <p:cNvPr id="3" name="Объект 2">
+            <a:extLst>
+              <a:ext uri="{FF2B5EF4-FFF2-40B4-BE49-F238E27FC236}">
+                <a16:creationId xmlns:a16="http://schemas.microsoft.com/office/drawing/2014/main" id="{A8315AA2-2E9C-456F-3D58-2F61643D1D12}"/>
+              </a:ext>
+            </a:extLst>
+          </p:cNvPr>
+          <p:cNvSpPr>
+            <a:spLocks noGrp="1"/>
+          </p:cNvSpPr>
+          <p:nvPr>
+            <p:ph idx="1"/>
+          </p:nvPr>
+        </p:nvSpPr>
+        <p:spPr/>
+        <p:txBody>
+          <a:bodyPr/>
+          <a:lstStyle/>
+          <a:p>
+            <a:r>
+              <a:rPr lang="ru-RU" dirty="0"/>
+              <a:t>Изучите таблицу </a:t>
+            </a:r>
+            <a:r>
+              <a:rPr lang="en-US" dirty="0"/>
+              <a:t>GB_PROJECT</a:t>
+            </a:r>
+            <a:endParaRPr lang="ru-RU" dirty="0"/>
+          </a:p>
+          <a:p>
+            <a:r>
+              <a:rPr lang="ru-RU" dirty="0"/>
+              <a:t>Создайте </a:t>
+            </a:r>
+            <a:r>
+              <a:rPr lang="en-US" dirty="0"/>
+              <a:t>SQL </a:t>
+            </a:r>
+            <a:r>
+              <a:rPr lang="ru-RU" dirty="0"/>
+              <a:t>запрос, который будет выбирать месторождение и его описание</a:t>
+            </a:r>
+          </a:p>
+          <a:p>
+            <a:r>
+              <a:rPr lang="ru-RU" dirty="0"/>
+              <a:t>В отчете создайте таблицу, в которой будете отображать информацию о месторождение</a:t>
+            </a:r>
+          </a:p>
+          <a:p>
+            <a:endParaRPr lang="ru-RU" dirty="0"/>
+          </a:p>
+        </p:txBody>
+      </p:sp>
+    </p:spTree>
+    <p:extLst>
+      <p:ext uri="{BB962C8B-B14F-4D97-AF65-F5344CB8AC3E}">
+        <p14:creationId xmlns:p14="http://schemas.microsoft.com/office/powerpoint/2010/main" val="15595541"/>
+      </p:ext>
+    </p:extLst>
+  </p:cSld>
+  <p:clrMapOvr>
+    <a:masterClrMapping/>
+  </p:clrMapOvr>
+</p:sld>
+</file>
+
+<file path=ppt/slides/slide11.xml><?xml version="1.0" encoding="utf-8"?>
+<p:sld xmlns:a="http://schemas.openxmlformats.org/drawingml/2006/main" xmlns:r="http://schemas.openxmlformats.org/officeDocument/2006/relationships" xmlns:p="http://schemas.openxmlformats.org/presentationml/2006/main">
+  <p:cSld>
+    <p:spTree>
+      <p:nvGrpSpPr>
+        <p:cNvPr id="1" name=""/>
+        <p:cNvGrpSpPr/>
+        <p:nvPr/>
+      </p:nvGrpSpPr>
+      <p:grpSpPr>
+        <a:xfrm>
+          <a:off x="0" y="0"/>
+          <a:ext cx="0" cy="0"/>
+          <a:chOff x="0" y="0"/>
+          <a:chExt cx="0" cy="0"/>
+        </a:xfrm>
+      </p:grpSpPr>
+      <p:sp>
+        <p:nvSpPr>
+          <p:cNvPr id="4" name="Заголовок 3">
+            <a:extLst>
+              <a:ext uri="{FF2B5EF4-FFF2-40B4-BE49-F238E27FC236}">
+                <a16:creationId xmlns:a16="http://schemas.microsoft.com/office/drawing/2014/main" id="{DB4620F8-D8D7-1B5B-710D-0124F2E76D5A}"/>
+              </a:ext>
+            </a:extLst>
+          </p:cNvPr>
+          <p:cNvSpPr>
+            <a:spLocks noGrp="1"/>
+          </p:cNvSpPr>
+          <p:nvPr>
+            <p:ph type="title"/>
+          </p:nvPr>
+        </p:nvSpPr>
+        <p:spPr/>
+        <p:txBody>
+          <a:bodyPr/>
+          <a:lstStyle/>
+          <a:p>
+            <a:r>
+              <a:rPr lang="ru-RU" dirty="0"/>
+              <a:t>Спасибо за внимание!</a:t>
+            </a:r>
+          </a:p>
+        </p:txBody>
+      </p:sp>
+      <p:sp>
+        <p:nvSpPr>
+          <p:cNvPr id="5" name="Текст 4">
+            <a:extLst>
+              <a:ext uri="{FF2B5EF4-FFF2-40B4-BE49-F238E27FC236}">
+                <a16:creationId xmlns:a16="http://schemas.microsoft.com/office/drawing/2014/main" id="{C173F783-8FCC-5521-4F5F-6BCF6F126BA7}"/>
+              </a:ext>
+            </a:extLst>
+          </p:cNvPr>
+          <p:cNvSpPr>
+            <a:spLocks noGrp="1"/>
+          </p:cNvSpPr>
+          <p:nvPr>
+            <p:ph type="body" idx="1"/>
+          </p:nvPr>
+        </p:nvSpPr>
+        <p:spPr/>
+        <p:txBody>
+          <a:bodyPr/>
+          <a:lstStyle/>
+          <a:p>
+            <a:endParaRPr lang="ru-RU"/>
+          </a:p>
+        </p:txBody>
+      </p:sp>
+    </p:spTree>
+    <p:extLst>
+      <p:ext uri="{BB962C8B-B14F-4D97-AF65-F5344CB8AC3E}">
+        <p14:creationId xmlns:p14="http://schemas.microsoft.com/office/powerpoint/2010/main" val="186305473"/>
+      </p:ext>
+    </p:extLst>
+  </p:cSld>
+  <p:clrMapOvr>
+    <a:masterClrMapping/>
+  </p:clrMapOvr>
+</p:sld>
+</file>
+
+<file path=ppt/slides/slide12.xml><?xml version="1.0" encoding="utf-8"?>
+<p:sld xmlns:a="http://schemas.openxmlformats.org/drawingml/2006/main" xmlns:r="http://schemas.openxmlformats.org/officeDocument/2006/relationships" xmlns:p="http://schemas.openxmlformats.org/presentationml/2006/main">
+  <p:cSld>
+    <p:spTree>
+      <p:nvGrpSpPr>
+        <p:cNvPr id="1" name=""/>
+        <p:cNvGrpSpPr/>
+        <p:nvPr/>
+      </p:nvGrpSpPr>
+      <p:grpSpPr>
+        <a:xfrm>
+          <a:off x="0" y="0"/>
+          <a:ext cx="0" cy="0"/>
+          <a:chOff x="0" y="0"/>
+          <a:chExt cx="0" cy="0"/>
+        </a:xfrm>
+      </p:grpSpPr>
+      <p:sp>
+        <p:nvSpPr>
+          <p:cNvPr id="2" name="Заголовок 1">
+            <a:extLst>
+              <a:ext uri="{FF2B5EF4-FFF2-40B4-BE49-F238E27FC236}">
+                <a16:creationId xmlns:a16="http://schemas.microsoft.com/office/drawing/2014/main" id="{896ED32A-57D3-3E49-FB42-671694CE8800}"/>
+              </a:ext>
+            </a:extLst>
+          </p:cNvPr>
+          <p:cNvSpPr>
+            <a:spLocks noGrp="1"/>
+          </p:cNvSpPr>
+          <p:nvPr>
+            <p:ph type="title"/>
+          </p:nvPr>
+        </p:nvSpPr>
+        <p:spPr/>
+        <p:txBody>
+          <a:bodyPr/>
+          <a:lstStyle/>
+          <a:p>
+            <a:r>
+              <a:rPr lang="ru-RU" dirty="0"/>
+              <a:t>Вопросы?</a:t>
+            </a:r>
+          </a:p>
+        </p:txBody>
+      </p:sp>
+      <p:sp>
+        <p:nvSpPr>
+          <p:cNvPr id="3" name="Текст 2">
+            <a:extLst>
+              <a:ext uri="{FF2B5EF4-FFF2-40B4-BE49-F238E27FC236}">
+                <a16:creationId xmlns:a16="http://schemas.microsoft.com/office/drawing/2014/main" id="{1F1FF085-4BC0-776A-549D-62184EB6F489}"/>
+              </a:ext>
+            </a:extLst>
+          </p:cNvPr>
+          <p:cNvSpPr>
+            <a:spLocks noGrp="1"/>
+          </p:cNvSpPr>
+          <p:nvPr>
+            <p:ph type="body" idx="1"/>
+          </p:nvPr>
+        </p:nvSpPr>
+        <p:spPr/>
+        <p:txBody>
+          <a:bodyPr/>
+          <a:lstStyle/>
+          <a:p>
+            <a:endParaRPr lang="ru-RU" dirty="0"/>
+          </a:p>
+        </p:txBody>
+      </p:sp>
+    </p:spTree>
+    <p:extLst>
+      <p:ext uri="{BB962C8B-B14F-4D97-AF65-F5344CB8AC3E}">
+        <p14:creationId xmlns:p14="http://schemas.microsoft.com/office/powerpoint/2010/main" val="1655387284"/>
+      </p:ext>
+    </p:extLst>
+  </p:cSld>
+  <p:clrMapOvr>
+    <a:masterClrMapping/>
+  </p:clrMapOvr>
+</p:sld>
+</file>
+
 <file path=ppt/slides/slide2.xml><?xml version="1.0" encoding="utf-8"?>
 <p:sld xmlns:a="http://schemas.openxmlformats.org/drawingml/2006/main" xmlns:r="http://schemas.openxmlformats.org/officeDocument/2006/relationships" xmlns:p="http://schemas.openxmlformats.org/presentationml/2006/main">
   <p:cSld>
@@ -3508,6 +3794,17 @@
               <a:rPr lang="ru-RU" dirty="0"/>
               <a:t>Создание отчетов</a:t>
             </a:r>
+          </a:p>
+          <a:p>
+            <a:r>
+              <a:rPr lang="ru-RU" dirty="0"/>
+              <a:t>Создание резервной копии базы данных </a:t>
+            </a:r>
+            <a:r>
+              <a:rPr lang="en-US" dirty="0" err="1"/>
+              <a:t>GeoBank</a:t>
+            </a:r>
+            <a:endParaRPr lang="ru-RU" dirty="0"/>
           </a:p>
         </p:txBody>
       </p:sp>
@@ -3901,39 +4198,379 @@
           <a:bodyPr/>
           <a:lstStyle/>
           <a:p>
-            <a:endParaRPr lang="ru-RU" dirty="0"/>
-          </a:p>
-        </p:txBody>
-      </p:sp>
-      <p:sp>
-        <p:nvSpPr>
-          <p:cNvPr id="3" name="Объект 2">
-            <a:extLst>
-              <a:ext uri="{FF2B5EF4-FFF2-40B4-BE49-F238E27FC236}">
-                <a16:creationId xmlns:a16="http://schemas.microsoft.com/office/drawing/2014/main" id="{118D760C-A453-6529-971E-F7F9737B58B7}"/>
-              </a:ext>
-            </a:extLst>
-          </p:cNvPr>
-          <p:cNvSpPr>
-            <a:spLocks noGrp="1"/>
-          </p:cNvSpPr>
+            <a:r>
+              <a:rPr lang="ru-RU" dirty="0"/>
+              <a:t>Демонстрация – создание представления</a:t>
+            </a:r>
+          </a:p>
+        </p:txBody>
+      </p:sp>
+      <p:pic>
+        <p:nvPicPr>
+          <p:cNvPr id="5" name="Объект 4">
+            <a:extLst>
+              <a:ext uri="{FF2B5EF4-FFF2-40B4-BE49-F238E27FC236}">
+                <a16:creationId xmlns:a16="http://schemas.microsoft.com/office/drawing/2014/main" id="{D4E29EE3-5E6F-C4C8-1DCF-F23570F44306}"/>
+              </a:ext>
+            </a:extLst>
+          </p:cNvPr>
+          <p:cNvPicPr>
+            <a:picLocks noGrp="1" noChangeAspect="1"/>
+          </p:cNvPicPr>
           <p:nvPr>
             <p:ph idx="1"/>
           </p:nvPr>
-        </p:nvSpPr>
-        <p:spPr/>
-        <p:txBody>
-          <a:bodyPr/>
-          <a:lstStyle/>
-          <a:p>
-            <a:endParaRPr lang="ru-RU"/>
-          </a:p>
-        </p:txBody>
-      </p:sp>
+        </p:nvPicPr>
+        <p:blipFill>
+          <a:blip r:embed="rId2"/>
+          <a:stretch>
+            <a:fillRect/>
+          </a:stretch>
+        </p:blipFill>
+        <p:spPr>
+          <a:xfrm>
+            <a:off x="2228144" y="1825625"/>
+            <a:ext cx="7735712" cy="4351338"/>
+          </a:xfrm>
+        </p:spPr>
+      </p:pic>
     </p:spTree>
     <p:extLst>
       <p:ext uri="{BB962C8B-B14F-4D97-AF65-F5344CB8AC3E}">
         <p14:creationId xmlns:p14="http://schemas.microsoft.com/office/powerpoint/2010/main" val="3404433638"/>
+      </p:ext>
+    </p:extLst>
+  </p:cSld>
+  <p:clrMapOvr>
+    <a:masterClrMapping/>
+  </p:clrMapOvr>
+</p:sld>
+</file>
+
+<file path=ppt/slides/slide7.xml><?xml version="1.0" encoding="utf-8"?>
+<p:sld xmlns:a="http://schemas.openxmlformats.org/drawingml/2006/main" xmlns:r="http://schemas.openxmlformats.org/officeDocument/2006/relationships" xmlns:p="http://schemas.openxmlformats.org/presentationml/2006/main">
+  <p:cSld>
+    <p:spTree>
+      <p:nvGrpSpPr>
+        <p:cNvPr id="1" name=""/>
+        <p:cNvGrpSpPr/>
+        <p:nvPr/>
+      </p:nvGrpSpPr>
+      <p:grpSpPr>
+        <a:xfrm>
+          <a:off x="0" y="0"/>
+          <a:ext cx="0" cy="0"/>
+          <a:chOff x="0" y="0"/>
+          <a:chExt cx="0" cy="0"/>
+        </a:xfrm>
+      </p:grpSpPr>
+      <p:sp>
+        <p:nvSpPr>
+          <p:cNvPr id="2" name="Заголовок 1">
+            <a:extLst>
+              <a:ext uri="{FF2B5EF4-FFF2-40B4-BE49-F238E27FC236}">
+                <a16:creationId xmlns:a16="http://schemas.microsoft.com/office/drawing/2014/main" id="{0C4C3690-AD63-5702-9965-E5E0C6F290F5}"/>
+              </a:ext>
+            </a:extLst>
+          </p:cNvPr>
+          <p:cNvSpPr>
+            <a:spLocks noGrp="1"/>
+          </p:cNvSpPr>
+          <p:nvPr>
+            <p:ph type="title"/>
+          </p:nvPr>
+        </p:nvSpPr>
+        <p:spPr/>
+        <p:txBody>
+          <a:bodyPr/>
+          <a:lstStyle/>
+          <a:p>
+            <a:r>
+              <a:rPr lang="ru-RU" dirty="0"/>
+              <a:t>Упражнение</a:t>
+            </a:r>
+          </a:p>
+        </p:txBody>
+      </p:sp>
+      <p:sp>
+        <p:nvSpPr>
+          <p:cNvPr id="3" name="Объект 2">
+            <a:extLst>
+              <a:ext uri="{FF2B5EF4-FFF2-40B4-BE49-F238E27FC236}">
+                <a16:creationId xmlns:a16="http://schemas.microsoft.com/office/drawing/2014/main" id="{5EA7FE94-58FE-39A9-86C7-87C255D0DB0C}"/>
+              </a:ext>
+            </a:extLst>
+          </p:cNvPr>
+          <p:cNvSpPr>
+            <a:spLocks noGrp="1"/>
+          </p:cNvSpPr>
+          <p:nvPr>
+            <p:ph idx="1"/>
+          </p:nvPr>
+        </p:nvSpPr>
+        <p:spPr/>
+        <p:txBody>
+          <a:bodyPr/>
+          <a:lstStyle/>
+          <a:p>
+            <a:r>
+              <a:rPr lang="ru-RU" dirty="0"/>
+              <a:t>Используя существующее представление </a:t>
+            </a:r>
+            <a:r>
+              <a:rPr lang="en-US" dirty="0"/>
+              <a:t>“</a:t>
+            </a:r>
+            <a:r>
+              <a:rPr lang="ru-RU" dirty="0"/>
+              <a:t>Редактирование проб</a:t>
+            </a:r>
+            <a:r>
+              <a:rPr lang="en-US" dirty="0"/>
+              <a:t>” </a:t>
+            </a:r>
+            <a:r>
+              <a:rPr lang="ru-RU" dirty="0"/>
+              <a:t>добавьте вкладку Литология</a:t>
+            </a:r>
+          </a:p>
+          <a:p>
+            <a:pPr lvl="1"/>
+            <a:r>
+              <a:rPr lang="ru-RU" dirty="0"/>
+              <a:t>Создайте соответствующий </a:t>
+            </a:r>
+            <a:r>
+              <a:rPr lang="en-US" dirty="0"/>
+              <a:t>SQL </a:t>
+            </a:r>
+            <a:r>
+              <a:rPr lang="ru-RU" dirty="0"/>
+              <a:t>запрос</a:t>
+            </a:r>
+          </a:p>
+          <a:p>
+            <a:pPr lvl="1"/>
+            <a:r>
+              <a:rPr lang="ru-RU" dirty="0"/>
+              <a:t>Добавьте таблицу в представление</a:t>
+            </a:r>
+          </a:p>
+          <a:p>
+            <a:pPr lvl="1"/>
+            <a:r>
+              <a:rPr lang="ru-RU" dirty="0"/>
+              <a:t>Укажите обязательные колонки</a:t>
+            </a:r>
+          </a:p>
+          <a:p>
+            <a:pPr lvl="1"/>
+            <a:r>
+              <a:rPr lang="ru-RU" dirty="0"/>
+              <a:t>Укажите </a:t>
+            </a:r>
+            <a:r>
+              <a:rPr lang="en-US" dirty="0"/>
+              <a:t>SQL </a:t>
+            </a:r>
+            <a:r>
+              <a:rPr lang="ru-RU" dirty="0"/>
+              <a:t>запросы для колонок со справочными данными</a:t>
+            </a:r>
+          </a:p>
+        </p:txBody>
+      </p:sp>
+    </p:spTree>
+    <p:extLst>
+      <p:ext uri="{BB962C8B-B14F-4D97-AF65-F5344CB8AC3E}">
+        <p14:creationId xmlns:p14="http://schemas.microsoft.com/office/powerpoint/2010/main" val="2377177716"/>
+      </p:ext>
+    </p:extLst>
+  </p:cSld>
+  <p:clrMapOvr>
+    <a:masterClrMapping/>
+  </p:clrMapOvr>
+</p:sld>
+</file>
+
+<file path=ppt/slides/slide8.xml><?xml version="1.0" encoding="utf-8"?>
+<p:sld xmlns:a="http://schemas.openxmlformats.org/drawingml/2006/main" xmlns:r="http://schemas.openxmlformats.org/officeDocument/2006/relationships" xmlns:p="http://schemas.openxmlformats.org/presentationml/2006/main">
+  <p:cSld>
+    <p:spTree>
+      <p:nvGrpSpPr>
+        <p:cNvPr id="1" name=""/>
+        <p:cNvGrpSpPr/>
+        <p:nvPr/>
+      </p:nvGrpSpPr>
+      <p:grpSpPr>
+        <a:xfrm>
+          <a:off x="0" y="0"/>
+          <a:ext cx="0" cy="0"/>
+          <a:chOff x="0" y="0"/>
+          <a:chExt cx="0" cy="0"/>
+        </a:xfrm>
+      </p:grpSpPr>
+      <p:sp>
+        <p:nvSpPr>
+          <p:cNvPr id="2" name="Заголовок 1">
+            <a:extLst>
+              <a:ext uri="{FF2B5EF4-FFF2-40B4-BE49-F238E27FC236}">
+                <a16:creationId xmlns:a16="http://schemas.microsoft.com/office/drawing/2014/main" id="{796E2CA1-05FD-470F-45EE-10DBF01B9B25}"/>
+              </a:ext>
+            </a:extLst>
+          </p:cNvPr>
+          <p:cNvSpPr>
+            <a:spLocks noGrp="1"/>
+          </p:cNvSpPr>
+          <p:nvPr>
+            <p:ph type="title"/>
+          </p:nvPr>
+        </p:nvSpPr>
+        <p:spPr/>
+        <p:txBody>
+          <a:bodyPr/>
+          <a:lstStyle/>
+          <a:p>
+            <a:r>
+              <a:rPr lang="ru-RU" dirty="0"/>
+              <a:t>Демонстрация – создание отчёта по пробам</a:t>
+            </a:r>
+          </a:p>
+        </p:txBody>
+      </p:sp>
+      <p:pic>
+        <p:nvPicPr>
+          <p:cNvPr id="5" name="Объект 4">
+            <a:extLst>
+              <a:ext uri="{FF2B5EF4-FFF2-40B4-BE49-F238E27FC236}">
+                <a16:creationId xmlns:a16="http://schemas.microsoft.com/office/drawing/2014/main" id="{3515472B-1226-71B7-37ED-9002013F23B9}"/>
+              </a:ext>
+            </a:extLst>
+          </p:cNvPr>
+          <p:cNvPicPr>
+            <a:picLocks noGrp="1" noChangeAspect="1"/>
+          </p:cNvPicPr>
+          <p:nvPr>
+            <p:ph idx="1"/>
+          </p:nvPr>
+        </p:nvPicPr>
+        <p:blipFill>
+          <a:blip r:embed="rId2"/>
+          <a:stretch>
+            <a:fillRect/>
+          </a:stretch>
+        </p:blipFill>
+        <p:spPr>
+          <a:xfrm>
+            <a:off x="2228144" y="1825625"/>
+            <a:ext cx="7735712" cy="4351338"/>
+          </a:xfrm>
+        </p:spPr>
+      </p:pic>
+    </p:spTree>
+    <p:extLst>
+      <p:ext uri="{BB962C8B-B14F-4D97-AF65-F5344CB8AC3E}">
+        <p14:creationId xmlns:p14="http://schemas.microsoft.com/office/powerpoint/2010/main" val="1232703335"/>
+      </p:ext>
+    </p:extLst>
+  </p:cSld>
+  <p:clrMapOvr>
+    <a:masterClrMapping/>
+  </p:clrMapOvr>
+</p:sld>
+</file>
+
+<file path=ppt/slides/slide9.xml><?xml version="1.0" encoding="utf-8"?>
+<p:sld xmlns:a="http://schemas.openxmlformats.org/drawingml/2006/main" xmlns:r="http://schemas.openxmlformats.org/officeDocument/2006/relationships" xmlns:p="http://schemas.openxmlformats.org/presentationml/2006/main">
+  <p:cSld>
+    <p:spTree>
+      <p:nvGrpSpPr>
+        <p:cNvPr id="1" name=""/>
+        <p:cNvGrpSpPr/>
+        <p:nvPr/>
+      </p:nvGrpSpPr>
+      <p:grpSpPr>
+        <a:xfrm>
+          <a:off x="0" y="0"/>
+          <a:ext cx="0" cy="0"/>
+          <a:chOff x="0" y="0"/>
+          <a:chExt cx="0" cy="0"/>
+        </a:xfrm>
+      </p:grpSpPr>
+      <p:sp>
+        <p:nvSpPr>
+          <p:cNvPr id="2" name="Заголовок 1">
+            <a:extLst>
+              <a:ext uri="{FF2B5EF4-FFF2-40B4-BE49-F238E27FC236}">
+                <a16:creationId xmlns:a16="http://schemas.microsoft.com/office/drawing/2014/main" id="{65647690-7147-143D-7CA0-1BF5B2167331}"/>
+              </a:ext>
+            </a:extLst>
+          </p:cNvPr>
+          <p:cNvSpPr>
+            <a:spLocks noGrp="1"/>
+          </p:cNvSpPr>
+          <p:nvPr>
+            <p:ph type="title"/>
+          </p:nvPr>
+        </p:nvSpPr>
+        <p:spPr/>
+        <p:txBody>
+          <a:bodyPr/>
+          <a:lstStyle/>
+          <a:p>
+            <a:r>
+              <a:rPr lang="ru-RU" dirty="0"/>
+              <a:t>Демонстрация – создание отчета </a:t>
+            </a:r>
+            <a:r>
+              <a:rPr lang="en-US" dirty="0"/>
+              <a:t>“</a:t>
+            </a:r>
+            <a:r>
+              <a:rPr lang="ru-RU" dirty="0"/>
+              <a:t>Проведенные буровые работы</a:t>
+            </a:r>
+            <a:r>
+              <a:rPr lang="en-US" dirty="0"/>
+              <a:t>”</a:t>
+            </a:r>
+            <a:endParaRPr lang="ru-RU" dirty="0"/>
+          </a:p>
+        </p:txBody>
+      </p:sp>
+      <p:pic>
+        <p:nvPicPr>
+          <p:cNvPr id="5" name="Объект 4">
+            <a:extLst>
+              <a:ext uri="{FF2B5EF4-FFF2-40B4-BE49-F238E27FC236}">
+                <a16:creationId xmlns:a16="http://schemas.microsoft.com/office/drawing/2014/main" id="{FD0176E1-3E9C-FFB0-ADCE-8599A994C986}"/>
+              </a:ext>
+            </a:extLst>
+          </p:cNvPr>
+          <p:cNvPicPr>
+            <a:picLocks noGrp="1" noChangeAspect="1"/>
+          </p:cNvPicPr>
+          <p:nvPr>
+            <p:ph idx="1"/>
+          </p:nvPr>
+        </p:nvPicPr>
+        <p:blipFill>
+          <a:blip r:embed="rId2"/>
+          <a:stretch>
+            <a:fillRect/>
+          </a:stretch>
+        </p:blipFill>
+        <p:spPr>
+          <a:xfrm>
+            <a:off x="2228144" y="1825625"/>
+            <a:ext cx="7735712" cy="4351338"/>
+          </a:xfrm>
+        </p:spPr>
+      </p:pic>
+    </p:spTree>
+    <p:extLst>
+      <p:ext uri="{BB962C8B-B14F-4D97-AF65-F5344CB8AC3E}">
+        <p14:creationId xmlns:p14="http://schemas.microsoft.com/office/powerpoint/2010/main" val="3165608303"/>
       </p:ext>
     </p:extLst>
   </p:cSld>

--- a/GB.pptx
+++ b/GB.pptx
@@ -5,18 +5,22 @@
     <p:sldMasterId id="2147483648" r:id="rId1"/>
   </p:sldMasterIdLst>
   <p:sldIdLst>
-    <p:sldId id="256" r:id="rId2"/>
-    <p:sldId id="257" r:id="rId3"/>
-    <p:sldId id="258" r:id="rId4"/>
-    <p:sldId id="259" r:id="rId5"/>
-    <p:sldId id="260" r:id="rId6"/>
-    <p:sldId id="261" r:id="rId7"/>
-    <p:sldId id="262" r:id="rId8"/>
-    <p:sldId id="263" r:id="rId9"/>
-    <p:sldId id="264" r:id="rId10"/>
-    <p:sldId id="265" r:id="rId11"/>
-    <p:sldId id="266" r:id="rId12"/>
-    <p:sldId id="267" r:id="rId13"/>
+    <p:sldId id="433" r:id="rId2"/>
+    <p:sldId id="324" r:id="rId3"/>
+    <p:sldId id="498" r:id="rId4"/>
+    <p:sldId id="499" r:id="rId5"/>
+    <p:sldId id="500" r:id="rId6"/>
+    <p:sldId id="501" r:id="rId7"/>
+    <p:sldId id="509" r:id="rId8"/>
+    <p:sldId id="502" r:id="rId9"/>
+    <p:sldId id="503" r:id="rId10"/>
+    <p:sldId id="505" r:id="rId11"/>
+    <p:sldId id="504" r:id="rId12"/>
+    <p:sldId id="506" r:id="rId13"/>
+    <p:sldId id="508" r:id="rId14"/>
+    <p:sldId id="507" r:id="rId15"/>
+    <p:sldId id="497" r:id="rId16"/>
+    <p:sldId id="496" r:id="rId17"/>
   </p:sldIdLst>
   <p:sldSz cx="12192000" cy="6858000"/>
   <p:notesSz cx="6858000" cy="9144000"/>
@@ -270,7 +274,7 @@
           <a:p>
             <a:fld id="{082EB1F1-4DA3-4C94-A195-E026FD605553}" type="datetimeFigureOut">
               <a:rPr lang="ru-RU" smtClean="0"/>
-              <a:t>05.10.2022</a:t>
+              <a:t>07.10.2022</a:t>
             </a:fld>
             <a:endParaRPr lang="ru-RU"/>
           </a:p>
@@ -468,7 +472,7 @@
           <a:p>
             <a:fld id="{082EB1F1-4DA3-4C94-A195-E026FD605553}" type="datetimeFigureOut">
               <a:rPr lang="ru-RU" smtClean="0"/>
-              <a:t>05.10.2022</a:t>
+              <a:t>07.10.2022</a:t>
             </a:fld>
             <a:endParaRPr lang="ru-RU"/>
           </a:p>
@@ -676,7 +680,7 @@
           <a:p>
             <a:fld id="{082EB1F1-4DA3-4C94-A195-E026FD605553}" type="datetimeFigureOut">
               <a:rPr lang="ru-RU" smtClean="0"/>
-              <a:t>05.10.2022</a:t>
+              <a:t>07.10.2022</a:t>
             </a:fld>
             <a:endParaRPr lang="ru-RU"/>
           </a:p>
@@ -740,6 +744,1106 @@
     <p:extLst>
       <p:ext uri="{BB962C8B-B14F-4D97-AF65-F5344CB8AC3E}">
         <p14:creationId xmlns:p14="http://schemas.microsoft.com/office/powerpoint/2010/main" val="1015287669"/>
+      </p:ext>
+    </p:extLst>
+  </p:cSld>
+  <p:clrMapOvr>
+    <a:masterClrMapping/>
+  </p:clrMapOvr>
+</p:sldLayout>
+</file>
+
+<file path=ppt/slideLayouts/slideLayout12.xml><?xml version="1.0" encoding="utf-8"?>
+<p:sldLayout xmlns:a="http://schemas.openxmlformats.org/drawingml/2006/main" xmlns:r="http://schemas.openxmlformats.org/officeDocument/2006/relationships" xmlns:p="http://schemas.openxmlformats.org/presentationml/2006/main" userDrawn="1">
+  <p:cSld name="Cover Slide">
+    <p:spTree>
+      <p:nvGrpSpPr>
+        <p:cNvPr id="1" name=""/>
+        <p:cNvGrpSpPr/>
+        <p:nvPr/>
+      </p:nvGrpSpPr>
+      <p:grpSpPr>
+        <a:xfrm>
+          <a:off x="0" y="0"/>
+          <a:ext cx="0" cy="0"/>
+          <a:chOff x="0" y="0"/>
+          <a:chExt cx="0" cy="0"/>
+        </a:xfrm>
+      </p:grpSpPr>
+      <p:pic>
+        <p:nvPicPr>
+          <p:cNvPr id="4" name="Picture 3">
+            <a:extLst>
+              <a:ext uri="{FF2B5EF4-FFF2-40B4-BE49-F238E27FC236}">
+                <a16:creationId xmlns:a16="http://schemas.microsoft.com/office/drawing/2014/main" id="{4A0A9052-3330-5F40-AC97-8C5F187309C7}"/>
+              </a:ext>
+            </a:extLst>
+          </p:cNvPr>
+          <p:cNvPicPr>
+            <a:picLocks noChangeAspect="1"/>
+          </p:cNvPicPr>
+          <p:nvPr userDrawn="1"/>
+        </p:nvPicPr>
+        <p:blipFill>
+          <a:blip r:embed="rId2"/>
+          <a:stretch>
+            <a:fillRect/>
+          </a:stretch>
+        </p:blipFill>
+        <p:spPr>
+          <a:xfrm>
+            <a:off x="444500" y="444500"/>
+            <a:ext cx="11303000" cy="5969000"/>
+          </a:xfrm>
+          <a:prstGeom prst="rect">
+            <a:avLst/>
+          </a:prstGeom>
+        </p:spPr>
+      </p:pic>
+      <p:sp>
+        <p:nvSpPr>
+          <p:cNvPr id="2" name="Title 1">
+            <a:extLst>
+              <a:ext uri="{FF2B5EF4-FFF2-40B4-BE49-F238E27FC236}">
+                <a16:creationId xmlns:a16="http://schemas.microsoft.com/office/drawing/2014/main" id="{1D22824F-CB36-CD48-B67B-34E5EA0EE1C5}"/>
+              </a:ext>
+            </a:extLst>
+          </p:cNvPr>
+          <p:cNvSpPr>
+            <a:spLocks noGrp="1"/>
+          </p:cNvSpPr>
+          <p:nvPr>
+            <p:ph type="ctrTitle"/>
+          </p:nvPr>
+        </p:nvSpPr>
+        <p:spPr>
+          <a:xfrm>
+            <a:off x="1524000" y="1360448"/>
+            <a:ext cx="9144000" cy="1909763"/>
+          </a:xfrm>
+        </p:spPr>
+        <p:txBody>
+          <a:bodyPr anchor="b">
+            <a:normAutofit/>
+          </a:bodyPr>
+          <a:lstStyle>
+            <a:lvl1pPr algn="ctr">
+              <a:lnSpc>
+                <a:spcPct val="100000"/>
+              </a:lnSpc>
+              <a:defRPr sz="2400" b="0" i="0">
+                <a:solidFill>
+                  <a:srgbClr val="54FFD3"/>
+                </a:solidFill>
+                <a:latin typeface="Dazzed" pitchFamily="2" charset="77"/>
+                <a:cs typeface="Dazzed" pitchFamily="2" charset="77"/>
+              </a:defRPr>
+            </a:lvl1pPr>
+          </a:lstStyle>
+          <a:p>
+            <a:r>
+              <a:rPr lang="en-GB" dirty="0"/>
+              <a:t>Click to edit Master title style</a:t>
+            </a:r>
+            <a:endParaRPr lang="en-US" dirty="0"/>
+          </a:p>
+        </p:txBody>
+      </p:sp>
+      <p:sp>
+        <p:nvSpPr>
+          <p:cNvPr id="3" name="Subtitle 2">
+            <a:extLst>
+              <a:ext uri="{FF2B5EF4-FFF2-40B4-BE49-F238E27FC236}">
+                <a16:creationId xmlns:a16="http://schemas.microsoft.com/office/drawing/2014/main" id="{F3979915-5FEC-304E-BFCF-EE19E84412B8}"/>
+              </a:ext>
+            </a:extLst>
+          </p:cNvPr>
+          <p:cNvSpPr>
+            <a:spLocks noGrp="1"/>
+          </p:cNvSpPr>
+          <p:nvPr>
+            <p:ph type="subTitle" idx="1"/>
+          </p:nvPr>
+        </p:nvSpPr>
+        <p:spPr>
+          <a:xfrm>
+            <a:off x="1524000" y="3497361"/>
+            <a:ext cx="9144000" cy="1520687"/>
+          </a:xfrm>
+        </p:spPr>
+        <p:txBody>
+          <a:bodyPr>
+            <a:normAutofit/>
+          </a:bodyPr>
+          <a:lstStyle>
+            <a:lvl1pPr marL="0" indent="0" algn="ctr">
+              <a:lnSpc>
+                <a:spcPct val="100000"/>
+              </a:lnSpc>
+              <a:buNone/>
+              <a:defRPr sz="1400">
+                <a:solidFill>
+                  <a:srgbClr val="54FFD3"/>
+                </a:solidFill>
+                <a:latin typeface="Dazzed" pitchFamily="2" charset="77"/>
+                <a:cs typeface="Dazzed" pitchFamily="2" charset="77"/>
+              </a:defRPr>
+            </a:lvl1pPr>
+            <a:lvl2pPr marL="457200" indent="0" algn="ctr">
+              <a:buNone/>
+              <a:defRPr sz="2000"/>
+            </a:lvl2pPr>
+            <a:lvl3pPr marL="914400" indent="0" algn="ctr">
+              <a:buNone/>
+              <a:defRPr sz="1800"/>
+            </a:lvl3pPr>
+            <a:lvl4pPr marL="1371600" indent="0" algn="ctr">
+              <a:buNone/>
+              <a:defRPr sz="1600"/>
+            </a:lvl4pPr>
+            <a:lvl5pPr marL="1828800" indent="0" algn="ctr">
+              <a:buNone/>
+              <a:defRPr sz="1600"/>
+            </a:lvl5pPr>
+            <a:lvl6pPr marL="2286000" indent="0" algn="ctr">
+              <a:buNone/>
+              <a:defRPr sz="1600"/>
+            </a:lvl6pPr>
+            <a:lvl7pPr marL="2743200" indent="0" algn="ctr">
+              <a:buNone/>
+              <a:defRPr sz="1600"/>
+            </a:lvl7pPr>
+            <a:lvl8pPr marL="3200400" indent="0" algn="ctr">
+              <a:buNone/>
+              <a:defRPr sz="1600"/>
+            </a:lvl8pPr>
+            <a:lvl9pPr marL="3657600" indent="0" algn="ctr">
+              <a:buNone/>
+              <a:defRPr sz="1600"/>
+            </a:lvl9pPr>
+          </a:lstStyle>
+          <a:p>
+            <a:r>
+              <a:rPr lang="en-GB" dirty="0"/>
+              <a:t>Click to edit Master subtitle style</a:t>
+            </a:r>
+            <a:endParaRPr lang="en-US" dirty="0"/>
+          </a:p>
+        </p:txBody>
+      </p:sp>
+      <p:sp>
+        <p:nvSpPr>
+          <p:cNvPr id="38" name="Text Placeholder 2">
+            <a:extLst>
+              <a:ext uri="{FF2B5EF4-FFF2-40B4-BE49-F238E27FC236}">
+                <a16:creationId xmlns:a16="http://schemas.microsoft.com/office/drawing/2014/main" id="{2426DC13-27CB-1F42-B8C1-E9AAFDFA621E}"/>
+              </a:ext>
+            </a:extLst>
+          </p:cNvPr>
+          <p:cNvSpPr>
+            <a:spLocks noGrp="1"/>
+          </p:cNvSpPr>
+          <p:nvPr>
+            <p:ph type="body" idx="13" hasCustomPrompt="1"/>
+          </p:nvPr>
+        </p:nvSpPr>
+        <p:spPr>
+          <a:xfrm>
+            <a:off x="3706651" y="763974"/>
+            <a:ext cx="4778697" cy="277000"/>
+          </a:xfrm>
+        </p:spPr>
+        <p:txBody>
+          <a:bodyPr>
+            <a:noAutofit/>
+          </a:bodyPr>
+          <a:lstStyle>
+            <a:lvl1pPr marL="0" indent="0" algn="ctr">
+              <a:lnSpc>
+                <a:spcPct val="100000"/>
+              </a:lnSpc>
+              <a:buNone/>
+              <a:defRPr sz="1200">
+                <a:solidFill>
+                  <a:srgbClr val="54FFD3"/>
+                </a:solidFill>
+                <a:latin typeface="Dazzed" pitchFamily="2" charset="77"/>
+                <a:cs typeface="Dazzed" pitchFamily="2" charset="77"/>
+              </a:defRPr>
+            </a:lvl1pPr>
+            <a:lvl2pPr marL="457200" indent="0">
+              <a:buNone/>
+              <a:defRPr sz="2000">
+                <a:solidFill>
+                  <a:schemeClr val="tx1">
+                    <a:tint val="75000"/>
+                  </a:schemeClr>
+                </a:solidFill>
+              </a:defRPr>
+            </a:lvl2pPr>
+            <a:lvl3pPr marL="914400" indent="0">
+              <a:buNone/>
+              <a:defRPr sz="1800">
+                <a:solidFill>
+                  <a:schemeClr val="tx1">
+                    <a:tint val="75000"/>
+                  </a:schemeClr>
+                </a:solidFill>
+              </a:defRPr>
+            </a:lvl3pPr>
+            <a:lvl4pPr marL="1371600" indent="0">
+              <a:buNone/>
+              <a:defRPr sz="1600">
+                <a:solidFill>
+                  <a:schemeClr val="tx1">
+                    <a:tint val="75000"/>
+                  </a:schemeClr>
+                </a:solidFill>
+              </a:defRPr>
+            </a:lvl4pPr>
+            <a:lvl5pPr marL="1828800" indent="0">
+              <a:buNone/>
+              <a:defRPr sz="1600">
+                <a:solidFill>
+                  <a:schemeClr val="tx1">
+                    <a:tint val="75000"/>
+                  </a:schemeClr>
+                </a:solidFill>
+              </a:defRPr>
+            </a:lvl5pPr>
+            <a:lvl6pPr marL="2286000" indent="0">
+              <a:buNone/>
+              <a:defRPr sz="1600">
+                <a:solidFill>
+                  <a:schemeClr val="tx1">
+                    <a:tint val="75000"/>
+                  </a:schemeClr>
+                </a:solidFill>
+              </a:defRPr>
+            </a:lvl6pPr>
+            <a:lvl7pPr marL="2743200" indent="0">
+              <a:buNone/>
+              <a:defRPr sz="1600">
+                <a:solidFill>
+                  <a:schemeClr val="tx1">
+                    <a:tint val="75000"/>
+                  </a:schemeClr>
+                </a:solidFill>
+              </a:defRPr>
+            </a:lvl7pPr>
+            <a:lvl8pPr marL="3200400" indent="0">
+              <a:buNone/>
+              <a:defRPr sz="1600">
+                <a:solidFill>
+                  <a:schemeClr val="tx1">
+                    <a:tint val="75000"/>
+                  </a:schemeClr>
+                </a:solidFill>
+              </a:defRPr>
+            </a:lvl8pPr>
+            <a:lvl9pPr marL="3657600" indent="0">
+              <a:buNone/>
+              <a:defRPr sz="1600">
+                <a:solidFill>
+                  <a:schemeClr val="tx1">
+                    <a:tint val="75000"/>
+                  </a:schemeClr>
+                </a:solidFill>
+              </a:defRPr>
+            </a:lvl9pPr>
+          </a:lstStyle>
+          <a:p>
+            <a:pPr lvl="0"/>
+            <a:r>
+              <a:rPr lang="en-GB" dirty="0"/>
+              <a:t>Session Title </a:t>
+            </a:r>
+          </a:p>
+        </p:txBody>
+      </p:sp>
+      <p:sp>
+        <p:nvSpPr>
+          <p:cNvPr id="55" name="Slide Number Placeholder 5">
+            <a:extLst>
+              <a:ext uri="{FF2B5EF4-FFF2-40B4-BE49-F238E27FC236}">
+                <a16:creationId xmlns:a16="http://schemas.microsoft.com/office/drawing/2014/main" id="{38A26ABF-1E1B-E94B-94F2-7326E647FF05}"/>
+              </a:ext>
+            </a:extLst>
+          </p:cNvPr>
+          <p:cNvSpPr>
+            <a:spLocks noGrp="1"/>
+          </p:cNvSpPr>
+          <p:nvPr>
+            <p:ph type="sldNum" sz="quarter" idx="15"/>
+          </p:nvPr>
+        </p:nvSpPr>
+        <p:spPr>
+          <a:xfrm>
+            <a:off x="9206610" y="6524002"/>
+            <a:ext cx="2743200" cy="234172"/>
+          </a:xfrm>
+        </p:spPr>
+        <p:txBody>
+          <a:bodyPr/>
+          <a:lstStyle>
+            <a:lvl1pPr>
+              <a:defRPr sz="1000">
+                <a:solidFill>
+                  <a:srgbClr val="372D68"/>
+                </a:solidFill>
+                <a:latin typeface="Dazzed" pitchFamily="2" charset="77"/>
+                <a:cs typeface="Dazzed" pitchFamily="2" charset="77"/>
+              </a:defRPr>
+            </a:lvl1pPr>
+          </a:lstStyle>
+          <a:p>
+            <a:fld id="{4B39C457-76FE-C449-9552-4CBE0B23A7F2}" type="slidenum">
+              <a:rPr lang="en-US" smtClean="0"/>
+              <a:pPr/>
+              <a:t>‹#›</a:t>
+            </a:fld>
+            <a:endParaRPr lang="en-US" dirty="0"/>
+          </a:p>
+        </p:txBody>
+      </p:sp>
+    </p:spTree>
+    <p:extLst>
+      <p:ext uri="{BB962C8B-B14F-4D97-AF65-F5344CB8AC3E}">
+        <p14:creationId xmlns:p14="http://schemas.microsoft.com/office/powerpoint/2010/main" val="3151689901"/>
+      </p:ext>
+    </p:extLst>
+  </p:cSld>
+  <p:clrMapOvr>
+    <a:masterClrMapping/>
+  </p:clrMapOvr>
+</p:sldLayout>
+</file>
+
+<file path=ppt/slideLayouts/slideLayout13.xml><?xml version="1.0" encoding="utf-8"?>
+<p:sldLayout xmlns:a="http://schemas.openxmlformats.org/drawingml/2006/main" xmlns:r="http://schemas.openxmlformats.org/officeDocument/2006/relationships" xmlns:p="http://schemas.openxmlformats.org/presentationml/2006/main" userDrawn="1">
+  <p:cSld name="2 lines - Header, Subheader &amp; Text">
+    <p:spTree>
+      <p:nvGrpSpPr>
+        <p:cNvPr id="1" name=""/>
+        <p:cNvGrpSpPr/>
+        <p:nvPr/>
+      </p:nvGrpSpPr>
+      <p:grpSpPr>
+        <a:xfrm>
+          <a:off x="0" y="0"/>
+          <a:ext cx="0" cy="0"/>
+          <a:chOff x="0" y="0"/>
+          <a:chExt cx="0" cy="0"/>
+        </a:xfrm>
+      </p:grpSpPr>
+      <p:sp>
+        <p:nvSpPr>
+          <p:cNvPr id="25" name="Slide Number Placeholder 5">
+            <a:extLst>
+              <a:ext uri="{FF2B5EF4-FFF2-40B4-BE49-F238E27FC236}">
+                <a16:creationId xmlns:a16="http://schemas.microsoft.com/office/drawing/2014/main" id="{F46D4636-E5B2-E44D-8139-889EC34C0757}"/>
+              </a:ext>
+            </a:extLst>
+          </p:cNvPr>
+          <p:cNvSpPr>
+            <a:spLocks noGrp="1"/>
+          </p:cNvSpPr>
+          <p:nvPr>
+            <p:ph type="sldNum" sz="quarter" idx="15"/>
+          </p:nvPr>
+        </p:nvSpPr>
+        <p:spPr>
+          <a:xfrm>
+            <a:off x="9206610" y="6524002"/>
+            <a:ext cx="2743200" cy="234172"/>
+          </a:xfrm>
+        </p:spPr>
+        <p:txBody>
+          <a:bodyPr/>
+          <a:lstStyle>
+            <a:lvl1pPr>
+              <a:defRPr sz="1000">
+                <a:solidFill>
+                  <a:srgbClr val="372D68"/>
+                </a:solidFill>
+                <a:latin typeface="Dazzed" pitchFamily="2" charset="77"/>
+                <a:cs typeface="Dazzed" pitchFamily="2" charset="77"/>
+              </a:defRPr>
+            </a:lvl1pPr>
+          </a:lstStyle>
+          <a:p>
+            <a:fld id="{4B39C457-76FE-C449-9552-4CBE0B23A7F2}" type="slidenum">
+              <a:rPr lang="en-US" smtClean="0"/>
+              <a:pPr/>
+              <a:t>‹#›</a:t>
+            </a:fld>
+            <a:endParaRPr lang="en-US" dirty="0"/>
+          </a:p>
+        </p:txBody>
+      </p:sp>
+      <p:sp>
+        <p:nvSpPr>
+          <p:cNvPr id="26" name="Text Placeholder 2">
+            <a:extLst>
+              <a:ext uri="{FF2B5EF4-FFF2-40B4-BE49-F238E27FC236}">
+                <a16:creationId xmlns:a16="http://schemas.microsoft.com/office/drawing/2014/main" id="{A55D3523-78B8-A14F-A7D6-525D9C704B1A}"/>
+              </a:ext>
+            </a:extLst>
+          </p:cNvPr>
+          <p:cNvSpPr>
+            <a:spLocks noGrp="1"/>
+          </p:cNvSpPr>
+          <p:nvPr>
+            <p:ph type="body" idx="16" hasCustomPrompt="1"/>
+          </p:nvPr>
+        </p:nvSpPr>
+        <p:spPr>
+          <a:xfrm>
+            <a:off x="7537023" y="6241443"/>
+            <a:ext cx="4412787" cy="222218"/>
+          </a:xfrm>
+        </p:spPr>
+        <p:txBody>
+          <a:bodyPr>
+            <a:noAutofit/>
+          </a:bodyPr>
+          <a:lstStyle>
+            <a:lvl1pPr marL="0" indent="0" algn="r">
+              <a:buNone/>
+              <a:defRPr sz="1000">
+                <a:solidFill>
+                  <a:srgbClr val="372D68"/>
+                </a:solidFill>
+                <a:latin typeface="Dazzed" pitchFamily="2" charset="77"/>
+                <a:cs typeface="Dazzed" pitchFamily="2" charset="77"/>
+              </a:defRPr>
+            </a:lvl1pPr>
+            <a:lvl2pPr marL="457200" indent="0">
+              <a:buNone/>
+              <a:defRPr sz="2000">
+                <a:solidFill>
+                  <a:schemeClr val="tx1">
+                    <a:tint val="75000"/>
+                  </a:schemeClr>
+                </a:solidFill>
+              </a:defRPr>
+            </a:lvl2pPr>
+            <a:lvl3pPr marL="914400" indent="0">
+              <a:buNone/>
+              <a:defRPr sz="1800">
+                <a:solidFill>
+                  <a:schemeClr val="tx1">
+                    <a:tint val="75000"/>
+                  </a:schemeClr>
+                </a:solidFill>
+              </a:defRPr>
+            </a:lvl3pPr>
+            <a:lvl4pPr marL="1371600" indent="0">
+              <a:buNone/>
+              <a:defRPr sz="1600">
+                <a:solidFill>
+                  <a:schemeClr val="tx1">
+                    <a:tint val="75000"/>
+                  </a:schemeClr>
+                </a:solidFill>
+              </a:defRPr>
+            </a:lvl4pPr>
+            <a:lvl5pPr marL="1828800" indent="0">
+              <a:buNone/>
+              <a:defRPr sz="1600">
+                <a:solidFill>
+                  <a:schemeClr val="tx1">
+                    <a:tint val="75000"/>
+                  </a:schemeClr>
+                </a:solidFill>
+              </a:defRPr>
+            </a:lvl5pPr>
+            <a:lvl6pPr marL="2286000" indent="0">
+              <a:buNone/>
+              <a:defRPr sz="1600">
+                <a:solidFill>
+                  <a:schemeClr val="tx1">
+                    <a:tint val="75000"/>
+                  </a:schemeClr>
+                </a:solidFill>
+              </a:defRPr>
+            </a:lvl6pPr>
+            <a:lvl7pPr marL="2743200" indent="0">
+              <a:buNone/>
+              <a:defRPr sz="1600">
+                <a:solidFill>
+                  <a:schemeClr val="tx1">
+                    <a:tint val="75000"/>
+                  </a:schemeClr>
+                </a:solidFill>
+              </a:defRPr>
+            </a:lvl7pPr>
+            <a:lvl8pPr marL="3200400" indent="0">
+              <a:buNone/>
+              <a:defRPr sz="1600">
+                <a:solidFill>
+                  <a:schemeClr val="tx1">
+                    <a:tint val="75000"/>
+                  </a:schemeClr>
+                </a:solidFill>
+              </a:defRPr>
+            </a:lvl8pPr>
+            <a:lvl9pPr marL="3657600" indent="0">
+              <a:buNone/>
+              <a:defRPr sz="1600">
+                <a:solidFill>
+                  <a:schemeClr val="tx1">
+                    <a:tint val="75000"/>
+                  </a:schemeClr>
+                </a:solidFill>
+              </a:defRPr>
+            </a:lvl9pPr>
+          </a:lstStyle>
+          <a:p>
+            <a:pPr lvl="0"/>
+            <a:r>
+              <a:rPr lang="en-GB" dirty="0"/>
+              <a:t>Reference here</a:t>
+            </a:r>
+          </a:p>
+        </p:txBody>
+      </p:sp>
+      <p:pic>
+        <p:nvPicPr>
+          <p:cNvPr id="8" name="Picture 7" descr="Icon&#10;&#10;Description automatically generated">
+            <a:extLst>
+              <a:ext uri="{FF2B5EF4-FFF2-40B4-BE49-F238E27FC236}">
+                <a16:creationId xmlns:a16="http://schemas.microsoft.com/office/drawing/2014/main" id="{9E71DA03-94CA-B04C-B06C-62E619080040}"/>
+              </a:ext>
+            </a:extLst>
+          </p:cNvPr>
+          <p:cNvPicPr>
+            <a:picLocks noChangeAspect="1"/>
+          </p:cNvPicPr>
+          <p:nvPr userDrawn="1"/>
+        </p:nvPicPr>
+        <p:blipFill>
+          <a:blip r:embed="rId2"/>
+          <a:stretch>
+            <a:fillRect/>
+          </a:stretch>
+        </p:blipFill>
+        <p:spPr>
+          <a:xfrm>
+            <a:off x="369734" y="6194033"/>
+            <a:ext cx="2122180" cy="337449"/>
+          </a:xfrm>
+          <a:prstGeom prst="rect">
+            <a:avLst/>
+          </a:prstGeom>
+        </p:spPr>
+      </p:pic>
+      <p:sp>
+        <p:nvSpPr>
+          <p:cNvPr id="10" name="Text Placeholder 3">
+            <a:extLst>
+              <a:ext uri="{FF2B5EF4-FFF2-40B4-BE49-F238E27FC236}">
+                <a16:creationId xmlns:a16="http://schemas.microsoft.com/office/drawing/2014/main" id="{54B357B1-3AEF-0041-B202-617AC07F4F7F}"/>
+              </a:ext>
+            </a:extLst>
+          </p:cNvPr>
+          <p:cNvSpPr>
+            <a:spLocks noGrp="1"/>
+          </p:cNvSpPr>
+          <p:nvPr>
+            <p:ph type="body" sz="quarter" idx="18"/>
+          </p:nvPr>
+        </p:nvSpPr>
+        <p:spPr>
+          <a:xfrm>
+            <a:off x="268941" y="1940108"/>
+            <a:ext cx="11654118" cy="3963542"/>
+          </a:xfrm>
+          <a:prstGeom prst="rect">
+            <a:avLst/>
+          </a:prstGeom>
+        </p:spPr>
+        <p:txBody>
+          <a:bodyPr anchor="t"/>
+          <a:lstStyle>
+            <a:lvl1pPr marL="177800" indent="-177800" algn="l">
+              <a:lnSpc>
+                <a:spcPct val="100000"/>
+              </a:lnSpc>
+              <a:buFont typeface="Arial" panose="020B0604020202020204" pitchFamily="34" charset="0"/>
+              <a:buChar char="•"/>
+              <a:defRPr sz="1400" b="0" i="0">
+                <a:solidFill>
+                  <a:srgbClr val="372D68"/>
+                </a:solidFill>
+                <a:latin typeface="Dazzed" pitchFamily="2" charset="77"/>
+                <a:cs typeface="Dazzed" pitchFamily="2" charset="77"/>
+              </a:defRPr>
+            </a:lvl1pPr>
+            <a:lvl2pPr marL="541338" indent="-185738">
+              <a:lnSpc>
+                <a:spcPct val="100000"/>
+              </a:lnSpc>
+              <a:defRPr sz="1200" b="0" i="0">
+                <a:solidFill>
+                  <a:srgbClr val="372D68"/>
+                </a:solidFill>
+                <a:latin typeface="Dazzed" pitchFamily="2" charset="77"/>
+                <a:cs typeface="Dazzed" pitchFamily="2" charset="77"/>
+              </a:defRPr>
+            </a:lvl2pPr>
+            <a:lvl3pPr marL="985838" indent="-177800">
+              <a:lnSpc>
+                <a:spcPct val="100000"/>
+              </a:lnSpc>
+              <a:tabLst>
+                <a:tab pos="1527175" algn="l"/>
+              </a:tabLst>
+              <a:defRPr sz="1000" b="0" i="0">
+                <a:solidFill>
+                  <a:srgbClr val="372D68"/>
+                </a:solidFill>
+                <a:latin typeface="Dazzed" pitchFamily="2" charset="77"/>
+                <a:cs typeface="Dazzed" pitchFamily="2" charset="77"/>
+              </a:defRPr>
+            </a:lvl3pPr>
+            <a:lvl4pPr marL="1252538" indent="-177800">
+              <a:lnSpc>
+                <a:spcPct val="100000"/>
+              </a:lnSpc>
+              <a:defRPr sz="800" b="0" i="0">
+                <a:solidFill>
+                  <a:srgbClr val="372D68"/>
+                </a:solidFill>
+                <a:latin typeface="Dazzed" pitchFamily="2" charset="77"/>
+                <a:cs typeface="Dazzed" pitchFamily="2" charset="77"/>
+              </a:defRPr>
+            </a:lvl4pPr>
+            <a:lvl5pPr marL="1527175" indent="-187325">
+              <a:lnSpc>
+                <a:spcPct val="100000"/>
+              </a:lnSpc>
+              <a:defRPr sz="800" b="0" i="0">
+                <a:solidFill>
+                  <a:srgbClr val="372D68"/>
+                </a:solidFill>
+                <a:latin typeface="Dazzed" pitchFamily="2" charset="77"/>
+                <a:cs typeface="Dazzed" pitchFamily="2" charset="77"/>
+              </a:defRPr>
+            </a:lvl5pPr>
+          </a:lstStyle>
+          <a:p>
+            <a:pPr lvl="0"/>
+            <a:r>
+              <a:rPr lang="en-GB" dirty="0"/>
+              <a:t>Click to edit Master text styles</a:t>
+            </a:r>
+          </a:p>
+          <a:p>
+            <a:pPr lvl="1"/>
+            <a:r>
+              <a:rPr lang="en-GB" dirty="0"/>
+              <a:t>Second level</a:t>
+            </a:r>
+          </a:p>
+          <a:p>
+            <a:pPr lvl="2"/>
+            <a:r>
+              <a:rPr lang="en-GB" dirty="0"/>
+              <a:t>Third level</a:t>
+            </a:r>
+          </a:p>
+          <a:p>
+            <a:pPr lvl="3"/>
+            <a:r>
+              <a:rPr lang="en-GB" dirty="0"/>
+              <a:t>Fourth level</a:t>
+            </a:r>
+          </a:p>
+          <a:p>
+            <a:pPr lvl="4"/>
+            <a:r>
+              <a:rPr lang="en-GB" dirty="0"/>
+              <a:t>Fifth level</a:t>
+            </a:r>
+            <a:endParaRPr lang="en-AU" dirty="0"/>
+          </a:p>
+        </p:txBody>
+      </p:sp>
+      <p:sp>
+        <p:nvSpPr>
+          <p:cNvPr id="11" name="Title 1">
+            <a:extLst>
+              <a:ext uri="{FF2B5EF4-FFF2-40B4-BE49-F238E27FC236}">
+                <a16:creationId xmlns:a16="http://schemas.microsoft.com/office/drawing/2014/main" id="{7BB9CDC2-5FF3-B148-A251-B88DAEA3D043}"/>
+              </a:ext>
+            </a:extLst>
+          </p:cNvPr>
+          <p:cNvSpPr>
+            <a:spLocks noGrp="1"/>
+          </p:cNvSpPr>
+          <p:nvPr>
+            <p:ph type="ctrTitle"/>
+          </p:nvPr>
+        </p:nvSpPr>
+        <p:spPr>
+          <a:xfrm>
+            <a:off x="268941" y="299710"/>
+            <a:ext cx="11654118" cy="1014740"/>
+          </a:xfrm>
+        </p:spPr>
+        <p:txBody>
+          <a:bodyPr anchor="t">
+            <a:normAutofit/>
+          </a:bodyPr>
+          <a:lstStyle>
+            <a:lvl1pPr algn="l">
+              <a:lnSpc>
+                <a:spcPct val="100000"/>
+              </a:lnSpc>
+              <a:defRPr sz="2400" b="0" i="0">
+                <a:solidFill>
+                  <a:srgbClr val="372D68"/>
+                </a:solidFill>
+                <a:latin typeface="Dazzed" pitchFamily="2" charset="77"/>
+                <a:cs typeface="Dazzed" pitchFamily="2" charset="77"/>
+              </a:defRPr>
+            </a:lvl1pPr>
+          </a:lstStyle>
+          <a:p>
+            <a:r>
+              <a:rPr lang="en-GB" dirty="0"/>
+              <a:t>Click to edit Master title style</a:t>
+            </a:r>
+            <a:endParaRPr lang="en-US" dirty="0"/>
+          </a:p>
+        </p:txBody>
+      </p:sp>
+      <p:sp>
+        <p:nvSpPr>
+          <p:cNvPr id="13" name="Subtitle 2">
+            <a:extLst>
+              <a:ext uri="{FF2B5EF4-FFF2-40B4-BE49-F238E27FC236}">
+                <a16:creationId xmlns:a16="http://schemas.microsoft.com/office/drawing/2014/main" id="{5EF4C496-00E8-CF47-B140-BE8756DC75E2}"/>
+              </a:ext>
+            </a:extLst>
+          </p:cNvPr>
+          <p:cNvSpPr>
+            <a:spLocks noGrp="1"/>
+          </p:cNvSpPr>
+          <p:nvPr>
+            <p:ph type="subTitle" idx="1"/>
+          </p:nvPr>
+        </p:nvSpPr>
+        <p:spPr>
+          <a:xfrm>
+            <a:off x="268941" y="1422470"/>
+            <a:ext cx="11654118" cy="413474"/>
+          </a:xfrm>
+        </p:spPr>
+        <p:txBody>
+          <a:bodyPr>
+            <a:normAutofit/>
+          </a:bodyPr>
+          <a:lstStyle>
+            <a:lvl1pPr marL="0" indent="0" algn="l">
+              <a:lnSpc>
+                <a:spcPct val="100000"/>
+              </a:lnSpc>
+              <a:buNone/>
+              <a:defRPr sz="1400" b="0" i="0">
+                <a:solidFill>
+                  <a:srgbClr val="372D68"/>
+                </a:solidFill>
+                <a:latin typeface="Dazzed" pitchFamily="2" charset="77"/>
+                <a:cs typeface="Dazzed" pitchFamily="2" charset="77"/>
+              </a:defRPr>
+            </a:lvl1pPr>
+            <a:lvl2pPr marL="457200" indent="0" algn="ctr">
+              <a:buNone/>
+              <a:defRPr sz="2000"/>
+            </a:lvl2pPr>
+            <a:lvl3pPr marL="914400" indent="0" algn="ctr">
+              <a:buNone/>
+              <a:defRPr sz="1800"/>
+            </a:lvl3pPr>
+            <a:lvl4pPr marL="1371600" indent="0" algn="ctr">
+              <a:buNone/>
+              <a:defRPr sz="1600"/>
+            </a:lvl4pPr>
+            <a:lvl5pPr marL="1828800" indent="0" algn="ctr">
+              <a:buNone/>
+              <a:defRPr sz="1600"/>
+            </a:lvl5pPr>
+            <a:lvl6pPr marL="2286000" indent="0" algn="ctr">
+              <a:buNone/>
+              <a:defRPr sz="1600"/>
+            </a:lvl6pPr>
+            <a:lvl7pPr marL="2743200" indent="0" algn="ctr">
+              <a:buNone/>
+              <a:defRPr sz="1600"/>
+            </a:lvl7pPr>
+            <a:lvl8pPr marL="3200400" indent="0" algn="ctr">
+              <a:buNone/>
+              <a:defRPr sz="1600"/>
+            </a:lvl8pPr>
+            <a:lvl9pPr marL="3657600" indent="0" algn="ctr">
+              <a:buNone/>
+              <a:defRPr sz="1600"/>
+            </a:lvl9pPr>
+          </a:lstStyle>
+          <a:p>
+            <a:r>
+              <a:rPr lang="en-GB" dirty="0"/>
+              <a:t>Click to edit Master subtitle style</a:t>
+            </a:r>
+            <a:endParaRPr lang="en-US" dirty="0"/>
+          </a:p>
+        </p:txBody>
+      </p:sp>
+    </p:spTree>
+    <p:extLst>
+      <p:ext uri="{BB962C8B-B14F-4D97-AF65-F5344CB8AC3E}">
+        <p14:creationId xmlns:p14="http://schemas.microsoft.com/office/powerpoint/2010/main" val="2567619976"/>
+      </p:ext>
+    </p:extLst>
+  </p:cSld>
+  <p:clrMapOvr>
+    <a:masterClrMapping/>
+  </p:clrMapOvr>
+</p:sldLayout>
+</file>
+
+<file path=ppt/slideLayouts/slideLayout14.xml><?xml version="1.0" encoding="utf-8"?>
+<p:sldLayout xmlns:a="http://schemas.openxmlformats.org/drawingml/2006/main" xmlns:r="http://schemas.openxmlformats.org/officeDocument/2006/relationships" xmlns:p="http://schemas.openxmlformats.org/presentationml/2006/main" userDrawn="1">
+  <p:cSld name="Header &amp; Subheader Slide - White">
+    <p:spTree>
+      <p:nvGrpSpPr>
+        <p:cNvPr id="1" name=""/>
+        <p:cNvGrpSpPr/>
+        <p:nvPr/>
+      </p:nvGrpSpPr>
+      <p:grpSpPr>
+        <a:xfrm>
+          <a:off x="0" y="0"/>
+          <a:ext cx="0" cy="0"/>
+          <a:chOff x="0" y="0"/>
+          <a:chExt cx="0" cy="0"/>
+        </a:xfrm>
+      </p:grpSpPr>
+      <p:sp>
+        <p:nvSpPr>
+          <p:cNvPr id="13" name="Slide Number Placeholder 5">
+            <a:extLst>
+              <a:ext uri="{FF2B5EF4-FFF2-40B4-BE49-F238E27FC236}">
+                <a16:creationId xmlns:a16="http://schemas.microsoft.com/office/drawing/2014/main" id="{2D8A93BA-2147-614E-BAD8-1B5B41D0C8F2}"/>
+              </a:ext>
+            </a:extLst>
+          </p:cNvPr>
+          <p:cNvSpPr>
+            <a:spLocks noGrp="1"/>
+          </p:cNvSpPr>
+          <p:nvPr>
+            <p:ph type="sldNum" sz="quarter" idx="15"/>
+          </p:nvPr>
+        </p:nvSpPr>
+        <p:spPr>
+          <a:xfrm>
+            <a:off x="9206610" y="6524002"/>
+            <a:ext cx="2743200" cy="234172"/>
+          </a:xfrm>
+        </p:spPr>
+        <p:txBody>
+          <a:bodyPr/>
+          <a:lstStyle>
+            <a:lvl1pPr>
+              <a:lnSpc>
+                <a:spcPct val="100000"/>
+              </a:lnSpc>
+              <a:defRPr sz="1000">
+                <a:solidFill>
+                  <a:srgbClr val="372D68"/>
+                </a:solidFill>
+                <a:latin typeface="Dazzed" pitchFamily="2" charset="77"/>
+                <a:cs typeface="Dazzed" pitchFamily="2" charset="77"/>
+              </a:defRPr>
+            </a:lvl1pPr>
+          </a:lstStyle>
+          <a:p>
+            <a:fld id="{4B39C457-76FE-C449-9552-4CBE0B23A7F2}" type="slidenum">
+              <a:rPr lang="en-US" smtClean="0"/>
+              <a:pPr/>
+              <a:t>‹#›</a:t>
+            </a:fld>
+            <a:endParaRPr lang="en-US" dirty="0"/>
+          </a:p>
+        </p:txBody>
+      </p:sp>
+      <p:sp>
+        <p:nvSpPr>
+          <p:cNvPr id="6" name="Title 1">
+            <a:extLst>
+              <a:ext uri="{FF2B5EF4-FFF2-40B4-BE49-F238E27FC236}">
+                <a16:creationId xmlns:a16="http://schemas.microsoft.com/office/drawing/2014/main" id="{EBF33FE6-9AA7-C642-90F2-9CE0B8E357EF}"/>
+              </a:ext>
+            </a:extLst>
+          </p:cNvPr>
+          <p:cNvSpPr>
+            <a:spLocks noGrp="1"/>
+          </p:cNvSpPr>
+          <p:nvPr>
+            <p:ph type="ctrTitle"/>
+          </p:nvPr>
+        </p:nvSpPr>
+        <p:spPr>
+          <a:xfrm>
+            <a:off x="268941" y="299710"/>
+            <a:ext cx="6698389" cy="1014740"/>
+          </a:xfrm>
+        </p:spPr>
+        <p:txBody>
+          <a:bodyPr anchor="t">
+            <a:normAutofit/>
+          </a:bodyPr>
+          <a:lstStyle>
+            <a:lvl1pPr algn="l">
+              <a:lnSpc>
+                <a:spcPct val="100000"/>
+              </a:lnSpc>
+              <a:defRPr sz="2400" b="0" i="0">
+                <a:solidFill>
+                  <a:srgbClr val="372D68"/>
+                </a:solidFill>
+                <a:latin typeface="Dazzed" pitchFamily="2" charset="77"/>
+                <a:cs typeface="Dazzed" pitchFamily="2" charset="77"/>
+              </a:defRPr>
+            </a:lvl1pPr>
+          </a:lstStyle>
+          <a:p>
+            <a:r>
+              <a:rPr lang="en-GB" dirty="0"/>
+              <a:t>Click to edit Master title style</a:t>
+            </a:r>
+            <a:endParaRPr lang="en-US" dirty="0"/>
+          </a:p>
+        </p:txBody>
+      </p:sp>
+      <p:sp>
+        <p:nvSpPr>
+          <p:cNvPr id="7" name="Subtitle 2">
+            <a:extLst>
+              <a:ext uri="{FF2B5EF4-FFF2-40B4-BE49-F238E27FC236}">
+                <a16:creationId xmlns:a16="http://schemas.microsoft.com/office/drawing/2014/main" id="{60F23773-E9EA-AF40-BCBA-6701B4E7B480}"/>
+              </a:ext>
+            </a:extLst>
+          </p:cNvPr>
+          <p:cNvSpPr>
+            <a:spLocks noGrp="1"/>
+          </p:cNvSpPr>
+          <p:nvPr>
+            <p:ph type="subTitle" idx="1"/>
+          </p:nvPr>
+        </p:nvSpPr>
+        <p:spPr>
+          <a:xfrm>
+            <a:off x="268941" y="1422470"/>
+            <a:ext cx="6698389" cy="1014740"/>
+          </a:xfrm>
+        </p:spPr>
+        <p:txBody>
+          <a:bodyPr>
+            <a:normAutofit/>
+          </a:bodyPr>
+          <a:lstStyle>
+            <a:lvl1pPr marL="0" indent="0" algn="l">
+              <a:lnSpc>
+                <a:spcPct val="100000"/>
+              </a:lnSpc>
+              <a:buNone/>
+              <a:defRPr sz="1400" b="0" i="0">
+                <a:solidFill>
+                  <a:srgbClr val="372D68"/>
+                </a:solidFill>
+                <a:latin typeface="Dazzed" pitchFamily="2" charset="77"/>
+                <a:cs typeface="Dazzed" pitchFamily="2" charset="77"/>
+              </a:defRPr>
+            </a:lvl1pPr>
+            <a:lvl2pPr marL="457200" indent="0" algn="ctr">
+              <a:buNone/>
+              <a:defRPr sz="2000"/>
+            </a:lvl2pPr>
+            <a:lvl3pPr marL="914400" indent="0" algn="ctr">
+              <a:buNone/>
+              <a:defRPr sz="1800"/>
+            </a:lvl3pPr>
+            <a:lvl4pPr marL="1371600" indent="0" algn="ctr">
+              <a:buNone/>
+              <a:defRPr sz="1600"/>
+            </a:lvl4pPr>
+            <a:lvl5pPr marL="1828800" indent="0" algn="ctr">
+              <a:buNone/>
+              <a:defRPr sz="1600"/>
+            </a:lvl5pPr>
+            <a:lvl6pPr marL="2286000" indent="0" algn="ctr">
+              <a:buNone/>
+              <a:defRPr sz="1600"/>
+            </a:lvl6pPr>
+            <a:lvl7pPr marL="2743200" indent="0" algn="ctr">
+              <a:buNone/>
+              <a:defRPr sz="1600"/>
+            </a:lvl7pPr>
+            <a:lvl8pPr marL="3200400" indent="0" algn="ctr">
+              <a:buNone/>
+              <a:defRPr sz="1600"/>
+            </a:lvl8pPr>
+            <a:lvl9pPr marL="3657600" indent="0" algn="ctr">
+              <a:buNone/>
+              <a:defRPr sz="1600"/>
+            </a:lvl9pPr>
+          </a:lstStyle>
+          <a:p>
+            <a:r>
+              <a:rPr lang="en-GB" dirty="0"/>
+              <a:t>Click to edit Master subtitle style</a:t>
+            </a:r>
+            <a:endParaRPr lang="en-US" dirty="0"/>
+          </a:p>
+        </p:txBody>
+      </p:sp>
+      <p:pic>
+        <p:nvPicPr>
+          <p:cNvPr id="8" name="Picture 7" descr="Icon&#10;&#10;Description automatically generated">
+            <a:extLst>
+              <a:ext uri="{FF2B5EF4-FFF2-40B4-BE49-F238E27FC236}">
+                <a16:creationId xmlns:a16="http://schemas.microsoft.com/office/drawing/2014/main" id="{5D5360EE-A818-4944-9BF2-5012E03C545B}"/>
+              </a:ext>
+            </a:extLst>
+          </p:cNvPr>
+          <p:cNvPicPr>
+            <a:picLocks noChangeAspect="1"/>
+          </p:cNvPicPr>
+          <p:nvPr userDrawn="1"/>
+        </p:nvPicPr>
+        <p:blipFill>
+          <a:blip r:embed="rId2"/>
+          <a:stretch>
+            <a:fillRect/>
+          </a:stretch>
+        </p:blipFill>
+        <p:spPr>
+          <a:xfrm>
+            <a:off x="369734" y="6194033"/>
+            <a:ext cx="2122180" cy="337449"/>
+          </a:xfrm>
+          <a:prstGeom prst="rect">
+            <a:avLst/>
+          </a:prstGeom>
+        </p:spPr>
+      </p:pic>
+    </p:spTree>
+    <p:extLst>
+      <p:ext uri="{BB962C8B-B14F-4D97-AF65-F5344CB8AC3E}">
+        <p14:creationId xmlns:p14="http://schemas.microsoft.com/office/powerpoint/2010/main" val="778843432"/>
       </p:ext>
     </p:extLst>
   </p:cSld>
@@ -874,7 +1978,7 @@
           <a:p>
             <a:fld id="{082EB1F1-4DA3-4C94-A195-E026FD605553}" type="datetimeFigureOut">
               <a:rPr lang="ru-RU" smtClean="0"/>
-              <a:t>05.10.2022</a:t>
+              <a:t>07.10.2022</a:t>
             </a:fld>
             <a:endParaRPr lang="ru-RU"/>
           </a:p>
@@ -1149,7 +2253,7 @@
           <a:p>
             <a:fld id="{082EB1F1-4DA3-4C94-A195-E026FD605553}" type="datetimeFigureOut">
               <a:rPr lang="ru-RU" smtClean="0"/>
-              <a:t>05.10.2022</a:t>
+              <a:t>07.10.2022</a:t>
             </a:fld>
             <a:endParaRPr lang="ru-RU"/>
           </a:p>
@@ -1414,7 +2518,7 @@
           <a:p>
             <a:fld id="{082EB1F1-4DA3-4C94-A195-E026FD605553}" type="datetimeFigureOut">
               <a:rPr lang="ru-RU" smtClean="0"/>
-              <a:t>05.10.2022</a:t>
+              <a:t>07.10.2022</a:t>
             </a:fld>
             <a:endParaRPr lang="ru-RU"/>
           </a:p>
@@ -1826,7 +2930,7 @@
           <a:p>
             <a:fld id="{082EB1F1-4DA3-4C94-A195-E026FD605553}" type="datetimeFigureOut">
               <a:rPr lang="ru-RU" smtClean="0"/>
-              <a:t>05.10.2022</a:t>
+              <a:t>07.10.2022</a:t>
             </a:fld>
             <a:endParaRPr lang="ru-RU"/>
           </a:p>
@@ -1967,7 +3071,7 @@
           <a:p>
             <a:fld id="{082EB1F1-4DA3-4C94-A195-E026FD605553}" type="datetimeFigureOut">
               <a:rPr lang="ru-RU" smtClean="0"/>
-              <a:t>05.10.2022</a:t>
+              <a:t>07.10.2022</a:t>
             </a:fld>
             <a:endParaRPr lang="ru-RU"/>
           </a:p>
@@ -2080,7 +3184,7 @@
           <a:p>
             <a:fld id="{082EB1F1-4DA3-4C94-A195-E026FD605553}" type="datetimeFigureOut">
               <a:rPr lang="ru-RU" smtClean="0"/>
-              <a:t>05.10.2022</a:t>
+              <a:t>07.10.2022</a:t>
             </a:fld>
             <a:endParaRPr lang="ru-RU"/>
           </a:p>
@@ -2391,7 +3495,7 @@
           <a:p>
             <a:fld id="{082EB1F1-4DA3-4C94-A195-E026FD605553}" type="datetimeFigureOut">
               <a:rPr lang="ru-RU" smtClean="0"/>
-              <a:t>05.10.2022</a:t>
+              <a:t>07.10.2022</a:t>
             </a:fld>
             <a:endParaRPr lang="ru-RU"/>
           </a:p>
@@ -2679,7 +3783,7 @@
           <a:p>
             <a:fld id="{082EB1F1-4DA3-4C94-A195-E026FD605553}" type="datetimeFigureOut">
               <a:rPr lang="ru-RU" smtClean="0"/>
-              <a:t>05.10.2022</a:t>
+              <a:t>07.10.2022</a:t>
             </a:fld>
             <a:endParaRPr lang="ru-RU"/>
           </a:p>
@@ -2920,7 +4024,7 @@
           <a:p>
             <a:fld id="{082EB1F1-4DA3-4C94-A195-E026FD605553}" type="datetimeFigureOut">
               <a:rPr lang="ru-RU" smtClean="0"/>
-              <a:t>05.10.2022</a:t>
+              <a:t>07.10.2022</a:t>
             </a:fld>
             <a:endParaRPr lang="ru-RU"/>
           </a:p>
@@ -3036,6 +4140,9 @@
     <p:sldLayoutId id="2147483657" r:id="rId9"/>
     <p:sldLayoutId id="2147483658" r:id="rId10"/>
     <p:sldLayoutId id="2147483659" r:id="rId11"/>
+    <p:sldLayoutId id="2147483660" r:id="rId12"/>
+    <p:sldLayoutId id="2147483661" r:id="rId13"/>
+    <p:sldLayoutId id="2147483663" r:id="rId14"/>
   </p:sldLayoutIdLst>
   <p:txStyles>
     <p:titleStyle>
@@ -3339,10 +4446,10 @@
       </p:grpSpPr>
       <p:sp>
         <p:nvSpPr>
-          <p:cNvPr id="2" name="Заголовок 1">
-            <a:extLst>
-              <a:ext uri="{FF2B5EF4-FFF2-40B4-BE49-F238E27FC236}">
-                <a16:creationId xmlns:a16="http://schemas.microsoft.com/office/drawing/2014/main" id="{815432CB-4D90-A61A-9163-7549911F987B}"/>
+          <p:cNvPr id="2" name="Title 1">
+            <a:extLst>
+              <a:ext uri="{FF2B5EF4-FFF2-40B4-BE49-F238E27FC236}">
+                <a16:creationId xmlns:a16="http://schemas.microsoft.com/office/drawing/2014/main" id="{AB6D6922-4F03-A445-BCAE-ADD67A8808E0}"/>
               </a:ext>
             </a:extLst>
           </p:cNvPr>
@@ -3351,6 +4458,49 @@
           </p:cNvSpPr>
           <p:nvPr>
             <p:ph type="ctrTitle"/>
+          </p:nvPr>
+        </p:nvSpPr>
+        <p:spPr/>
+        <p:txBody>
+          <a:bodyPr>
+            <a:normAutofit/>
+          </a:bodyPr>
+          <a:lstStyle/>
+          <a:p>
+            <a:r>
+              <a:rPr lang="ru-RU" sz="4400" dirty="0"/>
+              <a:t>Применение запросов </a:t>
+            </a:r>
+            <a:r>
+              <a:rPr lang="en-US" sz="4400" dirty="0"/>
+              <a:t>SQL </a:t>
+            </a:r>
+            <a:r>
+              <a:rPr lang="ru-RU" sz="4400" dirty="0"/>
+              <a:t>в ПО </a:t>
+            </a:r>
+            <a:r>
+              <a:rPr lang="en-US" sz="4400" dirty="0" err="1"/>
+              <a:t>GeoBank</a:t>
+            </a:r>
+            <a:endParaRPr lang="en-US" sz="4400" dirty="0"/>
+          </a:p>
+        </p:txBody>
+      </p:sp>
+      <p:sp>
+        <p:nvSpPr>
+          <p:cNvPr id="3" name="Subtitle 2">
+            <a:extLst>
+              <a:ext uri="{FF2B5EF4-FFF2-40B4-BE49-F238E27FC236}">
+                <a16:creationId xmlns:a16="http://schemas.microsoft.com/office/drawing/2014/main" id="{7BC3DFFD-00BA-BF4B-A013-66FA708F006D}"/>
+              </a:ext>
+            </a:extLst>
+          </p:cNvPr>
+          <p:cNvSpPr>
+            <a:spLocks noGrp="1"/>
+          </p:cNvSpPr>
+          <p:nvPr>
+            <p:ph type="subTitle" idx="1"/>
           </p:nvPr>
         </p:nvSpPr>
         <p:spPr/>
@@ -3358,40 +4508,24 @@
           <a:bodyPr/>
           <a:lstStyle/>
           <a:p>
-            <a:r>
-              <a:rPr lang="ru-RU" dirty="0"/>
-              <a:t>Применение запросов </a:t>
-            </a:r>
-            <a:r>
-              <a:rPr lang="en-US" dirty="0"/>
-              <a:t>SQL </a:t>
-            </a:r>
-            <a:r>
-              <a:rPr lang="ru-RU" dirty="0"/>
-              <a:t>в ПО </a:t>
-            </a:r>
-            <a:r>
-              <a:rPr lang="en-US" dirty="0" err="1"/>
-              <a:t>GeoBank</a:t>
-            </a:r>
-            <a:endParaRPr lang="ru-RU" dirty="0"/>
-          </a:p>
-        </p:txBody>
-      </p:sp>
-      <p:sp>
-        <p:nvSpPr>
-          <p:cNvPr id="3" name="Подзаголовок 2">
-            <a:extLst>
-              <a:ext uri="{FF2B5EF4-FFF2-40B4-BE49-F238E27FC236}">
-                <a16:creationId xmlns:a16="http://schemas.microsoft.com/office/drawing/2014/main" id="{6C89B80C-932F-4C07-1483-807EBDA88369}"/>
-              </a:ext>
-            </a:extLst>
-          </p:cNvPr>
-          <p:cNvSpPr>
-            <a:spLocks noGrp="1"/>
-          </p:cNvSpPr>
-          <p:nvPr>
-            <p:ph type="subTitle" idx="1"/>
+            <a:endParaRPr lang="en-US"/>
+          </a:p>
+        </p:txBody>
+      </p:sp>
+      <p:sp>
+        <p:nvSpPr>
+          <p:cNvPr id="5" name="Slide Number Placeholder 4">
+            <a:extLst>
+              <a:ext uri="{FF2B5EF4-FFF2-40B4-BE49-F238E27FC236}">
+                <a16:creationId xmlns:a16="http://schemas.microsoft.com/office/drawing/2014/main" id="{9C91963E-8F54-1D41-A7E2-856E9B01CBBF}"/>
+              </a:ext>
+            </a:extLst>
+          </p:cNvPr>
+          <p:cNvSpPr>
+            <a:spLocks noGrp="1"/>
+          </p:cNvSpPr>
+          <p:nvPr>
+            <p:ph type="sldNum" sz="quarter" idx="15"/>
           </p:nvPr>
         </p:nvSpPr>
         <p:spPr/>
@@ -3399,14 +4533,19 @@
           <a:bodyPr/>
           <a:lstStyle/>
           <a:p>
-            <a:endParaRPr lang="ru-RU"/>
+            <a:fld id="{4B39C457-76FE-C449-9552-4CBE0B23A7F2}" type="slidenum">
+              <a:rPr lang="en-US" smtClean="0"/>
+              <a:pPr/>
+              <a:t>1</a:t>
+            </a:fld>
+            <a:endParaRPr lang="en-US" dirty="0"/>
           </a:p>
         </p:txBody>
       </p:sp>
     </p:spTree>
     <p:extLst>
       <p:ext uri="{BB962C8B-B14F-4D97-AF65-F5344CB8AC3E}">
-        <p14:creationId xmlns:p14="http://schemas.microsoft.com/office/powerpoint/2010/main" val="4218285354"/>
+        <p14:creationId xmlns:p14="http://schemas.microsoft.com/office/powerpoint/2010/main" val="2623220689"/>
       </p:ext>
     </p:extLst>
   </p:cSld>
@@ -3435,18 +4574,18 @@
       </p:grpSpPr>
       <p:sp>
         <p:nvSpPr>
-          <p:cNvPr id="2" name="Заголовок 1">
-            <a:extLst>
-              <a:ext uri="{FF2B5EF4-FFF2-40B4-BE49-F238E27FC236}">
-                <a16:creationId xmlns:a16="http://schemas.microsoft.com/office/drawing/2014/main" id="{2D669930-CA37-44F7-AF6E-FCF91700875D}"/>
-              </a:ext>
-            </a:extLst>
-          </p:cNvPr>
-          <p:cNvSpPr>
-            <a:spLocks noGrp="1"/>
-          </p:cNvSpPr>
-          <p:nvPr>
-            <p:ph type="title"/>
+          <p:cNvPr id="8" name="Текст 7">
+            <a:extLst>
+              <a:ext uri="{FF2B5EF4-FFF2-40B4-BE49-F238E27FC236}">
+                <a16:creationId xmlns:a16="http://schemas.microsoft.com/office/drawing/2014/main" id="{C954768A-977D-3787-99A5-64AE698E584A}"/>
+              </a:ext>
+            </a:extLst>
+          </p:cNvPr>
+          <p:cNvSpPr>
+            <a:spLocks noGrp="1"/>
+          </p:cNvSpPr>
+          <p:nvPr>
+            <p:ph type="body" idx="16"/>
           </p:nvPr>
         </p:nvSpPr>
         <p:spPr/>
@@ -3454,73 +4593,108 @@
           <a:bodyPr/>
           <a:lstStyle/>
           <a:p>
-            <a:r>
-              <a:rPr lang="ru-RU" dirty="0"/>
-              <a:t>Упражнение – добавить описание месторождения</a:t>
-            </a:r>
-          </a:p>
-        </p:txBody>
-      </p:sp>
-      <p:sp>
-        <p:nvSpPr>
-          <p:cNvPr id="3" name="Объект 2">
-            <a:extLst>
-              <a:ext uri="{FF2B5EF4-FFF2-40B4-BE49-F238E27FC236}">
-                <a16:creationId xmlns:a16="http://schemas.microsoft.com/office/drawing/2014/main" id="{A8315AA2-2E9C-456F-3D58-2F61643D1D12}"/>
-              </a:ext>
-            </a:extLst>
-          </p:cNvPr>
-          <p:cNvSpPr>
-            <a:spLocks noGrp="1"/>
-          </p:cNvSpPr>
-          <p:nvPr>
-            <p:ph idx="1"/>
+            <a:endParaRPr lang="ru-RU"/>
+          </a:p>
+        </p:txBody>
+      </p:sp>
+      <p:sp>
+        <p:nvSpPr>
+          <p:cNvPr id="9" name="Текст 8">
+            <a:extLst>
+              <a:ext uri="{FF2B5EF4-FFF2-40B4-BE49-F238E27FC236}">
+                <a16:creationId xmlns:a16="http://schemas.microsoft.com/office/drawing/2014/main" id="{8D446A56-9BA4-2FE0-6FDF-0D92C6565143}"/>
+              </a:ext>
+            </a:extLst>
+          </p:cNvPr>
+          <p:cNvSpPr>
+            <a:spLocks noGrp="1"/>
+          </p:cNvSpPr>
+          <p:nvPr>
+            <p:ph type="body" sz="quarter" idx="18"/>
           </p:nvPr>
         </p:nvSpPr>
         <p:spPr/>
         <p:txBody>
-          <a:bodyPr/>
+          <a:bodyPr>
+            <a:normAutofit/>
+          </a:bodyPr>
           <a:lstStyle/>
           <a:p>
             <a:r>
-              <a:rPr lang="ru-RU" dirty="0"/>
-              <a:t>Изучите таблицу </a:t>
-            </a:r>
-            <a:r>
-              <a:rPr lang="en-US" dirty="0"/>
-              <a:t>GB_PROJECT</a:t>
-            </a:r>
-            <a:endParaRPr lang="ru-RU" dirty="0"/>
-          </a:p>
-          <a:p>
-            <a:r>
-              <a:rPr lang="ru-RU" dirty="0"/>
-              <a:t>Создайте </a:t>
-            </a:r>
-            <a:r>
-              <a:rPr lang="en-US" dirty="0"/>
-              <a:t>SQL </a:t>
-            </a:r>
-            <a:r>
-              <a:rPr lang="ru-RU" dirty="0"/>
-              <a:t>запрос, который будет выбирать месторождение и его описание</a:t>
-            </a:r>
-          </a:p>
-          <a:p>
-            <a:r>
-              <a:rPr lang="ru-RU" dirty="0"/>
-              <a:t>В отчете создайте таблицу, в которой будете отображать информацию о месторождение</a:t>
-            </a:r>
-          </a:p>
-          <a:p>
-            <a:endParaRPr lang="ru-RU" dirty="0"/>
+              <a:rPr lang="ru-RU" sz="2000" dirty="0"/>
+              <a:t>Ознакомьтесь с представлением </a:t>
+            </a:r>
+            <a:r>
+              <a:rPr lang="en-US" sz="2000" dirty="0">
+                <a:solidFill>
+                  <a:srgbClr val="000000"/>
+                </a:solidFill>
+                <a:latin typeface="Consolas" panose="020B0609020204030204" pitchFamily="49" charset="0"/>
+              </a:rPr>
+              <a:t>VW_DH_ASSAYS</a:t>
+            </a:r>
+            <a:endParaRPr lang="ru-RU" sz="2000" dirty="0"/>
+          </a:p>
+          <a:p>
+            <a:r>
+              <a:rPr lang="ru-RU" sz="2000" dirty="0"/>
+              <a:t>Создайте отчет идентичный предыдущему используя это представление</a:t>
+            </a:r>
+          </a:p>
+          <a:p>
+            <a:r>
+              <a:rPr lang="ru-RU" sz="2000" dirty="0"/>
+              <a:t>Используйте подстановочный параметр </a:t>
+            </a:r>
+            <a:r>
+              <a:rPr lang="en-US" sz="2000" dirty="0"/>
+              <a:t>Project</a:t>
+            </a:r>
+            <a:endParaRPr lang="ru-RU" sz="2000" dirty="0"/>
+          </a:p>
+          <a:p>
+            <a:pPr marL="457200" indent="-457200">
+              <a:buFont typeface="+mj-lt"/>
+              <a:buAutoNum type="arabicPeriod"/>
+            </a:pPr>
+            <a:endParaRPr lang="ru-RU" sz="2000" dirty="0"/>
+          </a:p>
+        </p:txBody>
+      </p:sp>
+      <p:sp>
+        <p:nvSpPr>
+          <p:cNvPr id="2" name="Заголовок 1">
+            <a:extLst>
+              <a:ext uri="{FF2B5EF4-FFF2-40B4-BE49-F238E27FC236}">
+                <a16:creationId xmlns:a16="http://schemas.microsoft.com/office/drawing/2014/main" id="{AC4D1C91-FF69-D444-31C7-784A22418C71}"/>
+              </a:ext>
+            </a:extLst>
+          </p:cNvPr>
+          <p:cNvSpPr>
+            <a:spLocks noGrp="1"/>
+          </p:cNvSpPr>
+          <p:nvPr>
+            <p:ph type="ctrTitle"/>
+          </p:nvPr>
+        </p:nvSpPr>
+        <p:spPr/>
+        <p:txBody>
+          <a:bodyPr>
+            <a:normAutofit/>
+          </a:bodyPr>
+          <a:lstStyle/>
+          <a:p>
+            <a:r>
+              <a:rPr lang="ru-RU" sz="4400" dirty="0"/>
+              <a:t>Упражнение</a:t>
+            </a:r>
           </a:p>
         </p:txBody>
       </p:sp>
     </p:spTree>
     <p:extLst>
       <p:ext uri="{BB962C8B-B14F-4D97-AF65-F5344CB8AC3E}">
-        <p14:creationId xmlns:p14="http://schemas.microsoft.com/office/powerpoint/2010/main" val="15595541"/>
+        <p14:creationId xmlns:p14="http://schemas.microsoft.com/office/powerpoint/2010/main" val="2873084544"/>
       </p:ext>
     </p:extLst>
   </p:cSld>
@@ -3549,18 +4723,18 @@
       </p:grpSpPr>
       <p:sp>
         <p:nvSpPr>
-          <p:cNvPr id="4" name="Заголовок 3">
-            <a:extLst>
-              <a:ext uri="{FF2B5EF4-FFF2-40B4-BE49-F238E27FC236}">
-                <a16:creationId xmlns:a16="http://schemas.microsoft.com/office/drawing/2014/main" id="{DB4620F8-D8D7-1B5B-710D-0124F2E76D5A}"/>
-              </a:ext>
-            </a:extLst>
-          </p:cNvPr>
-          <p:cNvSpPr>
-            <a:spLocks noGrp="1"/>
-          </p:cNvSpPr>
-          <p:nvPr>
-            <p:ph type="title"/>
+          <p:cNvPr id="8" name="Текст 7">
+            <a:extLst>
+              <a:ext uri="{FF2B5EF4-FFF2-40B4-BE49-F238E27FC236}">
+                <a16:creationId xmlns:a16="http://schemas.microsoft.com/office/drawing/2014/main" id="{C954768A-977D-3787-99A5-64AE698E584A}"/>
+              </a:ext>
+            </a:extLst>
+          </p:cNvPr>
+          <p:cNvSpPr>
+            <a:spLocks noGrp="1"/>
+          </p:cNvSpPr>
+          <p:nvPr>
+            <p:ph type="body" idx="16"/>
           </p:nvPr>
         </p:nvSpPr>
         <p:spPr/>
@@ -3568,42 +4742,117 @@
           <a:bodyPr/>
           <a:lstStyle/>
           <a:p>
-            <a:r>
-              <a:rPr lang="ru-RU" dirty="0"/>
-              <a:t>Спасибо за внимание!</a:t>
-            </a:r>
-          </a:p>
-        </p:txBody>
-      </p:sp>
-      <p:sp>
-        <p:nvSpPr>
-          <p:cNvPr id="5" name="Текст 4">
-            <a:extLst>
-              <a:ext uri="{FF2B5EF4-FFF2-40B4-BE49-F238E27FC236}">
-                <a16:creationId xmlns:a16="http://schemas.microsoft.com/office/drawing/2014/main" id="{C173F783-8FCC-5521-4F5F-6BCF6F126BA7}"/>
-              </a:ext>
-            </a:extLst>
-          </p:cNvPr>
-          <p:cNvSpPr>
-            <a:spLocks noGrp="1"/>
-          </p:cNvSpPr>
-          <p:nvPr>
-            <p:ph type="body" idx="1"/>
+            <a:endParaRPr lang="ru-RU"/>
+          </a:p>
+        </p:txBody>
+      </p:sp>
+      <p:sp>
+        <p:nvSpPr>
+          <p:cNvPr id="9" name="Текст 8">
+            <a:extLst>
+              <a:ext uri="{FF2B5EF4-FFF2-40B4-BE49-F238E27FC236}">
+                <a16:creationId xmlns:a16="http://schemas.microsoft.com/office/drawing/2014/main" id="{8D446A56-9BA4-2FE0-6FDF-0D92C6565143}"/>
+              </a:ext>
+            </a:extLst>
+          </p:cNvPr>
+          <p:cNvSpPr>
+            <a:spLocks noGrp="1"/>
+          </p:cNvSpPr>
+          <p:nvPr>
+            <p:ph type="body" sz="quarter" idx="18"/>
           </p:nvPr>
         </p:nvSpPr>
         <p:spPr/>
         <p:txBody>
-          <a:bodyPr/>
+          <a:bodyPr>
+            <a:normAutofit/>
+          </a:bodyPr>
           <a:lstStyle/>
           <a:p>
-            <a:endParaRPr lang="ru-RU"/>
-          </a:p>
-        </p:txBody>
-      </p:sp>
+            <a:pPr marL="0" indent="0">
+              <a:buNone/>
+            </a:pPr>
+            <a:endParaRPr lang="ru-RU" sz="2000" dirty="0"/>
+          </a:p>
+        </p:txBody>
+      </p:sp>
+      <p:sp>
+        <p:nvSpPr>
+          <p:cNvPr id="2" name="Заголовок 1">
+            <a:extLst>
+              <a:ext uri="{FF2B5EF4-FFF2-40B4-BE49-F238E27FC236}">
+                <a16:creationId xmlns:a16="http://schemas.microsoft.com/office/drawing/2014/main" id="{AC4D1C91-FF69-D444-31C7-784A22418C71}"/>
+              </a:ext>
+            </a:extLst>
+          </p:cNvPr>
+          <p:cNvSpPr>
+            <a:spLocks noGrp="1"/>
+          </p:cNvSpPr>
+          <p:nvPr>
+            <p:ph type="ctrTitle"/>
+          </p:nvPr>
+        </p:nvSpPr>
+        <p:spPr/>
+        <p:txBody>
+          <a:bodyPr>
+            <a:noAutofit/>
+          </a:bodyPr>
+          <a:lstStyle/>
+          <a:p>
+            <a:r>
+              <a:rPr lang="ru-RU" sz="4400" dirty="0"/>
+              <a:t>Демонстрация – создание отчета </a:t>
+            </a:r>
+            <a:r>
+              <a:rPr lang="en-US" sz="4400" dirty="0"/>
+              <a:t>“</a:t>
+            </a:r>
+            <a:r>
+              <a:rPr lang="ru-RU" sz="4400" dirty="0"/>
+              <a:t>Проведённые буровые работы</a:t>
+            </a:r>
+            <a:r>
+              <a:rPr lang="en-US" sz="4400" dirty="0"/>
+              <a:t>”</a:t>
+            </a:r>
+            <a:endParaRPr lang="ru-RU" sz="4400" dirty="0"/>
+          </a:p>
+        </p:txBody>
+      </p:sp>
+      <p:pic>
+        <p:nvPicPr>
+          <p:cNvPr id="3" name="Объект 4">
+            <a:extLst>
+              <a:ext uri="{FF2B5EF4-FFF2-40B4-BE49-F238E27FC236}">
+                <a16:creationId xmlns:a16="http://schemas.microsoft.com/office/drawing/2014/main" id="{27397F7C-7628-B118-E30C-0F5E5C4CBAF3}"/>
+              </a:ext>
+            </a:extLst>
+          </p:cNvPr>
+          <p:cNvPicPr>
+            <a:picLocks noChangeAspect="1"/>
+          </p:cNvPicPr>
+          <p:nvPr/>
+        </p:nvPicPr>
+        <p:blipFill>
+          <a:blip r:embed="rId2"/>
+          <a:stretch>
+            <a:fillRect/>
+          </a:stretch>
+        </p:blipFill>
+        <p:spPr>
+          <a:xfrm>
+            <a:off x="2228144" y="1825625"/>
+            <a:ext cx="7735712" cy="4351338"/>
+          </a:xfrm>
+          <a:prstGeom prst="rect">
+            <a:avLst/>
+          </a:prstGeom>
+        </p:spPr>
+      </p:pic>
     </p:spTree>
     <p:extLst>
       <p:ext uri="{BB962C8B-B14F-4D97-AF65-F5344CB8AC3E}">
-        <p14:creationId xmlns:p14="http://schemas.microsoft.com/office/powerpoint/2010/main" val="186305473"/>
+        <p14:creationId xmlns:p14="http://schemas.microsoft.com/office/powerpoint/2010/main" val="1163539065"/>
       </p:ext>
     </p:extLst>
   </p:cSld>
@@ -3632,18 +4881,18 @@
       </p:grpSpPr>
       <p:sp>
         <p:nvSpPr>
-          <p:cNvPr id="2" name="Заголовок 1">
-            <a:extLst>
-              <a:ext uri="{FF2B5EF4-FFF2-40B4-BE49-F238E27FC236}">
-                <a16:creationId xmlns:a16="http://schemas.microsoft.com/office/drawing/2014/main" id="{896ED32A-57D3-3E49-FB42-671694CE8800}"/>
-              </a:ext>
-            </a:extLst>
-          </p:cNvPr>
-          <p:cNvSpPr>
-            <a:spLocks noGrp="1"/>
-          </p:cNvSpPr>
-          <p:nvPr>
-            <p:ph type="title"/>
+          <p:cNvPr id="8" name="Текст 7">
+            <a:extLst>
+              <a:ext uri="{FF2B5EF4-FFF2-40B4-BE49-F238E27FC236}">
+                <a16:creationId xmlns:a16="http://schemas.microsoft.com/office/drawing/2014/main" id="{C954768A-977D-3787-99A5-64AE698E584A}"/>
+              </a:ext>
+            </a:extLst>
+          </p:cNvPr>
+          <p:cNvSpPr>
+            <a:spLocks noGrp="1"/>
+          </p:cNvSpPr>
+          <p:nvPr>
+            <p:ph type="body" idx="16"/>
           </p:nvPr>
         </p:nvSpPr>
         <p:spPr/>
@@ -3651,42 +4900,2633 @@
           <a:bodyPr/>
           <a:lstStyle/>
           <a:p>
-            <a:r>
-              <a:rPr lang="ru-RU" dirty="0"/>
-              <a:t>Вопросы?</a:t>
-            </a:r>
-          </a:p>
-        </p:txBody>
-      </p:sp>
-      <p:sp>
-        <p:nvSpPr>
-          <p:cNvPr id="3" name="Текст 2">
-            <a:extLst>
-              <a:ext uri="{FF2B5EF4-FFF2-40B4-BE49-F238E27FC236}">
-                <a16:creationId xmlns:a16="http://schemas.microsoft.com/office/drawing/2014/main" id="{1F1FF085-4BC0-776A-549D-62184EB6F489}"/>
-              </a:ext>
-            </a:extLst>
-          </p:cNvPr>
-          <p:cNvSpPr>
-            <a:spLocks noGrp="1"/>
-          </p:cNvSpPr>
-          <p:nvPr>
-            <p:ph type="body" idx="1"/>
+            <a:endParaRPr lang="ru-RU"/>
+          </a:p>
+        </p:txBody>
+      </p:sp>
+      <p:sp>
+        <p:nvSpPr>
+          <p:cNvPr id="9" name="Текст 8">
+            <a:extLst>
+              <a:ext uri="{FF2B5EF4-FFF2-40B4-BE49-F238E27FC236}">
+                <a16:creationId xmlns:a16="http://schemas.microsoft.com/office/drawing/2014/main" id="{8D446A56-9BA4-2FE0-6FDF-0D92C6565143}"/>
+              </a:ext>
+            </a:extLst>
+          </p:cNvPr>
+          <p:cNvSpPr>
+            <a:spLocks noGrp="1"/>
+          </p:cNvSpPr>
+          <p:nvPr>
+            <p:ph type="body" sz="quarter" idx="18"/>
           </p:nvPr>
         </p:nvSpPr>
         <p:spPr/>
         <p:txBody>
-          <a:bodyPr/>
+          <a:bodyPr>
+            <a:normAutofit/>
+          </a:bodyPr>
           <a:lstStyle/>
           <a:p>
-            <a:endParaRPr lang="ru-RU" dirty="0"/>
+            <a:r>
+              <a:rPr lang="ru-RU" sz="2000" dirty="0"/>
+              <a:t>Изучите таблицу </a:t>
+            </a:r>
+            <a:r>
+              <a:rPr lang="en-US" sz="2000" dirty="0"/>
+              <a:t>GB_PROJECT</a:t>
+            </a:r>
+            <a:endParaRPr lang="ru-RU" sz="2000" dirty="0"/>
+          </a:p>
+          <a:p>
+            <a:r>
+              <a:rPr lang="ru-RU" sz="2000" dirty="0"/>
+              <a:t>Создайте новый отчет</a:t>
+            </a:r>
+          </a:p>
+          <a:p>
+            <a:r>
+              <a:rPr lang="ru-RU" sz="2000" dirty="0"/>
+              <a:t>Создайте </a:t>
+            </a:r>
+            <a:r>
+              <a:rPr lang="en-US" sz="2000" dirty="0"/>
+              <a:t>SQL </a:t>
+            </a:r>
+            <a:r>
+              <a:rPr lang="ru-RU" sz="2000" dirty="0"/>
+              <a:t>запрос, который будет выбирать месторождение и его описание из таблицы </a:t>
+            </a:r>
+            <a:r>
+              <a:rPr lang="en-US" sz="2000" dirty="0"/>
+              <a:t>GB_PROJECT</a:t>
+            </a:r>
+            <a:endParaRPr lang="ru-RU" sz="2000" dirty="0"/>
+          </a:p>
+          <a:p>
+            <a:r>
+              <a:rPr lang="ru-RU" sz="2000" dirty="0"/>
+              <a:t>В отчете создайте таблицу, в которой будете отображать информацию о месторождение</a:t>
+            </a:r>
+          </a:p>
+          <a:p>
+            <a:r>
+              <a:rPr lang="ru-RU" sz="2000" dirty="0"/>
+              <a:t>Добавьте подотчет в отчете </a:t>
+            </a:r>
+            <a:r>
+              <a:rPr lang="en-US" sz="2000" dirty="0"/>
+              <a:t>“</a:t>
+            </a:r>
+            <a:r>
+              <a:rPr lang="ru-RU" sz="2000" dirty="0"/>
+              <a:t>Проведенные буровые работы</a:t>
+            </a:r>
+            <a:r>
+              <a:rPr lang="en-US" sz="2000" dirty="0"/>
+              <a:t>”</a:t>
+            </a:r>
+          </a:p>
+          <a:p>
+            <a:r>
+              <a:rPr lang="ru-RU" sz="2000" dirty="0"/>
+              <a:t>Выгрузите получившийся отчет в формате </a:t>
+            </a:r>
+            <a:r>
+              <a:rPr lang="en-US" sz="2000" dirty="0"/>
+              <a:t>PDF</a:t>
+            </a:r>
+            <a:endParaRPr lang="ru-RU" sz="2000" dirty="0"/>
+          </a:p>
+          <a:p>
+            <a:pPr marL="457200" indent="-457200">
+              <a:buFont typeface="+mj-lt"/>
+              <a:buAutoNum type="arabicPeriod"/>
+            </a:pPr>
+            <a:endParaRPr lang="ru-RU" sz="2000" dirty="0"/>
+          </a:p>
+        </p:txBody>
+      </p:sp>
+      <p:sp>
+        <p:nvSpPr>
+          <p:cNvPr id="2" name="Заголовок 1">
+            <a:extLst>
+              <a:ext uri="{FF2B5EF4-FFF2-40B4-BE49-F238E27FC236}">
+                <a16:creationId xmlns:a16="http://schemas.microsoft.com/office/drawing/2014/main" id="{AC4D1C91-FF69-D444-31C7-784A22418C71}"/>
+              </a:ext>
+            </a:extLst>
+          </p:cNvPr>
+          <p:cNvSpPr>
+            <a:spLocks noGrp="1"/>
+          </p:cNvSpPr>
+          <p:nvPr>
+            <p:ph type="ctrTitle"/>
+          </p:nvPr>
+        </p:nvSpPr>
+        <p:spPr/>
+        <p:txBody>
+          <a:bodyPr>
+            <a:noAutofit/>
+          </a:bodyPr>
+          <a:lstStyle/>
+          <a:p>
+            <a:r>
+              <a:rPr lang="ru-RU" sz="4400" dirty="0"/>
+              <a:t>Упражнение – добавить описания месторождений</a:t>
+            </a:r>
           </a:p>
         </p:txBody>
       </p:sp>
     </p:spTree>
     <p:extLst>
       <p:ext uri="{BB962C8B-B14F-4D97-AF65-F5344CB8AC3E}">
-        <p14:creationId xmlns:p14="http://schemas.microsoft.com/office/powerpoint/2010/main" val="1655387284"/>
+        <p14:creationId xmlns:p14="http://schemas.microsoft.com/office/powerpoint/2010/main" val="2115287375"/>
+      </p:ext>
+    </p:extLst>
+  </p:cSld>
+  <p:clrMapOvr>
+    <a:masterClrMapping/>
+  </p:clrMapOvr>
+</p:sld>
+</file>
+
+<file path=ppt/slides/slide13.xml><?xml version="1.0" encoding="utf-8"?>
+<p:sld xmlns:a="http://schemas.openxmlformats.org/drawingml/2006/main" xmlns:r="http://schemas.openxmlformats.org/officeDocument/2006/relationships" xmlns:p="http://schemas.openxmlformats.org/presentationml/2006/main">
+  <p:cSld>
+    <p:spTree>
+      <p:nvGrpSpPr>
+        <p:cNvPr id="1" name=""/>
+        <p:cNvGrpSpPr/>
+        <p:nvPr/>
+      </p:nvGrpSpPr>
+      <p:grpSpPr>
+        <a:xfrm>
+          <a:off x="0" y="0"/>
+          <a:ext cx="0" cy="0"/>
+          <a:chOff x="0" y="0"/>
+          <a:chExt cx="0" cy="0"/>
+        </a:xfrm>
+      </p:grpSpPr>
+      <p:sp>
+        <p:nvSpPr>
+          <p:cNvPr id="2" name="Текст 1">
+            <a:extLst>
+              <a:ext uri="{FF2B5EF4-FFF2-40B4-BE49-F238E27FC236}">
+                <a16:creationId xmlns:a16="http://schemas.microsoft.com/office/drawing/2014/main" id="{7D2879B0-6EA6-AEBF-74C6-6B44291E851F}"/>
+              </a:ext>
+            </a:extLst>
+          </p:cNvPr>
+          <p:cNvSpPr>
+            <a:spLocks noGrp="1"/>
+          </p:cNvSpPr>
+          <p:nvPr>
+            <p:ph type="body" idx="16"/>
+          </p:nvPr>
+        </p:nvSpPr>
+        <p:spPr/>
+        <p:txBody>
+          <a:bodyPr/>
+          <a:lstStyle/>
+          <a:p>
+            <a:endParaRPr lang="ru-RU"/>
+          </a:p>
+        </p:txBody>
+      </p:sp>
+      <p:sp>
+        <p:nvSpPr>
+          <p:cNvPr id="3" name="Текст 2">
+            <a:extLst>
+              <a:ext uri="{FF2B5EF4-FFF2-40B4-BE49-F238E27FC236}">
+                <a16:creationId xmlns:a16="http://schemas.microsoft.com/office/drawing/2014/main" id="{14C344D3-612E-C90C-F0F5-2A9218AFFA01}"/>
+              </a:ext>
+            </a:extLst>
+          </p:cNvPr>
+          <p:cNvSpPr>
+            <a:spLocks noGrp="1"/>
+          </p:cNvSpPr>
+          <p:nvPr>
+            <p:ph type="body" sz="quarter" idx="18"/>
+          </p:nvPr>
+        </p:nvSpPr>
+        <p:spPr/>
+        <p:txBody>
+          <a:bodyPr>
+            <a:normAutofit/>
+          </a:bodyPr>
+          <a:lstStyle/>
+          <a:p>
+            <a:r>
+              <a:rPr lang="ru-RU" sz="2000" dirty="0"/>
+              <a:t>Создайте отчет, который будет выводить статистическую информацию по всем проектам</a:t>
+            </a:r>
+          </a:p>
+          <a:p>
+            <a:pPr lvl="1"/>
+            <a:r>
+              <a:rPr lang="ru-RU" sz="1800" dirty="0"/>
+              <a:t>Название проекта</a:t>
+            </a:r>
+            <a:endParaRPr lang="en-US" sz="1800" dirty="0"/>
+          </a:p>
+          <a:p>
+            <a:pPr lvl="1"/>
+            <a:r>
+              <a:rPr lang="ru-RU" sz="1800" dirty="0"/>
+              <a:t>Количество проб</a:t>
+            </a:r>
+          </a:p>
+          <a:p>
+            <a:pPr lvl="1"/>
+            <a:r>
+              <a:rPr lang="ru-RU" sz="1800" dirty="0"/>
+              <a:t>Список металлов</a:t>
+            </a:r>
+          </a:p>
+          <a:p>
+            <a:pPr lvl="1"/>
+            <a:r>
+              <a:rPr lang="ru-RU" sz="1800" dirty="0"/>
+              <a:t>Среднее,  минимальное, максимальное содержание каждого полезного элемента во всех пробах, а также стандартное отклонение</a:t>
+            </a:r>
+          </a:p>
+          <a:p>
+            <a:r>
+              <a:rPr lang="ru-RU" sz="2000" dirty="0"/>
+              <a:t>Используйте в качестве примера источника данных запрос размещенный по адресу</a:t>
+            </a:r>
+            <a:r>
+              <a:rPr lang="en-US" sz="2000" dirty="0"/>
+              <a:t>: </a:t>
+            </a:r>
+            <a:r>
+              <a:rPr lang="en-US" sz="2000" dirty="0">
+                <a:hlinkClick r:id="rId2"/>
+              </a:rPr>
+              <a:t>https://sql.strangebit.io/distro/report1_data_source.sql</a:t>
+            </a:r>
+            <a:endParaRPr lang="en-US" sz="2000" dirty="0"/>
+          </a:p>
+          <a:p>
+            <a:r>
+              <a:rPr lang="ru-RU" sz="2000" dirty="0"/>
+              <a:t>Посмотрите шаблон отчета </a:t>
+            </a:r>
+            <a:r>
+              <a:rPr lang="en-US" sz="2000" dirty="0"/>
+              <a:t>“</a:t>
+            </a:r>
+            <a:r>
+              <a:rPr lang="ru-RU" sz="2000" dirty="0"/>
+              <a:t>Проведенные буровые работы</a:t>
+            </a:r>
+            <a:r>
+              <a:rPr lang="en-US" sz="2000" dirty="0"/>
+              <a:t>”</a:t>
+            </a:r>
+            <a:r>
+              <a:rPr lang="ru-RU" sz="2000" dirty="0"/>
+              <a:t> и возьмите его за основу</a:t>
+            </a:r>
+          </a:p>
+        </p:txBody>
+      </p:sp>
+      <p:sp>
+        <p:nvSpPr>
+          <p:cNvPr id="4" name="Заголовок 3">
+            <a:extLst>
+              <a:ext uri="{FF2B5EF4-FFF2-40B4-BE49-F238E27FC236}">
+                <a16:creationId xmlns:a16="http://schemas.microsoft.com/office/drawing/2014/main" id="{ECC6EB0F-5E7D-6510-AE53-68E5D941699E}"/>
+              </a:ext>
+            </a:extLst>
+          </p:cNvPr>
+          <p:cNvSpPr>
+            <a:spLocks noGrp="1"/>
+          </p:cNvSpPr>
+          <p:nvPr>
+            <p:ph type="ctrTitle"/>
+          </p:nvPr>
+        </p:nvSpPr>
+        <p:spPr/>
+        <p:txBody>
+          <a:bodyPr>
+            <a:noAutofit/>
+          </a:bodyPr>
+          <a:lstStyle/>
+          <a:p>
+            <a:r>
+              <a:rPr lang="ru-RU" sz="4400" dirty="0"/>
+              <a:t>Упражнение – статистическая информация о содержаниях металла</a:t>
+            </a:r>
+          </a:p>
+        </p:txBody>
+      </p:sp>
+      <p:sp>
+        <p:nvSpPr>
+          <p:cNvPr id="5" name="Подзаголовок 4">
+            <a:extLst>
+              <a:ext uri="{FF2B5EF4-FFF2-40B4-BE49-F238E27FC236}">
+                <a16:creationId xmlns:a16="http://schemas.microsoft.com/office/drawing/2014/main" id="{4B358746-6B36-F1C0-0681-D832208BF676}"/>
+              </a:ext>
+            </a:extLst>
+          </p:cNvPr>
+          <p:cNvSpPr>
+            <a:spLocks noGrp="1"/>
+          </p:cNvSpPr>
+          <p:nvPr>
+            <p:ph type="subTitle" idx="1"/>
+          </p:nvPr>
+        </p:nvSpPr>
+        <p:spPr/>
+        <p:txBody>
+          <a:bodyPr/>
+          <a:lstStyle/>
+          <a:p>
+            <a:endParaRPr lang="ru-RU"/>
+          </a:p>
+        </p:txBody>
+      </p:sp>
+    </p:spTree>
+    <p:extLst>
+      <p:ext uri="{BB962C8B-B14F-4D97-AF65-F5344CB8AC3E}">
+        <p14:creationId xmlns:p14="http://schemas.microsoft.com/office/powerpoint/2010/main" val="1004858136"/>
+      </p:ext>
+    </p:extLst>
+  </p:cSld>
+  <p:clrMapOvr>
+    <a:masterClrMapping/>
+  </p:clrMapOvr>
+</p:sld>
+</file>
+
+<file path=ppt/slides/slide14.xml><?xml version="1.0" encoding="utf-8"?>
+<p:sld xmlns:a="http://schemas.openxmlformats.org/drawingml/2006/main" xmlns:r="http://schemas.openxmlformats.org/officeDocument/2006/relationships" xmlns:p="http://schemas.openxmlformats.org/presentationml/2006/main">
+  <p:cSld>
+    <p:spTree>
+      <p:nvGrpSpPr>
+        <p:cNvPr id="1" name=""/>
+        <p:cNvGrpSpPr/>
+        <p:nvPr/>
+      </p:nvGrpSpPr>
+      <p:grpSpPr>
+        <a:xfrm>
+          <a:off x="0" y="0"/>
+          <a:ext cx="0" cy="0"/>
+          <a:chOff x="0" y="0"/>
+          <a:chExt cx="0" cy="0"/>
+        </a:xfrm>
+      </p:grpSpPr>
+      <p:sp>
+        <p:nvSpPr>
+          <p:cNvPr id="8" name="Текст 7">
+            <a:extLst>
+              <a:ext uri="{FF2B5EF4-FFF2-40B4-BE49-F238E27FC236}">
+                <a16:creationId xmlns:a16="http://schemas.microsoft.com/office/drawing/2014/main" id="{C954768A-977D-3787-99A5-64AE698E584A}"/>
+              </a:ext>
+            </a:extLst>
+          </p:cNvPr>
+          <p:cNvSpPr>
+            <a:spLocks noGrp="1"/>
+          </p:cNvSpPr>
+          <p:nvPr>
+            <p:ph type="body" idx="16"/>
+          </p:nvPr>
+        </p:nvSpPr>
+        <p:spPr/>
+        <p:txBody>
+          <a:bodyPr/>
+          <a:lstStyle/>
+          <a:p>
+            <a:endParaRPr lang="ru-RU"/>
+          </a:p>
+        </p:txBody>
+      </p:sp>
+      <p:sp>
+        <p:nvSpPr>
+          <p:cNvPr id="9" name="Текст 8">
+            <a:extLst>
+              <a:ext uri="{FF2B5EF4-FFF2-40B4-BE49-F238E27FC236}">
+                <a16:creationId xmlns:a16="http://schemas.microsoft.com/office/drawing/2014/main" id="{8D446A56-9BA4-2FE0-6FDF-0D92C6565143}"/>
+              </a:ext>
+            </a:extLst>
+          </p:cNvPr>
+          <p:cNvSpPr>
+            <a:spLocks noGrp="1"/>
+          </p:cNvSpPr>
+          <p:nvPr>
+            <p:ph type="body" sz="quarter" idx="18"/>
+          </p:nvPr>
+        </p:nvSpPr>
+        <p:spPr/>
+        <p:txBody>
+          <a:bodyPr>
+            <a:normAutofit/>
+          </a:bodyPr>
+          <a:lstStyle/>
+          <a:p>
+            <a:r>
+              <a:rPr lang="ru-RU" sz="2000" dirty="0"/>
+              <a:t>Изучите запрос </a:t>
+            </a:r>
+            <a:r>
+              <a:rPr lang="en-US" sz="2000" dirty="0"/>
+              <a:t>Create Database Backup</a:t>
+            </a:r>
+            <a:endParaRPr lang="ru-RU" sz="2000" dirty="0"/>
+          </a:p>
+          <a:p>
+            <a:r>
+              <a:rPr lang="ru-RU" sz="2000" dirty="0"/>
+              <a:t>Запустите запрос и создайте резервную копию базы данных</a:t>
+            </a:r>
+          </a:p>
+          <a:p>
+            <a:endParaRPr lang="ru-RU" sz="2000" dirty="0"/>
+          </a:p>
+          <a:p>
+            <a:pPr marL="457200" indent="-457200">
+              <a:buFont typeface="+mj-lt"/>
+              <a:buAutoNum type="arabicPeriod"/>
+            </a:pPr>
+            <a:endParaRPr lang="ru-RU" sz="2000" dirty="0"/>
+          </a:p>
+        </p:txBody>
+      </p:sp>
+      <p:sp>
+        <p:nvSpPr>
+          <p:cNvPr id="2" name="Заголовок 1">
+            <a:extLst>
+              <a:ext uri="{FF2B5EF4-FFF2-40B4-BE49-F238E27FC236}">
+                <a16:creationId xmlns:a16="http://schemas.microsoft.com/office/drawing/2014/main" id="{AC4D1C91-FF69-D444-31C7-784A22418C71}"/>
+              </a:ext>
+            </a:extLst>
+          </p:cNvPr>
+          <p:cNvSpPr>
+            <a:spLocks noGrp="1"/>
+          </p:cNvSpPr>
+          <p:nvPr>
+            <p:ph type="ctrTitle"/>
+          </p:nvPr>
+        </p:nvSpPr>
+        <p:spPr/>
+        <p:txBody>
+          <a:bodyPr>
+            <a:normAutofit fontScale="90000"/>
+          </a:bodyPr>
+          <a:lstStyle/>
+          <a:p>
+            <a:r>
+              <a:rPr lang="ru-RU" sz="4400" dirty="0"/>
+              <a:t>Упражнение – Создание резервных копий базы данных</a:t>
+            </a:r>
+          </a:p>
+        </p:txBody>
+      </p:sp>
+    </p:spTree>
+    <p:extLst>
+      <p:ext uri="{BB962C8B-B14F-4D97-AF65-F5344CB8AC3E}">
+        <p14:creationId xmlns:p14="http://schemas.microsoft.com/office/powerpoint/2010/main" val="1769200804"/>
+      </p:ext>
+    </p:extLst>
+  </p:cSld>
+  <p:clrMapOvr>
+    <a:masterClrMapping/>
+  </p:clrMapOvr>
+</p:sld>
+</file>
+
+<file path=ppt/slides/slide15.xml><?xml version="1.0" encoding="utf-8"?>
+<p:sld xmlns:a="http://schemas.openxmlformats.org/drawingml/2006/main" xmlns:r="http://schemas.openxmlformats.org/officeDocument/2006/relationships" xmlns:p="http://schemas.openxmlformats.org/presentationml/2006/main">
+  <p:cSld>
+    <p:spTree>
+      <p:nvGrpSpPr>
+        <p:cNvPr id="1" name=""/>
+        <p:cNvGrpSpPr/>
+        <p:nvPr/>
+      </p:nvGrpSpPr>
+      <p:grpSpPr>
+        <a:xfrm>
+          <a:off x="0" y="0"/>
+          <a:ext cx="0" cy="0"/>
+          <a:chOff x="0" y="0"/>
+          <a:chExt cx="0" cy="0"/>
+        </a:xfrm>
+      </p:grpSpPr>
+      <p:sp>
+        <p:nvSpPr>
+          <p:cNvPr id="4" name="Заголовок 3">
+            <a:extLst>
+              <a:ext uri="{FF2B5EF4-FFF2-40B4-BE49-F238E27FC236}">
+                <a16:creationId xmlns:a16="http://schemas.microsoft.com/office/drawing/2014/main" id="{39597ACC-BDA2-4E3B-2F0F-74E410BDD91D}"/>
+              </a:ext>
+            </a:extLst>
+          </p:cNvPr>
+          <p:cNvSpPr>
+            <a:spLocks noGrp="1"/>
+          </p:cNvSpPr>
+          <p:nvPr>
+            <p:ph type="ctrTitle"/>
+          </p:nvPr>
+        </p:nvSpPr>
+        <p:spPr/>
+        <p:txBody>
+          <a:bodyPr/>
+          <a:lstStyle/>
+          <a:p>
+            <a:endParaRPr lang="ru-RU" dirty="0"/>
+          </a:p>
+        </p:txBody>
+      </p:sp>
+      <p:sp>
+        <p:nvSpPr>
+          <p:cNvPr id="2" name="Подзаголовок 1">
+            <a:extLst>
+              <a:ext uri="{FF2B5EF4-FFF2-40B4-BE49-F238E27FC236}">
+                <a16:creationId xmlns:a16="http://schemas.microsoft.com/office/drawing/2014/main" id="{9AA3318A-49E1-1C68-B2D3-99C0169B0344}"/>
+              </a:ext>
+            </a:extLst>
+          </p:cNvPr>
+          <p:cNvSpPr>
+            <a:spLocks noGrp="1"/>
+          </p:cNvSpPr>
+          <p:nvPr>
+            <p:ph type="subTitle" idx="1"/>
+          </p:nvPr>
+        </p:nvSpPr>
+        <p:spPr>
+          <a:xfrm>
+            <a:off x="1009605" y="2510060"/>
+            <a:ext cx="9240819" cy="1014740"/>
+          </a:xfrm>
+        </p:spPr>
+        <p:txBody>
+          <a:bodyPr>
+            <a:noAutofit/>
+          </a:bodyPr>
+          <a:lstStyle/>
+          <a:p>
+            <a:pPr algn="ctr"/>
+            <a:r>
+              <a:rPr lang="ru-RU" sz="4400" dirty="0"/>
+              <a:t>Спасибо за внимание!</a:t>
+            </a:r>
+          </a:p>
+        </p:txBody>
+      </p:sp>
+      <p:sp>
+        <p:nvSpPr>
+          <p:cNvPr id="3" name="Текст 4">
+            <a:extLst>
+              <a:ext uri="{FF2B5EF4-FFF2-40B4-BE49-F238E27FC236}">
+                <a16:creationId xmlns:a16="http://schemas.microsoft.com/office/drawing/2014/main" id="{1658D996-23A7-A36A-8770-C3F5FAEF2BCE}"/>
+              </a:ext>
+            </a:extLst>
+          </p:cNvPr>
+          <p:cNvSpPr txBox="1">
+            <a:spLocks/>
+          </p:cNvSpPr>
+          <p:nvPr/>
+        </p:nvSpPr>
+        <p:spPr>
+          <a:xfrm>
+            <a:off x="1279906" y="5394135"/>
+            <a:ext cx="10515600" cy="942657"/>
+          </a:xfrm>
+          <a:prstGeom prst="rect">
+            <a:avLst/>
+          </a:prstGeom>
+        </p:spPr>
+        <p:txBody>
+          <a:bodyPr vert="horz" lIns="91440" tIns="45720" rIns="91440" bIns="45720" rtlCol="0">
+            <a:normAutofit/>
+          </a:bodyPr>
+          <a:lstStyle>
+            <a:lvl1pPr marL="0" indent="0" algn="l" defTabSz="914400" rtl="0" eaLnBrk="1" latinLnBrk="0" hangingPunct="1">
+              <a:lnSpc>
+                <a:spcPct val="100000"/>
+              </a:lnSpc>
+              <a:spcBef>
+                <a:spcPts val="1000"/>
+              </a:spcBef>
+              <a:buFont typeface="Arial" panose="020B0604020202020204" pitchFamily="34" charset="0"/>
+              <a:buNone/>
+              <a:defRPr sz="1400" b="0" i="0" kern="1200">
+                <a:solidFill>
+                  <a:srgbClr val="372D68"/>
+                </a:solidFill>
+                <a:latin typeface="Dazzed" pitchFamily="2" charset="77"/>
+                <a:ea typeface="+mn-ea"/>
+                <a:cs typeface="Dazzed" pitchFamily="2" charset="77"/>
+              </a:defRPr>
+            </a:lvl1pPr>
+            <a:lvl2pPr marL="457200" indent="0" algn="ctr" defTabSz="914400" rtl="0" eaLnBrk="1" latinLnBrk="0" hangingPunct="1">
+              <a:lnSpc>
+                <a:spcPct val="90000"/>
+              </a:lnSpc>
+              <a:spcBef>
+                <a:spcPts val="500"/>
+              </a:spcBef>
+              <a:buFont typeface="Arial" panose="020B0604020202020204" pitchFamily="34" charset="0"/>
+              <a:buNone/>
+              <a:defRPr sz="2000" kern="1200">
+                <a:solidFill>
+                  <a:schemeClr val="tx1"/>
+                </a:solidFill>
+                <a:latin typeface="+mn-lt"/>
+                <a:ea typeface="+mn-ea"/>
+                <a:cs typeface="+mn-cs"/>
+              </a:defRPr>
+            </a:lvl2pPr>
+            <a:lvl3pPr marL="914400" indent="0" algn="ctr" defTabSz="914400" rtl="0" eaLnBrk="1" latinLnBrk="0" hangingPunct="1">
+              <a:lnSpc>
+                <a:spcPct val="90000"/>
+              </a:lnSpc>
+              <a:spcBef>
+                <a:spcPts val="500"/>
+              </a:spcBef>
+              <a:buFont typeface="Arial" panose="020B0604020202020204" pitchFamily="34" charset="0"/>
+              <a:buNone/>
+              <a:defRPr sz="1800" kern="1200">
+                <a:solidFill>
+                  <a:schemeClr val="tx1"/>
+                </a:solidFill>
+                <a:latin typeface="+mn-lt"/>
+                <a:ea typeface="+mn-ea"/>
+                <a:cs typeface="+mn-cs"/>
+              </a:defRPr>
+            </a:lvl3pPr>
+            <a:lvl4pPr marL="1371600" indent="0" algn="ctr" defTabSz="914400" rtl="0" eaLnBrk="1" latinLnBrk="0" hangingPunct="1">
+              <a:lnSpc>
+                <a:spcPct val="90000"/>
+              </a:lnSpc>
+              <a:spcBef>
+                <a:spcPts val="500"/>
+              </a:spcBef>
+              <a:buFont typeface="Arial" panose="020B0604020202020204" pitchFamily="34" charset="0"/>
+              <a:buNone/>
+              <a:defRPr sz="1600" kern="1200">
+                <a:solidFill>
+                  <a:schemeClr val="tx1"/>
+                </a:solidFill>
+                <a:latin typeface="+mn-lt"/>
+                <a:ea typeface="+mn-ea"/>
+                <a:cs typeface="+mn-cs"/>
+              </a:defRPr>
+            </a:lvl4pPr>
+            <a:lvl5pPr marL="1828800" indent="0" algn="ctr" defTabSz="914400" rtl="0" eaLnBrk="1" latinLnBrk="0" hangingPunct="1">
+              <a:lnSpc>
+                <a:spcPct val="90000"/>
+              </a:lnSpc>
+              <a:spcBef>
+                <a:spcPts val="500"/>
+              </a:spcBef>
+              <a:buFont typeface="Arial" panose="020B0604020202020204" pitchFamily="34" charset="0"/>
+              <a:buNone/>
+              <a:defRPr sz="1600" kern="1200">
+                <a:solidFill>
+                  <a:schemeClr val="tx1"/>
+                </a:solidFill>
+                <a:latin typeface="+mn-lt"/>
+                <a:ea typeface="+mn-ea"/>
+                <a:cs typeface="+mn-cs"/>
+              </a:defRPr>
+            </a:lvl5pPr>
+            <a:lvl6pPr marL="2286000" indent="0" algn="ctr" defTabSz="914400" rtl="0" eaLnBrk="1" latinLnBrk="0" hangingPunct="1">
+              <a:lnSpc>
+                <a:spcPct val="90000"/>
+              </a:lnSpc>
+              <a:spcBef>
+                <a:spcPts val="500"/>
+              </a:spcBef>
+              <a:buFont typeface="Arial" panose="020B0604020202020204" pitchFamily="34" charset="0"/>
+              <a:buNone/>
+              <a:defRPr sz="1600" kern="1200">
+                <a:solidFill>
+                  <a:schemeClr val="tx1"/>
+                </a:solidFill>
+                <a:latin typeface="+mn-lt"/>
+                <a:ea typeface="+mn-ea"/>
+                <a:cs typeface="+mn-cs"/>
+              </a:defRPr>
+            </a:lvl6pPr>
+            <a:lvl7pPr marL="2743200" indent="0" algn="ctr" defTabSz="914400" rtl="0" eaLnBrk="1" latinLnBrk="0" hangingPunct="1">
+              <a:lnSpc>
+                <a:spcPct val="90000"/>
+              </a:lnSpc>
+              <a:spcBef>
+                <a:spcPts val="500"/>
+              </a:spcBef>
+              <a:buFont typeface="Arial" panose="020B0604020202020204" pitchFamily="34" charset="0"/>
+              <a:buNone/>
+              <a:defRPr sz="1600" kern="1200">
+                <a:solidFill>
+                  <a:schemeClr val="tx1"/>
+                </a:solidFill>
+                <a:latin typeface="+mn-lt"/>
+                <a:ea typeface="+mn-ea"/>
+                <a:cs typeface="+mn-cs"/>
+              </a:defRPr>
+            </a:lvl7pPr>
+            <a:lvl8pPr marL="3200400" indent="0" algn="ctr" defTabSz="914400" rtl="0" eaLnBrk="1" latinLnBrk="0" hangingPunct="1">
+              <a:lnSpc>
+                <a:spcPct val="90000"/>
+              </a:lnSpc>
+              <a:spcBef>
+                <a:spcPts val="500"/>
+              </a:spcBef>
+              <a:buFont typeface="Arial" panose="020B0604020202020204" pitchFamily="34" charset="0"/>
+              <a:buNone/>
+              <a:defRPr sz="1600" kern="1200">
+                <a:solidFill>
+                  <a:schemeClr val="tx1"/>
+                </a:solidFill>
+                <a:latin typeface="+mn-lt"/>
+                <a:ea typeface="+mn-ea"/>
+                <a:cs typeface="+mn-cs"/>
+              </a:defRPr>
+            </a:lvl8pPr>
+            <a:lvl9pPr marL="3657600" indent="0" algn="ctr" defTabSz="914400" rtl="0" eaLnBrk="1" latinLnBrk="0" hangingPunct="1">
+              <a:lnSpc>
+                <a:spcPct val="90000"/>
+              </a:lnSpc>
+              <a:spcBef>
+                <a:spcPts val="500"/>
+              </a:spcBef>
+              <a:buFont typeface="Arial" panose="020B0604020202020204" pitchFamily="34" charset="0"/>
+              <a:buNone/>
+              <a:defRPr sz="1600" kern="1200">
+                <a:solidFill>
+                  <a:schemeClr val="tx1"/>
+                </a:solidFill>
+                <a:latin typeface="+mn-lt"/>
+                <a:ea typeface="+mn-ea"/>
+                <a:cs typeface="+mn-cs"/>
+              </a:defRPr>
+            </a:lvl9pPr>
+          </a:lstStyle>
+          <a:p>
+            <a:endParaRPr lang="ru-RU" dirty="0"/>
+          </a:p>
+        </p:txBody>
+      </p:sp>
+      <p:sp>
+        <p:nvSpPr>
+          <p:cNvPr id="5" name="Текст 4">
+            <a:extLst>
+              <a:ext uri="{FF2B5EF4-FFF2-40B4-BE49-F238E27FC236}">
+                <a16:creationId xmlns:a16="http://schemas.microsoft.com/office/drawing/2014/main" id="{DD75D117-9AC0-65B7-60AB-1F6C42780928}"/>
+              </a:ext>
+            </a:extLst>
+          </p:cNvPr>
+          <p:cNvSpPr txBox="1">
+            <a:spLocks/>
+          </p:cNvSpPr>
+          <p:nvPr/>
+        </p:nvSpPr>
+        <p:spPr>
+          <a:xfrm>
+            <a:off x="831850" y="4589463"/>
+            <a:ext cx="10515600" cy="1500187"/>
+          </a:xfrm>
+          <a:prstGeom prst="rect">
+            <a:avLst/>
+          </a:prstGeom>
+        </p:spPr>
+        <p:txBody>
+          <a:bodyPr vert="horz" lIns="91440" tIns="45720" rIns="91440" bIns="45720" rtlCol="0">
+            <a:normAutofit/>
+          </a:bodyPr>
+          <a:lstStyle>
+            <a:lvl1pPr marL="0" indent="0" algn="l" defTabSz="914400" rtl="0" eaLnBrk="1" latinLnBrk="0" hangingPunct="1">
+              <a:lnSpc>
+                <a:spcPct val="100000"/>
+              </a:lnSpc>
+              <a:spcBef>
+                <a:spcPts val="1000"/>
+              </a:spcBef>
+              <a:buFont typeface="Arial" panose="020B0604020202020204" pitchFamily="34" charset="0"/>
+              <a:buNone/>
+              <a:defRPr sz="1400" b="0" i="0" kern="1200">
+                <a:solidFill>
+                  <a:srgbClr val="372D68"/>
+                </a:solidFill>
+                <a:latin typeface="Dazzed" pitchFamily="2" charset="77"/>
+                <a:ea typeface="+mn-ea"/>
+                <a:cs typeface="Dazzed" pitchFamily="2" charset="77"/>
+              </a:defRPr>
+            </a:lvl1pPr>
+            <a:lvl2pPr marL="457200" indent="0" algn="ctr" defTabSz="914400" rtl="0" eaLnBrk="1" latinLnBrk="0" hangingPunct="1">
+              <a:lnSpc>
+                <a:spcPct val="90000"/>
+              </a:lnSpc>
+              <a:spcBef>
+                <a:spcPts val="500"/>
+              </a:spcBef>
+              <a:buFont typeface="Arial" panose="020B0604020202020204" pitchFamily="34" charset="0"/>
+              <a:buNone/>
+              <a:defRPr sz="2000" kern="1200">
+                <a:solidFill>
+                  <a:schemeClr val="tx1"/>
+                </a:solidFill>
+                <a:latin typeface="+mn-lt"/>
+                <a:ea typeface="+mn-ea"/>
+                <a:cs typeface="+mn-cs"/>
+              </a:defRPr>
+            </a:lvl2pPr>
+            <a:lvl3pPr marL="914400" indent="0" algn="ctr" defTabSz="914400" rtl="0" eaLnBrk="1" latinLnBrk="0" hangingPunct="1">
+              <a:lnSpc>
+                <a:spcPct val="90000"/>
+              </a:lnSpc>
+              <a:spcBef>
+                <a:spcPts val="500"/>
+              </a:spcBef>
+              <a:buFont typeface="Arial" panose="020B0604020202020204" pitchFamily="34" charset="0"/>
+              <a:buNone/>
+              <a:defRPr sz="1800" kern="1200">
+                <a:solidFill>
+                  <a:schemeClr val="tx1"/>
+                </a:solidFill>
+                <a:latin typeface="+mn-lt"/>
+                <a:ea typeface="+mn-ea"/>
+                <a:cs typeface="+mn-cs"/>
+              </a:defRPr>
+            </a:lvl3pPr>
+            <a:lvl4pPr marL="1371600" indent="0" algn="ctr" defTabSz="914400" rtl="0" eaLnBrk="1" latinLnBrk="0" hangingPunct="1">
+              <a:lnSpc>
+                <a:spcPct val="90000"/>
+              </a:lnSpc>
+              <a:spcBef>
+                <a:spcPts val="500"/>
+              </a:spcBef>
+              <a:buFont typeface="Arial" panose="020B0604020202020204" pitchFamily="34" charset="0"/>
+              <a:buNone/>
+              <a:defRPr sz="1600" kern="1200">
+                <a:solidFill>
+                  <a:schemeClr val="tx1"/>
+                </a:solidFill>
+                <a:latin typeface="+mn-lt"/>
+                <a:ea typeface="+mn-ea"/>
+                <a:cs typeface="+mn-cs"/>
+              </a:defRPr>
+            </a:lvl4pPr>
+            <a:lvl5pPr marL="1828800" indent="0" algn="ctr" defTabSz="914400" rtl="0" eaLnBrk="1" latinLnBrk="0" hangingPunct="1">
+              <a:lnSpc>
+                <a:spcPct val="90000"/>
+              </a:lnSpc>
+              <a:spcBef>
+                <a:spcPts val="500"/>
+              </a:spcBef>
+              <a:buFont typeface="Arial" panose="020B0604020202020204" pitchFamily="34" charset="0"/>
+              <a:buNone/>
+              <a:defRPr sz="1600" kern="1200">
+                <a:solidFill>
+                  <a:schemeClr val="tx1"/>
+                </a:solidFill>
+                <a:latin typeface="+mn-lt"/>
+                <a:ea typeface="+mn-ea"/>
+                <a:cs typeface="+mn-cs"/>
+              </a:defRPr>
+            </a:lvl5pPr>
+            <a:lvl6pPr marL="2286000" indent="0" algn="ctr" defTabSz="914400" rtl="0" eaLnBrk="1" latinLnBrk="0" hangingPunct="1">
+              <a:lnSpc>
+                <a:spcPct val="90000"/>
+              </a:lnSpc>
+              <a:spcBef>
+                <a:spcPts val="500"/>
+              </a:spcBef>
+              <a:buFont typeface="Arial" panose="020B0604020202020204" pitchFamily="34" charset="0"/>
+              <a:buNone/>
+              <a:defRPr sz="1600" kern="1200">
+                <a:solidFill>
+                  <a:schemeClr val="tx1"/>
+                </a:solidFill>
+                <a:latin typeface="+mn-lt"/>
+                <a:ea typeface="+mn-ea"/>
+                <a:cs typeface="+mn-cs"/>
+              </a:defRPr>
+            </a:lvl6pPr>
+            <a:lvl7pPr marL="2743200" indent="0" algn="ctr" defTabSz="914400" rtl="0" eaLnBrk="1" latinLnBrk="0" hangingPunct="1">
+              <a:lnSpc>
+                <a:spcPct val="90000"/>
+              </a:lnSpc>
+              <a:spcBef>
+                <a:spcPts val="500"/>
+              </a:spcBef>
+              <a:buFont typeface="Arial" panose="020B0604020202020204" pitchFamily="34" charset="0"/>
+              <a:buNone/>
+              <a:defRPr sz="1600" kern="1200">
+                <a:solidFill>
+                  <a:schemeClr val="tx1"/>
+                </a:solidFill>
+                <a:latin typeface="+mn-lt"/>
+                <a:ea typeface="+mn-ea"/>
+                <a:cs typeface="+mn-cs"/>
+              </a:defRPr>
+            </a:lvl7pPr>
+            <a:lvl8pPr marL="3200400" indent="0" algn="ctr" defTabSz="914400" rtl="0" eaLnBrk="1" latinLnBrk="0" hangingPunct="1">
+              <a:lnSpc>
+                <a:spcPct val="90000"/>
+              </a:lnSpc>
+              <a:spcBef>
+                <a:spcPts val="500"/>
+              </a:spcBef>
+              <a:buFont typeface="Arial" panose="020B0604020202020204" pitchFamily="34" charset="0"/>
+              <a:buNone/>
+              <a:defRPr sz="1600" kern="1200">
+                <a:solidFill>
+                  <a:schemeClr val="tx1"/>
+                </a:solidFill>
+                <a:latin typeface="+mn-lt"/>
+                <a:ea typeface="+mn-ea"/>
+                <a:cs typeface="+mn-cs"/>
+              </a:defRPr>
+            </a:lvl8pPr>
+            <a:lvl9pPr marL="3657600" indent="0" algn="ctr" defTabSz="914400" rtl="0" eaLnBrk="1" latinLnBrk="0" hangingPunct="1">
+              <a:lnSpc>
+                <a:spcPct val="90000"/>
+              </a:lnSpc>
+              <a:spcBef>
+                <a:spcPts val="500"/>
+              </a:spcBef>
+              <a:buFont typeface="Arial" panose="020B0604020202020204" pitchFamily="34" charset="0"/>
+              <a:buNone/>
+              <a:defRPr sz="1600" kern="1200">
+                <a:solidFill>
+                  <a:schemeClr val="tx1"/>
+                </a:solidFill>
+                <a:latin typeface="+mn-lt"/>
+                <a:ea typeface="+mn-ea"/>
+                <a:cs typeface="+mn-cs"/>
+              </a:defRPr>
+            </a:lvl9pPr>
+          </a:lstStyle>
+          <a:p>
+            <a:endParaRPr lang="ru-RU" dirty="0"/>
+          </a:p>
+        </p:txBody>
+      </p:sp>
+      <p:sp>
+        <p:nvSpPr>
+          <p:cNvPr id="6" name="Текст 4">
+            <a:extLst>
+              <a:ext uri="{FF2B5EF4-FFF2-40B4-BE49-F238E27FC236}">
+                <a16:creationId xmlns:a16="http://schemas.microsoft.com/office/drawing/2014/main" id="{6968DA11-C31F-8DFC-F470-C42CD64C4D49}"/>
+              </a:ext>
+            </a:extLst>
+          </p:cNvPr>
+          <p:cNvSpPr txBox="1">
+            <a:spLocks/>
+          </p:cNvSpPr>
+          <p:nvPr/>
+        </p:nvSpPr>
+        <p:spPr>
+          <a:xfrm>
+            <a:off x="831850" y="4687524"/>
+            <a:ext cx="10515600" cy="1500187"/>
+          </a:xfrm>
+          <a:prstGeom prst="rect">
+            <a:avLst/>
+          </a:prstGeom>
+        </p:spPr>
+        <p:txBody>
+          <a:bodyPr vert="horz" lIns="91440" tIns="45720" rIns="91440" bIns="45720" rtlCol="0">
+            <a:normAutofit/>
+          </a:bodyPr>
+          <a:lstStyle>
+            <a:lvl1pPr marL="0" indent="0" algn="l" defTabSz="914400" rtl="0" eaLnBrk="1" latinLnBrk="0" hangingPunct="1">
+              <a:lnSpc>
+                <a:spcPct val="100000"/>
+              </a:lnSpc>
+              <a:spcBef>
+                <a:spcPts val="1000"/>
+              </a:spcBef>
+              <a:buFont typeface="Arial" panose="020B0604020202020204" pitchFamily="34" charset="0"/>
+              <a:buNone/>
+              <a:defRPr sz="1400" b="0" i="0" kern="1200">
+                <a:solidFill>
+                  <a:srgbClr val="372D68"/>
+                </a:solidFill>
+                <a:latin typeface="Dazzed" pitchFamily="2" charset="77"/>
+                <a:ea typeface="+mn-ea"/>
+                <a:cs typeface="Dazzed" pitchFamily="2" charset="77"/>
+              </a:defRPr>
+            </a:lvl1pPr>
+            <a:lvl2pPr marL="457200" indent="0" algn="ctr" defTabSz="914400" rtl="0" eaLnBrk="1" latinLnBrk="0" hangingPunct="1">
+              <a:lnSpc>
+                <a:spcPct val="90000"/>
+              </a:lnSpc>
+              <a:spcBef>
+                <a:spcPts val="500"/>
+              </a:spcBef>
+              <a:buFont typeface="Arial" panose="020B0604020202020204" pitchFamily="34" charset="0"/>
+              <a:buNone/>
+              <a:defRPr sz="2000" kern="1200">
+                <a:solidFill>
+                  <a:schemeClr val="tx1"/>
+                </a:solidFill>
+                <a:latin typeface="+mn-lt"/>
+                <a:ea typeface="+mn-ea"/>
+                <a:cs typeface="+mn-cs"/>
+              </a:defRPr>
+            </a:lvl2pPr>
+            <a:lvl3pPr marL="914400" indent="0" algn="ctr" defTabSz="914400" rtl="0" eaLnBrk="1" latinLnBrk="0" hangingPunct="1">
+              <a:lnSpc>
+                <a:spcPct val="90000"/>
+              </a:lnSpc>
+              <a:spcBef>
+                <a:spcPts val="500"/>
+              </a:spcBef>
+              <a:buFont typeface="Arial" panose="020B0604020202020204" pitchFamily="34" charset="0"/>
+              <a:buNone/>
+              <a:defRPr sz="1800" kern="1200">
+                <a:solidFill>
+                  <a:schemeClr val="tx1"/>
+                </a:solidFill>
+                <a:latin typeface="+mn-lt"/>
+                <a:ea typeface="+mn-ea"/>
+                <a:cs typeface="+mn-cs"/>
+              </a:defRPr>
+            </a:lvl3pPr>
+            <a:lvl4pPr marL="1371600" indent="0" algn="ctr" defTabSz="914400" rtl="0" eaLnBrk="1" latinLnBrk="0" hangingPunct="1">
+              <a:lnSpc>
+                <a:spcPct val="90000"/>
+              </a:lnSpc>
+              <a:spcBef>
+                <a:spcPts val="500"/>
+              </a:spcBef>
+              <a:buFont typeface="Arial" panose="020B0604020202020204" pitchFamily="34" charset="0"/>
+              <a:buNone/>
+              <a:defRPr sz="1600" kern="1200">
+                <a:solidFill>
+                  <a:schemeClr val="tx1"/>
+                </a:solidFill>
+                <a:latin typeface="+mn-lt"/>
+                <a:ea typeface="+mn-ea"/>
+                <a:cs typeface="+mn-cs"/>
+              </a:defRPr>
+            </a:lvl4pPr>
+            <a:lvl5pPr marL="1828800" indent="0" algn="ctr" defTabSz="914400" rtl="0" eaLnBrk="1" latinLnBrk="0" hangingPunct="1">
+              <a:lnSpc>
+                <a:spcPct val="90000"/>
+              </a:lnSpc>
+              <a:spcBef>
+                <a:spcPts val="500"/>
+              </a:spcBef>
+              <a:buFont typeface="Arial" panose="020B0604020202020204" pitchFamily="34" charset="0"/>
+              <a:buNone/>
+              <a:defRPr sz="1600" kern="1200">
+                <a:solidFill>
+                  <a:schemeClr val="tx1"/>
+                </a:solidFill>
+                <a:latin typeface="+mn-lt"/>
+                <a:ea typeface="+mn-ea"/>
+                <a:cs typeface="+mn-cs"/>
+              </a:defRPr>
+            </a:lvl5pPr>
+            <a:lvl6pPr marL="2286000" indent="0" algn="ctr" defTabSz="914400" rtl="0" eaLnBrk="1" latinLnBrk="0" hangingPunct="1">
+              <a:lnSpc>
+                <a:spcPct val="90000"/>
+              </a:lnSpc>
+              <a:spcBef>
+                <a:spcPts val="500"/>
+              </a:spcBef>
+              <a:buFont typeface="Arial" panose="020B0604020202020204" pitchFamily="34" charset="0"/>
+              <a:buNone/>
+              <a:defRPr sz="1600" kern="1200">
+                <a:solidFill>
+                  <a:schemeClr val="tx1"/>
+                </a:solidFill>
+                <a:latin typeface="+mn-lt"/>
+                <a:ea typeface="+mn-ea"/>
+                <a:cs typeface="+mn-cs"/>
+              </a:defRPr>
+            </a:lvl6pPr>
+            <a:lvl7pPr marL="2743200" indent="0" algn="ctr" defTabSz="914400" rtl="0" eaLnBrk="1" latinLnBrk="0" hangingPunct="1">
+              <a:lnSpc>
+                <a:spcPct val="90000"/>
+              </a:lnSpc>
+              <a:spcBef>
+                <a:spcPts val="500"/>
+              </a:spcBef>
+              <a:buFont typeface="Arial" panose="020B0604020202020204" pitchFamily="34" charset="0"/>
+              <a:buNone/>
+              <a:defRPr sz="1600" kern="1200">
+                <a:solidFill>
+                  <a:schemeClr val="tx1"/>
+                </a:solidFill>
+                <a:latin typeface="+mn-lt"/>
+                <a:ea typeface="+mn-ea"/>
+                <a:cs typeface="+mn-cs"/>
+              </a:defRPr>
+            </a:lvl7pPr>
+            <a:lvl8pPr marL="3200400" indent="0" algn="ctr" defTabSz="914400" rtl="0" eaLnBrk="1" latinLnBrk="0" hangingPunct="1">
+              <a:lnSpc>
+                <a:spcPct val="90000"/>
+              </a:lnSpc>
+              <a:spcBef>
+                <a:spcPts val="500"/>
+              </a:spcBef>
+              <a:buFont typeface="Arial" panose="020B0604020202020204" pitchFamily="34" charset="0"/>
+              <a:buNone/>
+              <a:defRPr sz="1600" kern="1200">
+                <a:solidFill>
+                  <a:schemeClr val="tx1"/>
+                </a:solidFill>
+                <a:latin typeface="+mn-lt"/>
+                <a:ea typeface="+mn-ea"/>
+                <a:cs typeface="+mn-cs"/>
+              </a:defRPr>
+            </a:lvl8pPr>
+            <a:lvl9pPr marL="3657600" indent="0" algn="ctr" defTabSz="914400" rtl="0" eaLnBrk="1" latinLnBrk="0" hangingPunct="1">
+              <a:lnSpc>
+                <a:spcPct val="90000"/>
+              </a:lnSpc>
+              <a:spcBef>
+                <a:spcPts val="500"/>
+              </a:spcBef>
+              <a:buFont typeface="Arial" panose="020B0604020202020204" pitchFamily="34" charset="0"/>
+              <a:buNone/>
+              <a:defRPr sz="1600" kern="1200">
+                <a:solidFill>
+                  <a:schemeClr val="tx1"/>
+                </a:solidFill>
+                <a:latin typeface="+mn-lt"/>
+                <a:ea typeface="+mn-ea"/>
+                <a:cs typeface="+mn-cs"/>
+              </a:defRPr>
+            </a:lvl9pPr>
+          </a:lstStyle>
+          <a:p>
+            <a:endParaRPr lang="ru-RU" dirty="0"/>
+          </a:p>
+        </p:txBody>
+      </p:sp>
+      <p:sp>
+        <p:nvSpPr>
+          <p:cNvPr id="9" name="Текст 4">
+            <a:extLst>
+              <a:ext uri="{FF2B5EF4-FFF2-40B4-BE49-F238E27FC236}">
+                <a16:creationId xmlns:a16="http://schemas.microsoft.com/office/drawing/2014/main" id="{0E392425-623F-EE55-47DE-94B957365571}"/>
+              </a:ext>
+            </a:extLst>
+          </p:cNvPr>
+          <p:cNvSpPr txBox="1">
+            <a:spLocks/>
+          </p:cNvSpPr>
+          <p:nvPr/>
+        </p:nvSpPr>
+        <p:spPr>
+          <a:xfrm>
+            <a:off x="4202938" y="5148871"/>
+            <a:ext cx="3560318" cy="577492"/>
+          </a:xfrm>
+          <a:prstGeom prst="rect">
+            <a:avLst/>
+          </a:prstGeom>
+        </p:spPr>
+        <p:txBody>
+          <a:bodyPr vert="horz" lIns="91440" tIns="45720" rIns="91440" bIns="45720" rtlCol="0">
+            <a:normAutofit/>
+          </a:bodyPr>
+          <a:lstStyle>
+            <a:lvl1pPr marL="0" indent="0" algn="l" defTabSz="914400" rtl="0" eaLnBrk="1" latinLnBrk="0" hangingPunct="1">
+              <a:lnSpc>
+                <a:spcPct val="100000"/>
+              </a:lnSpc>
+              <a:spcBef>
+                <a:spcPts val="1000"/>
+              </a:spcBef>
+              <a:buFont typeface="Arial" panose="020B0604020202020204" pitchFamily="34" charset="0"/>
+              <a:buNone/>
+              <a:defRPr sz="1400" b="0" i="0" kern="1200">
+                <a:solidFill>
+                  <a:srgbClr val="372D68"/>
+                </a:solidFill>
+                <a:latin typeface="Dazzed" pitchFamily="2" charset="77"/>
+                <a:ea typeface="+mn-ea"/>
+                <a:cs typeface="Dazzed" pitchFamily="2" charset="77"/>
+              </a:defRPr>
+            </a:lvl1pPr>
+            <a:lvl2pPr marL="457200" indent="0" algn="ctr" defTabSz="914400" rtl="0" eaLnBrk="1" latinLnBrk="0" hangingPunct="1">
+              <a:lnSpc>
+                <a:spcPct val="90000"/>
+              </a:lnSpc>
+              <a:spcBef>
+                <a:spcPts val="500"/>
+              </a:spcBef>
+              <a:buFont typeface="Arial" panose="020B0604020202020204" pitchFamily="34" charset="0"/>
+              <a:buNone/>
+              <a:defRPr sz="2000" kern="1200">
+                <a:solidFill>
+                  <a:schemeClr val="tx1"/>
+                </a:solidFill>
+                <a:latin typeface="+mn-lt"/>
+                <a:ea typeface="+mn-ea"/>
+                <a:cs typeface="+mn-cs"/>
+              </a:defRPr>
+            </a:lvl2pPr>
+            <a:lvl3pPr marL="914400" indent="0" algn="ctr" defTabSz="914400" rtl="0" eaLnBrk="1" latinLnBrk="0" hangingPunct="1">
+              <a:lnSpc>
+                <a:spcPct val="90000"/>
+              </a:lnSpc>
+              <a:spcBef>
+                <a:spcPts val="500"/>
+              </a:spcBef>
+              <a:buFont typeface="Arial" panose="020B0604020202020204" pitchFamily="34" charset="0"/>
+              <a:buNone/>
+              <a:defRPr sz="1800" kern="1200">
+                <a:solidFill>
+                  <a:schemeClr val="tx1"/>
+                </a:solidFill>
+                <a:latin typeface="+mn-lt"/>
+                <a:ea typeface="+mn-ea"/>
+                <a:cs typeface="+mn-cs"/>
+              </a:defRPr>
+            </a:lvl3pPr>
+            <a:lvl4pPr marL="1371600" indent="0" algn="ctr" defTabSz="914400" rtl="0" eaLnBrk="1" latinLnBrk="0" hangingPunct="1">
+              <a:lnSpc>
+                <a:spcPct val="90000"/>
+              </a:lnSpc>
+              <a:spcBef>
+                <a:spcPts val="500"/>
+              </a:spcBef>
+              <a:buFont typeface="Arial" panose="020B0604020202020204" pitchFamily="34" charset="0"/>
+              <a:buNone/>
+              <a:defRPr sz="1600" kern="1200">
+                <a:solidFill>
+                  <a:schemeClr val="tx1"/>
+                </a:solidFill>
+                <a:latin typeface="+mn-lt"/>
+                <a:ea typeface="+mn-ea"/>
+                <a:cs typeface="+mn-cs"/>
+              </a:defRPr>
+            </a:lvl4pPr>
+            <a:lvl5pPr marL="1828800" indent="0" algn="ctr" defTabSz="914400" rtl="0" eaLnBrk="1" latinLnBrk="0" hangingPunct="1">
+              <a:lnSpc>
+                <a:spcPct val="90000"/>
+              </a:lnSpc>
+              <a:spcBef>
+                <a:spcPts val="500"/>
+              </a:spcBef>
+              <a:buFont typeface="Arial" panose="020B0604020202020204" pitchFamily="34" charset="0"/>
+              <a:buNone/>
+              <a:defRPr sz="1600" kern="1200">
+                <a:solidFill>
+                  <a:schemeClr val="tx1"/>
+                </a:solidFill>
+                <a:latin typeface="+mn-lt"/>
+                <a:ea typeface="+mn-ea"/>
+                <a:cs typeface="+mn-cs"/>
+              </a:defRPr>
+            </a:lvl5pPr>
+            <a:lvl6pPr marL="2286000" indent="0" algn="ctr" defTabSz="914400" rtl="0" eaLnBrk="1" latinLnBrk="0" hangingPunct="1">
+              <a:lnSpc>
+                <a:spcPct val="90000"/>
+              </a:lnSpc>
+              <a:spcBef>
+                <a:spcPts val="500"/>
+              </a:spcBef>
+              <a:buFont typeface="Arial" panose="020B0604020202020204" pitchFamily="34" charset="0"/>
+              <a:buNone/>
+              <a:defRPr sz="1600" kern="1200">
+                <a:solidFill>
+                  <a:schemeClr val="tx1"/>
+                </a:solidFill>
+                <a:latin typeface="+mn-lt"/>
+                <a:ea typeface="+mn-ea"/>
+                <a:cs typeface="+mn-cs"/>
+              </a:defRPr>
+            </a:lvl6pPr>
+            <a:lvl7pPr marL="2743200" indent="0" algn="ctr" defTabSz="914400" rtl="0" eaLnBrk="1" latinLnBrk="0" hangingPunct="1">
+              <a:lnSpc>
+                <a:spcPct val="90000"/>
+              </a:lnSpc>
+              <a:spcBef>
+                <a:spcPts val="500"/>
+              </a:spcBef>
+              <a:buFont typeface="Arial" panose="020B0604020202020204" pitchFamily="34" charset="0"/>
+              <a:buNone/>
+              <a:defRPr sz="1600" kern="1200">
+                <a:solidFill>
+                  <a:schemeClr val="tx1"/>
+                </a:solidFill>
+                <a:latin typeface="+mn-lt"/>
+                <a:ea typeface="+mn-ea"/>
+                <a:cs typeface="+mn-cs"/>
+              </a:defRPr>
+            </a:lvl7pPr>
+            <a:lvl8pPr marL="3200400" indent="0" algn="ctr" defTabSz="914400" rtl="0" eaLnBrk="1" latinLnBrk="0" hangingPunct="1">
+              <a:lnSpc>
+                <a:spcPct val="90000"/>
+              </a:lnSpc>
+              <a:spcBef>
+                <a:spcPts val="500"/>
+              </a:spcBef>
+              <a:buFont typeface="Arial" panose="020B0604020202020204" pitchFamily="34" charset="0"/>
+              <a:buNone/>
+              <a:defRPr sz="1600" kern="1200">
+                <a:solidFill>
+                  <a:schemeClr val="tx1"/>
+                </a:solidFill>
+                <a:latin typeface="+mn-lt"/>
+                <a:ea typeface="+mn-ea"/>
+                <a:cs typeface="+mn-cs"/>
+              </a:defRPr>
+            </a:lvl8pPr>
+            <a:lvl9pPr marL="3657600" indent="0" algn="ctr" defTabSz="914400" rtl="0" eaLnBrk="1" latinLnBrk="0" hangingPunct="1">
+              <a:lnSpc>
+                <a:spcPct val="90000"/>
+              </a:lnSpc>
+              <a:spcBef>
+                <a:spcPts val="500"/>
+              </a:spcBef>
+              <a:buFont typeface="Arial" panose="020B0604020202020204" pitchFamily="34" charset="0"/>
+              <a:buNone/>
+              <a:defRPr sz="1600" kern="1200">
+                <a:solidFill>
+                  <a:schemeClr val="tx1"/>
+                </a:solidFill>
+                <a:latin typeface="+mn-lt"/>
+                <a:ea typeface="+mn-ea"/>
+                <a:cs typeface="+mn-cs"/>
+              </a:defRPr>
+            </a:lvl9pPr>
+          </a:lstStyle>
+          <a:p>
+            <a:endParaRPr lang="ru-RU" dirty="0"/>
+          </a:p>
+        </p:txBody>
+      </p:sp>
+      <p:sp>
+        <p:nvSpPr>
+          <p:cNvPr id="10" name="Текст 2">
+            <a:extLst>
+              <a:ext uri="{FF2B5EF4-FFF2-40B4-BE49-F238E27FC236}">
+                <a16:creationId xmlns:a16="http://schemas.microsoft.com/office/drawing/2014/main" id="{2C52D138-BECF-8652-5600-C1017A67FF54}"/>
+              </a:ext>
+            </a:extLst>
+          </p:cNvPr>
+          <p:cNvSpPr txBox="1">
+            <a:spLocks/>
+          </p:cNvSpPr>
+          <p:nvPr/>
+        </p:nvSpPr>
+        <p:spPr>
+          <a:xfrm>
+            <a:off x="1368298" y="4217934"/>
+            <a:ext cx="10515600" cy="1500187"/>
+          </a:xfrm>
+          <a:prstGeom prst="rect">
+            <a:avLst/>
+          </a:prstGeom>
+        </p:spPr>
+        <p:txBody>
+          <a:bodyPr vert="horz" lIns="91440" tIns="45720" rIns="91440" bIns="45720" rtlCol="0">
+            <a:normAutofit/>
+          </a:bodyPr>
+          <a:lstStyle>
+            <a:lvl1pPr marL="0" indent="0" algn="l" defTabSz="914400" rtl="0" eaLnBrk="1" latinLnBrk="0" hangingPunct="1">
+              <a:lnSpc>
+                <a:spcPct val="100000"/>
+              </a:lnSpc>
+              <a:spcBef>
+                <a:spcPts val="1000"/>
+              </a:spcBef>
+              <a:buFont typeface="Arial" panose="020B0604020202020204" pitchFamily="34" charset="0"/>
+              <a:buNone/>
+              <a:defRPr sz="1400" b="0" i="0" kern="1200">
+                <a:solidFill>
+                  <a:srgbClr val="372D68"/>
+                </a:solidFill>
+                <a:latin typeface="Dazzed" pitchFamily="2" charset="77"/>
+                <a:ea typeface="+mn-ea"/>
+                <a:cs typeface="Dazzed" pitchFamily="2" charset="77"/>
+              </a:defRPr>
+            </a:lvl1pPr>
+            <a:lvl2pPr marL="457200" indent="0" algn="ctr" defTabSz="914400" rtl="0" eaLnBrk="1" latinLnBrk="0" hangingPunct="1">
+              <a:lnSpc>
+                <a:spcPct val="90000"/>
+              </a:lnSpc>
+              <a:spcBef>
+                <a:spcPts val="500"/>
+              </a:spcBef>
+              <a:buFont typeface="Arial" panose="020B0604020202020204" pitchFamily="34" charset="0"/>
+              <a:buNone/>
+              <a:defRPr sz="2000" kern="1200">
+                <a:solidFill>
+                  <a:schemeClr val="tx1"/>
+                </a:solidFill>
+                <a:latin typeface="+mn-lt"/>
+                <a:ea typeface="+mn-ea"/>
+                <a:cs typeface="+mn-cs"/>
+              </a:defRPr>
+            </a:lvl2pPr>
+            <a:lvl3pPr marL="914400" indent="0" algn="ctr" defTabSz="914400" rtl="0" eaLnBrk="1" latinLnBrk="0" hangingPunct="1">
+              <a:lnSpc>
+                <a:spcPct val="90000"/>
+              </a:lnSpc>
+              <a:spcBef>
+                <a:spcPts val="500"/>
+              </a:spcBef>
+              <a:buFont typeface="Arial" panose="020B0604020202020204" pitchFamily="34" charset="0"/>
+              <a:buNone/>
+              <a:defRPr sz="1800" kern="1200">
+                <a:solidFill>
+                  <a:schemeClr val="tx1"/>
+                </a:solidFill>
+                <a:latin typeface="+mn-lt"/>
+                <a:ea typeface="+mn-ea"/>
+                <a:cs typeface="+mn-cs"/>
+              </a:defRPr>
+            </a:lvl3pPr>
+            <a:lvl4pPr marL="1371600" indent="0" algn="ctr" defTabSz="914400" rtl="0" eaLnBrk="1" latinLnBrk="0" hangingPunct="1">
+              <a:lnSpc>
+                <a:spcPct val="90000"/>
+              </a:lnSpc>
+              <a:spcBef>
+                <a:spcPts val="500"/>
+              </a:spcBef>
+              <a:buFont typeface="Arial" panose="020B0604020202020204" pitchFamily="34" charset="0"/>
+              <a:buNone/>
+              <a:defRPr sz="1600" kern="1200">
+                <a:solidFill>
+                  <a:schemeClr val="tx1"/>
+                </a:solidFill>
+                <a:latin typeface="+mn-lt"/>
+                <a:ea typeface="+mn-ea"/>
+                <a:cs typeface="+mn-cs"/>
+              </a:defRPr>
+            </a:lvl4pPr>
+            <a:lvl5pPr marL="1828800" indent="0" algn="ctr" defTabSz="914400" rtl="0" eaLnBrk="1" latinLnBrk="0" hangingPunct="1">
+              <a:lnSpc>
+                <a:spcPct val="90000"/>
+              </a:lnSpc>
+              <a:spcBef>
+                <a:spcPts val="500"/>
+              </a:spcBef>
+              <a:buFont typeface="Arial" panose="020B0604020202020204" pitchFamily="34" charset="0"/>
+              <a:buNone/>
+              <a:defRPr sz="1600" kern="1200">
+                <a:solidFill>
+                  <a:schemeClr val="tx1"/>
+                </a:solidFill>
+                <a:latin typeface="+mn-lt"/>
+                <a:ea typeface="+mn-ea"/>
+                <a:cs typeface="+mn-cs"/>
+              </a:defRPr>
+            </a:lvl5pPr>
+            <a:lvl6pPr marL="2286000" indent="0" algn="ctr" defTabSz="914400" rtl="0" eaLnBrk="1" latinLnBrk="0" hangingPunct="1">
+              <a:lnSpc>
+                <a:spcPct val="90000"/>
+              </a:lnSpc>
+              <a:spcBef>
+                <a:spcPts val="500"/>
+              </a:spcBef>
+              <a:buFont typeface="Arial" panose="020B0604020202020204" pitchFamily="34" charset="0"/>
+              <a:buNone/>
+              <a:defRPr sz="1600" kern="1200">
+                <a:solidFill>
+                  <a:schemeClr val="tx1"/>
+                </a:solidFill>
+                <a:latin typeface="+mn-lt"/>
+                <a:ea typeface="+mn-ea"/>
+                <a:cs typeface="+mn-cs"/>
+              </a:defRPr>
+            </a:lvl6pPr>
+            <a:lvl7pPr marL="2743200" indent="0" algn="ctr" defTabSz="914400" rtl="0" eaLnBrk="1" latinLnBrk="0" hangingPunct="1">
+              <a:lnSpc>
+                <a:spcPct val="90000"/>
+              </a:lnSpc>
+              <a:spcBef>
+                <a:spcPts val="500"/>
+              </a:spcBef>
+              <a:buFont typeface="Arial" panose="020B0604020202020204" pitchFamily="34" charset="0"/>
+              <a:buNone/>
+              <a:defRPr sz="1600" kern="1200">
+                <a:solidFill>
+                  <a:schemeClr val="tx1"/>
+                </a:solidFill>
+                <a:latin typeface="+mn-lt"/>
+                <a:ea typeface="+mn-ea"/>
+                <a:cs typeface="+mn-cs"/>
+              </a:defRPr>
+            </a:lvl7pPr>
+            <a:lvl8pPr marL="3200400" indent="0" algn="ctr" defTabSz="914400" rtl="0" eaLnBrk="1" latinLnBrk="0" hangingPunct="1">
+              <a:lnSpc>
+                <a:spcPct val="90000"/>
+              </a:lnSpc>
+              <a:spcBef>
+                <a:spcPts val="500"/>
+              </a:spcBef>
+              <a:buFont typeface="Arial" panose="020B0604020202020204" pitchFamily="34" charset="0"/>
+              <a:buNone/>
+              <a:defRPr sz="1600" kern="1200">
+                <a:solidFill>
+                  <a:schemeClr val="tx1"/>
+                </a:solidFill>
+                <a:latin typeface="+mn-lt"/>
+                <a:ea typeface="+mn-ea"/>
+                <a:cs typeface="+mn-cs"/>
+              </a:defRPr>
+            </a:lvl8pPr>
+            <a:lvl9pPr marL="3657600" indent="0" algn="ctr" defTabSz="914400" rtl="0" eaLnBrk="1" latinLnBrk="0" hangingPunct="1">
+              <a:lnSpc>
+                <a:spcPct val="90000"/>
+              </a:lnSpc>
+              <a:spcBef>
+                <a:spcPts val="500"/>
+              </a:spcBef>
+              <a:buFont typeface="Arial" panose="020B0604020202020204" pitchFamily="34" charset="0"/>
+              <a:buNone/>
+              <a:defRPr sz="1600" kern="1200">
+                <a:solidFill>
+                  <a:schemeClr val="tx1"/>
+                </a:solidFill>
+                <a:latin typeface="+mn-lt"/>
+                <a:ea typeface="+mn-ea"/>
+                <a:cs typeface="+mn-cs"/>
+              </a:defRPr>
+            </a:lvl9pPr>
+          </a:lstStyle>
+          <a:p>
+            <a:endParaRPr lang="ru-RU" dirty="0"/>
+          </a:p>
+        </p:txBody>
+      </p:sp>
+    </p:spTree>
+    <p:extLst>
+      <p:ext uri="{BB962C8B-B14F-4D97-AF65-F5344CB8AC3E}">
+        <p14:creationId xmlns:p14="http://schemas.microsoft.com/office/powerpoint/2010/main" val="362613062"/>
+      </p:ext>
+    </p:extLst>
+  </p:cSld>
+  <p:clrMapOvr>
+    <a:masterClrMapping/>
+  </p:clrMapOvr>
+</p:sld>
+</file>
+
+<file path=ppt/slides/slide16.xml><?xml version="1.0" encoding="utf-8"?>
+<p:sld xmlns:a="http://schemas.openxmlformats.org/drawingml/2006/main" xmlns:r="http://schemas.openxmlformats.org/officeDocument/2006/relationships" xmlns:p="http://schemas.openxmlformats.org/presentationml/2006/main">
+  <p:cSld>
+    <p:spTree>
+      <p:nvGrpSpPr>
+        <p:cNvPr id="1" name=""/>
+        <p:cNvGrpSpPr/>
+        <p:nvPr/>
+      </p:nvGrpSpPr>
+      <p:grpSpPr>
+        <a:xfrm>
+          <a:off x="0" y="0"/>
+          <a:ext cx="0" cy="0"/>
+          <a:chOff x="0" y="0"/>
+          <a:chExt cx="0" cy="0"/>
+        </a:xfrm>
+      </p:grpSpPr>
+      <p:sp>
+        <p:nvSpPr>
+          <p:cNvPr id="4" name="Заголовок 3">
+            <a:extLst>
+              <a:ext uri="{FF2B5EF4-FFF2-40B4-BE49-F238E27FC236}">
+                <a16:creationId xmlns:a16="http://schemas.microsoft.com/office/drawing/2014/main" id="{39597ACC-BDA2-4E3B-2F0F-74E410BDD91D}"/>
+              </a:ext>
+            </a:extLst>
+          </p:cNvPr>
+          <p:cNvSpPr>
+            <a:spLocks noGrp="1"/>
+          </p:cNvSpPr>
+          <p:nvPr>
+            <p:ph type="ctrTitle"/>
+          </p:nvPr>
+        </p:nvSpPr>
+        <p:spPr/>
+        <p:txBody>
+          <a:bodyPr/>
+          <a:lstStyle/>
+          <a:p>
+            <a:endParaRPr lang="ru-RU" dirty="0"/>
+          </a:p>
+        </p:txBody>
+      </p:sp>
+      <p:sp>
+        <p:nvSpPr>
+          <p:cNvPr id="2" name="Подзаголовок 1">
+            <a:extLst>
+              <a:ext uri="{FF2B5EF4-FFF2-40B4-BE49-F238E27FC236}">
+                <a16:creationId xmlns:a16="http://schemas.microsoft.com/office/drawing/2014/main" id="{9AA3318A-49E1-1C68-B2D3-99C0169B0344}"/>
+              </a:ext>
+            </a:extLst>
+          </p:cNvPr>
+          <p:cNvSpPr>
+            <a:spLocks noGrp="1"/>
+          </p:cNvSpPr>
+          <p:nvPr>
+            <p:ph type="subTitle" idx="1"/>
+          </p:nvPr>
+        </p:nvSpPr>
+        <p:spPr>
+          <a:xfrm>
+            <a:off x="1009605" y="2510060"/>
+            <a:ext cx="9240819" cy="1014740"/>
+          </a:xfrm>
+        </p:spPr>
+        <p:txBody>
+          <a:bodyPr>
+            <a:noAutofit/>
+          </a:bodyPr>
+          <a:lstStyle/>
+          <a:p>
+            <a:pPr algn="ctr"/>
+            <a:r>
+              <a:rPr lang="ru-RU" sz="9600" dirty="0"/>
+              <a:t>Вопросы?</a:t>
+            </a:r>
+            <a:endParaRPr lang="ru-RU" sz="4400" dirty="0"/>
+          </a:p>
+        </p:txBody>
+      </p:sp>
+      <p:sp>
+        <p:nvSpPr>
+          <p:cNvPr id="3" name="Текст 4">
+            <a:extLst>
+              <a:ext uri="{FF2B5EF4-FFF2-40B4-BE49-F238E27FC236}">
+                <a16:creationId xmlns:a16="http://schemas.microsoft.com/office/drawing/2014/main" id="{1658D996-23A7-A36A-8770-C3F5FAEF2BCE}"/>
+              </a:ext>
+            </a:extLst>
+          </p:cNvPr>
+          <p:cNvSpPr txBox="1">
+            <a:spLocks/>
+          </p:cNvSpPr>
+          <p:nvPr/>
+        </p:nvSpPr>
+        <p:spPr>
+          <a:xfrm>
+            <a:off x="1279906" y="5394135"/>
+            <a:ext cx="10515600" cy="942657"/>
+          </a:xfrm>
+          <a:prstGeom prst="rect">
+            <a:avLst/>
+          </a:prstGeom>
+        </p:spPr>
+        <p:txBody>
+          <a:bodyPr vert="horz" lIns="91440" tIns="45720" rIns="91440" bIns="45720" rtlCol="0">
+            <a:normAutofit/>
+          </a:bodyPr>
+          <a:lstStyle>
+            <a:lvl1pPr marL="0" indent="0" algn="l" defTabSz="914400" rtl="0" eaLnBrk="1" latinLnBrk="0" hangingPunct="1">
+              <a:lnSpc>
+                <a:spcPct val="100000"/>
+              </a:lnSpc>
+              <a:spcBef>
+                <a:spcPts val="1000"/>
+              </a:spcBef>
+              <a:buFont typeface="Arial" panose="020B0604020202020204" pitchFamily="34" charset="0"/>
+              <a:buNone/>
+              <a:defRPr sz="1400" b="0" i="0" kern="1200">
+                <a:solidFill>
+                  <a:srgbClr val="372D68"/>
+                </a:solidFill>
+                <a:latin typeface="Dazzed" pitchFamily="2" charset="77"/>
+                <a:ea typeface="+mn-ea"/>
+                <a:cs typeface="Dazzed" pitchFamily="2" charset="77"/>
+              </a:defRPr>
+            </a:lvl1pPr>
+            <a:lvl2pPr marL="457200" indent="0" algn="ctr" defTabSz="914400" rtl="0" eaLnBrk="1" latinLnBrk="0" hangingPunct="1">
+              <a:lnSpc>
+                <a:spcPct val="90000"/>
+              </a:lnSpc>
+              <a:spcBef>
+                <a:spcPts val="500"/>
+              </a:spcBef>
+              <a:buFont typeface="Arial" panose="020B0604020202020204" pitchFamily="34" charset="0"/>
+              <a:buNone/>
+              <a:defRPr sz="2000" kern="1200">
+                <a:solidFill>
+                  <a:schemeClr val="tx1"/>
+                </a:solidFill>
+                <a:latin typeface="+mn-lt"/>
+                <a:ea typeface="+mn-ea"/>
+                <a:cs typeface="+mn-cs"/>
+              </a:defRPr>
+            </a:lvl2pPr>
+            <a:lvl3pPr marL="914400" indent="0" algn="ctr" defTabSz="914400" rtl="0" eaLnBrk="1" latinLnBrk="0" hangingPunct="1">
+              <a:lnSpc>
+                <a:spcPct val="90000"/>
+              </a:lnSpc>
+              <a:spcBef>
+                <a:spcPts val="500"/>
+              </a:spcBef>
+              <a:buFont typeface="Arial" panose="020B0604020202020204" pitchFamily="34" charset="0"/>
+              <a:buNone/>
+              <a:defRPr sz="1800" kern="1200">
+                <a:solidFill>
+                  <a:schemeClr val="tx1"/>
+                </a:solidFill>
+                <a:latin typeface="+mn-lt"/>
+                <a:ea typeface="+mn-ea"/>
+                <a:cs typeface="+mn-cs"/>
+              </a:defRPr>
+            </a:lvl3pPr>
+            <a:lvl4pPr marL="1371600" indent="0" algn="ctr" defTabSz="914400" rtl="0" eaLnBrk="1" latinLnBrk="0" hangingPunct="1">
+              <a:lnSpc>
+                <a:spcPct val="90000"/>
+              </a:lnSpc>
+              <a:spcBef>
+                <a:spcPts val="500"/>
+              </a:spcBef>
+              <a:buFont typeface="Arial" panose="020B0604020202020204" pitchFamily="34" charset="0"/>
+              <a:buNone/>
+              <a:defRPr sz="1600" kern="1200">
+                <a:solidFill>
+                  <a:schemeClr val="tx1"/>
+                </a:solidFill>
+                <a:latin typeface="+mn-lt"/>
+                <a:ea typeface="+mn-ea"/>
+                <a:cs typeface="+mn-cs"/>
+              </a:defRPr>
+            </a:lvl4pPr>
+            <a:lvl5pPr marL="1828800" indent="0" algn="ctr" defTabSz="914400" rtl="0" eaLnBrk="1" latinLnBrk="0" hangingPunct="1">
+              <a:lnSpc>
+                <a:spcPct val="90000"/>
+              </a:lnSpc>
+              <a:spcBef>
+                <a:spcPts val="500"/>
+              </a:spcBef>
+              <a:buFont typeface="Arial" panose="020B0604020202020204" pitchFamily="34" charset="0"/>
+              <a:buNone/>
+              <a:defRPr sz="1600" kern="1200">
+                <a:solidFill>
+                  <a:schemeClr val="tx1"/>
+                </a:solidFill>
+                <a:latin typeface="+mn-lt"/>
+                <a:ea typeface="+mn-ea"/>
+                <a:cs typeface="+mn-cs"/>
+              </a:defRPr>
+            </a:lvl5pPr>
+            <a:lvl6pPr marL="2286000" indent="0" algn="ctr" defTabSz="914400" rtl="0" eaLnBrk="1" latinLnBrk="0" hangingPunct="1">
+              <a:lnSpc>
+                <a:spcPct val="90000"/>
+              </a:lnSpc>
+              <a:spcBef>
+                <a:spcPts val="500"/>
+              </a:spcBef>
+              <a:buFont typeface="Arial" panose="020B0604020202020204" pitchFamily="34" charset="0"/>
+              <a:buNone/>
+              <a:defRPr sz="1600" kern="1200">
+                <a:solidFill>
+                  <a:schemeClr val="tx1"/>
+                </a:solidFill>
+                <a:latin typeface="+mn-lt"/>
+                <a:ea typeface="+mn-ea"/>
+                <a:cs typeface="+mn-cs"/>
+              </a:defRPr>
+            </a:lvl6pPr>
+            <a:lvl7pPr marL="2743200" indent="0" algn="ctr" defTabSz="914400" rtl="0" eaLnBrk="1" latinLnBrk="0" hangingPunct="1">
+              <a:lnSpc>
+                <a:spcPct val="90000"/>
+              </a:lnSpc>
+              <a:spcBef>
+                <a:spcPts val="500"/>
+              </a:spcBef>
+              <a:buFont typeface="Arial" panose="020B0604020202020204" pitchFamily="34" charset="0"/>
+              <a:buNone/>
+              <a:defRPr sz="1600" kern="1200">
+                <a:solidFill>
+                  <a:schemeClr val="tx1"/>
+                </a:solidFill>
+                <a:latin typeface="+mn-lt"/>
+                <a:ea typeface="+mn-ea"/>
+                <a:cs typeface="+mn-cs"/>
+              </a:defRPr>
+            </a:lvl7pPr>
+            <a:lvl8pPr marL="3200400" indent="0" algn="ctr" defTabSz="914400" rtl="0" eaLnBrk="1" latinLnBrk="0" hangingPunct="1">
+              <a:lnSpc>
+                <a:spcPct val="90000"/>
+              </a:lnSpc>
+              <a:spcBef>
+                <a:spcPts val="500"/>
+              </a:spcBef>
+              <a:buFont typeface="Arial" panose="020B0604020202020204" pitchFamily="34" charset="0"/>
+              <a:buNone/>
+              <a:defRPr sz="1600" kern="1200">
+                <a:solidFill>
+                  <a:schemeClr val="tx1"/>
+                </a:solidFill>
+                <a:latin typeface="+mn-lt"/>
+                <a:ea typeface="+mn-ea"/>
+                <a:cs typeface="+mn-cs"/>
+              </a:defRPr>
+            </a:lvl8pPr>
+            <a:lvl9pPr marL="3657600" indent="0" algn="ctr" defTabSz="914400" rtl="0" eaLnBrk="1" latinLnBrk="0" hangingPunct="1">
+              <a:lnSpc>
+                <a:spcPct val="90000"/>
+              </a:lnSpc>
+              <a:spcBef>
+                <a:spcPts val="500"/>
+              </a:spcBef>
+              <a:buFont typeface="Arial" panose="020B0604020202020204" pitchFamily="34" charset="0"/>
+              <a:buNone/>
+              <a:defRPr sz="1600" kern="1200">
+                <a:solidFill>
+                  <a:schemeClr val="tx1"/>
+                </a:solidFill>
+                <a:latin typeface="+mn-lt"/>
+                <a:ea typeface="+mn-ea"/>
+                <a:cs typeface="+mn-cs"/>
+              </a:defRPr>
+            </a:lvl9pPr>
+          </a:lstStyle>
+          <a:p>
+            <a:endParaRPr lang="ru-RU" dirty="0"/>
+          </a:p>
+        </p:txBody>
+      </p:sp>
+      <p:sp>
+        <p:nvSpPr>
+          <p:cNvPr id="5" name="Текст 4">
+            <a:extLst>
+              <a:ext uri="{FF2B5EF4-FFF2-40B4-BE49-F238E27FC236}">
+                <a16:creationId xmlns:a16="http://schemas.microsoft.com/office/drawing/2014/main" id="{DD75D117-9AC0-65B7-60AB-1F6C42780928}"/>
+              </a:ext>
+            </a:extLst>
+          </p:cNvPr>
+          <p:cNvSpPr txBox="1">
+            <a:spLocks/>
+          </p:cNvSpPr>
+          <p:nvPr/>
+        </p:nvSpPr>
+        <p:spPr>
+          <a:xfrm>
+            <a:off x="831850" y="4589463"/>
+            <a:ext cx="10515600" cy="1500187"/>
+          </a:xfrm>
+          <a:prstGeom prst="rect">
+            <a:avLst/>
+          </a:prstGeom>
+        </p:spPr>
+        <p:txBody>
+          <a:bodyPr vert="horz" lIns="91440" tIns="45720" rIns="91440" bIns="45720" rtlCol="0">
+            <a:normAutofit/>
+          </a:bodyPr>
+          <a:lstStyle>
+            <a:lvl1pPr marL="0" indent="0" algn="l" defTabSz="914400" rtl="0" eaLnBrk="1" latinLnBrk="0" hangingPunct="1">
+              <a:lnSpc>
+                <a:spcPct val="100000"/>
+              </a:lnSpc>
+              <a:spcBef>
+                <a:spcPts val="1000"/>
+              </a:spcBef>
+              <a:buFont typeface="Arial" panose="020B0604020202020204" pitchFamily="34" charset="0"/>
+              <a:buNone/>
+              <a:defRPr sz="1400" b="0" i="0" kern="1200">
+                <a:solidFill>
+                  <a:srgbClr val="372D68"/>
+                </a:solidFill>
+                <a:latin typeface="Dazzed" pitchFamily="2" charset="77"/>
+                <a:ea typeface="+mn-ea"/>
+                <a:cs typeface="Dazzed" pitchFamily="2" charset="77"/>
+              </a:defRPr>
+            </a:lvl1pPr>
+            <a:lvl2pPr marL="457200" indent="0" algn="ctr" defTabSz="914400" rtl="0" eaLnBrk="1" latinLnBrk="0" hangingPunct="1">
+              <a:lnSpc>
+                <a:spcPct val="90000"/>
+              </a:lnSpc>
+              <a:spcBef>
+                <a:spcPts val="500"/>
+              </a:spcBef>
+              <a:buFont typeface="Arial" panose="020B0604020202020204" pitchFamily="34" charset="0"/>
+              <a:buNone/>
+              <a:defRPr sz="2000" kern="1200">
+                <a:solidFill>
+                  <a:schemeClr val="tx1"/>
+                </a:solidFill>
+                <a:latin typeface="+mn-lt"/>
+                <a:ea typeface="+mn-ea"/>
+                <a:cs typeface="+mn-cs"/>
+              </a:defRPr>
+            </a:lvl2pPr>
+            <a:lvl3pPr marL="914400" indent="0" algn="ctr" defTabSz="914400" rtl="0" eaLnBrk="1" latinLnBrk="0" hangingPunct="1">
+              <a:lnSpc>
+                <a:spcPct val="90000"/>
+              </a:lnSpc>
+              <a:spcBef>
+                <a:spcPts val="500"/>
+              </a:spcBef>
+              <a:buFont typeface="Arial" panose="020B0604020202020204" pitchFamily="34" charset="0"/>
+              <a:buNone/>
+              <a:defRPr sz="1800" kern="1200">
+                <a:solidFill>
+                  <a:schemeClr val="tx1"/>
+                </a:solidFill>
+                <a:latin typeface="+mn-lt"/>
+                <a:ea typeface="+mn-ea"/>
+                <a:cs typeface="+mn-cs"/>
+              </a:defRPr>
+            </a:lvl3pPr>
+            <a:lvl4pPr marL="1371600" indent="0" algn="ctr" defTabSz="914400" rtl="0" eaLnBrk="1" latinLnBrk="0" hangingPunct="1">
+              <a:lnSpc>
+                <a:spcPct val="90000"/>
+              </a:lnSpc>
+              <a:spcBef>
+                <a:spcPts val="500"/>
+              </a:spcBef>
+              <a:buFont typeface="Arial" panose="020B0604020202020204" pitchFamily="34" charset="0"/>
+              <a:buNone/>
+              <a:defRPr sz="1600" kern="1200">
+                <a:solidFill>
+                  <a:schemeClr val="tx1"/>
+                </a:solidFill>
+                <a:latin typeface="+mn-lt"/>
+                <a:ea typeface="+mn-ea"/>
+                <a:cs typeface="+mn-cs"/>
+              </a:defRPr>
+            </a:lvl4pPr>
+            <a:lvl5pPr marL="1828800" indent="0" algn="ctr" defTabSz="914400" rtl="0" eaLnBrk="1" latinLnBrk="0" hangingPunct="1">
+              <a:lnSpc>
+                <a:spcPct val="90000"/>
+              </a:lnSpc>
+              <a:spcBef>
+                <a:spcPts val="500"/>
+              </a:spcBef>
+              <a:buFont typeface="Arial" panose="020B0604020202020204" pitchFamily="34" charset="0"/>
+              <a:buNone/>
+              <a:defRPr sz="1600" kern="1200">
+                <a:solidFill>
+                  <a:schemeClr val="tx1"/>
+                </a:solidFill>
+                <a:latin typeface="+mn-lt"/>
+                <a:ea typeface="+mn-ea"/>
+                <a:cs typeface="+mn-cs"/>
+              </a:defRPr>
+            </a:lvl5pPr>
+            <a:lvl6pPr marL="2286000" indent="0" algn="ctr" defTabSz="914400" rtl="0" eaLnBrk="1" latinLnBrk="0" hangingPunct="1">
+              <a:lnSpc>
+                <a:spcPct val="90000"/>
+              </a:lnSpc>
+              <a:spcBef>
+                <a:spcPts val="500"/>
+              </a:spcBef>
+              <a:buFont typeface="Arial" panose="020B0604020202020204" pitchFamily="34" charset="0"/>
+              <a:buNone/>
+              <a:defRPr sz="1600" kern="1200">
+                <a:solidFill>
+                  <a:schemeClr val="tx1"/>
+                </a:solidFill>
+                <a:latin typeface="+mn-lt"/>
+                <a:ea typeface="+mn-ea"/>
+                <a:cs typeface="+mn-cs"/>
+              </a:defRPr>
+            </a:lvl6pPr>
+            <a:lvl7pPr marL="2743200" indent="0" algn="ctr" defTabSz="914400" rtl="0" eaLnBrk="1" latinLnBrk="0" hangingPunct="1">
+              <a:lnSpc>
+                <a:spcPct val="90000"/>
+              </a:lnSpc>
+              <a:spcBef>
+                <a:spcPts val="500"/>
+              </a:spcBef>
+              <a:buFont typeface="Arial" panose="020B0604020202020204" pitchFamily="34" charset="0"/>
+              <a:buNone/>
+              <a:defRPr sz="1600" kern="1200">
+                <a:solidFill>
+                  <a:schemeClr val="tx1"/>
+                </a:solidFill>
+                <a:latin typeface="+mn-lt"/>
+                <a:ea typeface="+mn-ea"/>
+                <a:cs typeface="+mn-cs"/>
+              </a:defRPr>
+            </a:lvl7pPr>
+            <a:lvl8pPr marL="3200400" indent="0" algn="ctr" defTabSz="914400" rtl="0" eaLnBrk="1" latinLnBrk="0" hangingPunct="1">
+              <a:lnSpc>
+                <a:spcPct val="90000"/>
+              </a:lnSpc>
+              <a:spcBef>
+                <a:spcPts val="500"/>
+              </a:spcBef>
+              <a:buFont typeface="Arial" panose="020B0604020202020204" pitchFamily="34" charset="0"/>
+              <a:buNone/>
+              <a:defRPr sz="1600" kern="1200">
+                <a:solidFill>
+                  <a:schemeClr val="tx1"/>
+                </a:solidFill>
+                <a:latin typeface="+mn-lt"/>
+                <a:ea typeface="+mn-ea"/>
+                <a:cs typeface="+mn-cs"/>
+              </a:defRPr>
+            </a:lvl8pPr>
+            <a:lvl9pPr marL="3657600" indent="0" algn="ctr" defTabSz="914400" rtl="0" eaLnBrk="1" latinLnBrk="0" hangingPunct="1">
+              <a:lnSpc>
+                <a:spcPct val="90000"/>
+              </a:lnSpc>
+              <a:spcBef>
+                <a:spcPts val="500"/>
+              </a:spcBef>
+              <a:buFont typeface="Arial" panose="020B0604020202020204" pitchFamily="34" charset="0"/>
+              <a:buNone/>
+              <a:defRPr sz="1600" kern="1200">
+                <a:solidFill>
+                  <a:schemeClr val="tx1"/>
+                </a:solidFill>
+                <a:latin typeface="+mn-lt"/>
+                <a:ea typeface="+mn-ea"/>
+                <a:cs typeface="+mn-cs"/>
+              </a:defRPr>
+            </a:lvl9pPr>
+          </a:lstStyle>
+          <a:p>
+            <a:endParaRPr lang="ru-RU" dirty="0"/>
+          </a:p>
+        </p:txBody>
+      </p:sp>
+      <p:sp>
+        <p:nvSpPr>
+          <p:cNvPr id="6" name="Текст 4">
+            <a:extLst>
+              <a:ext uri="{FF2B5EF4-FFF2-40B4-BE49-F238E27FC236}">
+                <a16:creationId xmlns:a16="http://schemas.microsoft.com/office/drawing/2014/main" id="{6968DA11-C31F-8DFC-F470-C42CD64C4D49}"/>
+              </a:ext>
+            </a:extLst>
+          </p:cNvPr>
+          <p:cNvSpPr txBox="1">
+            <a:spLocks/>
+          </p:cNvSpPr>
+          <p:nvPr/>
+        </p:nvSpPr>
+        <p:spPr>
+          <a:xfrm>
+            <a:off x="831850" y="4687524"/>
+            <a:ext cx="10515600" cy="1500187"/>
+          </a:xfrm>
+          <a:prstGeom prst="rect">
+            <a:avLst/>
+          </a:prstGeom>
+        </p:spPr>
+        <p:txBody>
+          <a:bodyPr vert="horz" lIns="91440" tIns="45720" rIns="91440" bIns="45720" rtlCol="0">
+            <a:normAutofit/>
+          </a:bodyPr>
+          <a:lstStyle>
+            <a:lvl1pPr marL="0" indent="0" algn="l" defTabSz="914400" rtl="0" eaLnBrk="1" latinLnBrk="0" hangingPunct="1">
+              <a:lnSpc>
+                <a:spcPct val="100000"/>
+              </a:lnSpc>
+              <a:spcBef>
+                <a:spcPts val="1000"/>
+              </a:spcBef>
+              <a:buFont typeface="Arial" panose="020B0604020202020204" pitchFamily="34" charset="0"/>
+              <a:buNone/>
+              <a:defRPr sz="1400" b="0" i="0" kern="1200">
+                <a:solidFill>
+                  <a:srgbClr val="372D68"/>
+                </a:solidFill>
+                <a:latin typeface="Dazzed" pitchFamily="2" charset="77"/>
+                <a:ea typeface="+mn-ea"/>
+                <a:cs typeface="Dazzed" pitchFamily="2" charset="77"/>
+              </a:defRPr>
+            </a:lvl1pPr>
+            <a:lvl2pPr marL="457200" indent="0" algn="ctr" defTabSz="914400" rtl="0" eaLnBrk="1" latinLnBrk="0" hangingPunct="1">
+              <a:lnSpc>
+                <a:spcPct val="90000"/>
+              </a:lnSpc>
+              <a:spcBef>
+                <a:spcPts val="500"/>
+              </a:spcBef>
+              <a:buFont typeface="Arial" panose="020B0604020202020204" pitchFamily="34" charset="0"/>
+              <a:buNone/>
+              <a:defRPr sz="2000" kern="1200">
+                <a:solidFill>
+                  <a:schemeClr val="tx1"/>
+                </a:solidFill>
+                <a:latin typeface="+mn-lt"/>
+                <a:ea typeface="+mn-ea"/>
+                <a:cs typeface="+mn-cs"/>
+              </a:defRPr>
+            </a:lvl2pPr>
+            <a:lvl3pPr marL="914400" indent="0" algn="ctr" defTabSz="914400" rtl="0" eaLnBrk="1" latinLnBrk="0" hangingPunct="1">
+              <a:lnSpc>
+                <a:spcPct val="90000"/>
+              </a:lnSpc>
+              <a:spcBef>
+                <a:spcPts val="500"/>
+              </a:spcBef>
+              <a:buFont typeface="Arial" panose="020B0604020202020204" pitchFamily="34" charset="0"/>
+              <a:buNone/>
+              <a:defRPr sz="1800" kern="1200">
+                <a:solidFill>
+                  <a:schemeClr val="tx1"/>
+                </a:solidFill>
+                <a:latin typeface="+mn-lt"/>
+                <a:ea typeface="+mn-ea"/>
+                <a:cs typeface="+mn-cs"/>
+              </a:defRPr>
+            </a:lvl3pPr>
+            <a:lvl4pPr marL="1371600" indent="0" algn="ctr" defTabSz="914400" rtl="0" eaLnBrk="1" latinLnBrk="0" hangingPunct="1">
+              <a:lnSpc>
+                <a:spcPct val="90000"/>
+              </a:lnSpc>
+              <a:spcBef>
+                <a:spcPts val="500"/>
+              </a:spcBef>
+              <a:buFont typeface="Arial" panose="020B0604020202020204" pitchFamily="34" charset="0"/>
+              <a:buNone/>
+              <a:defRPr sz="1600" kern="1200">
+                <a:solidFill>
+                  <a:schemeClr val="tx1"/>
+                </a:solidFill>
+                <a:latin typeface="+mn-lt"/>
+                <a:ea typeface="+mn-ea"/>
+                <a:cs typeface="+mn-cs"/>
+              </a:defRPr>
+            </a:lvl4pPr>
+            <a:lvl5pPr marL="1828800" indent="0" algn="ctr" defTabSz="914400" rtl="0" eaLnBrk="1" latinLnBrk="0" hangingPunct="1">
+              <a:lnSpc>
+                <a:spcPct val="90000"/>
+              </a:lnSpc>
+              <a:spcBef>
+                <a:spcPts val="500"/>
+              </a:spcBef>
+              <a:buFont typeface="Arial" panose="020B0604020202020204" pitchFamily="34" charset="0"/>
+              <a:buNone/>
+              <a:defRPr sz="1600" kern="1200">
+                <a:solidFill>
+                  <a:schemeClr val="tx1"/>
+                </a:solidFill>
+                <a:latin typeface="+mn-lt"/>
+                <a:ea typeface="+mn-ea"/>
+                <a:cs typeface="+mn-cs"/>
+              </a:defRPr>
+            </a:lvl5pPr>
+            <a:lvl6pPr marL="2286000" indent="0" algn="ctr" defTabSz="914400" rtl="0" eaLnBrk="1" latinLnBrk="0" hangingPunct="1">
+              <a:lnSpc>
+                <a:spcPct val="90000"/>
+              </a:lnSpc>
+              <a:spcBef>
+                <a:spcPts val="500"/>
+              </a:spcBef>
+              <a:buFont typeface="Arial" panose="020B0604020202020204" pitchFamily="34" charset="0"/>
+              <a:buNone/>
+              <a:defRPr sz="1600" kern="1200">
+                <a:solidFill>
+                  <a:schemeClr val="tx1"/>
+                </a:solidFill>
+                <a:latin typeface="+mn-lt"/>
+                <a:ea typeface="+mn-ea"/>
+                <a:cs typeface="+mn-cs"/>
+              </a:defRPr>
+            </a:lvl6pPr>
+            <a:lvl7pPr marL="2743200" indent="0" algn="ctr" defTabSz="914400" rtl="0" eaLnBrk="1" latinLnBrk="0" hangingPunct="1">
+              <a:lnSpc>
+                <a:spcPct val="90000"/>
+              </a:lnSpc>
+              <a:spcBef>
+                <a:spcPts val="500"/>
+              </a:spcBef>
+              <a:buFont typeface="Arial" panose="020B0604020202020204" pitchFamily="34" charset="0"/>
+              <a:buNone/>
+              <a:defRPr sz="1600" kern="1200">
+                <a:solidFill>
+                  <a:schemeClr val="tx1"/>
+                </a:solidFill>
+                <a:latin typeface="+mn-lt"/>
+                <a:ea typeface="+mn-ea"/>
+                <a:cs typeface="+mn-cs"/>
+              </a:defRPr>
+            </a:lvl7pPr>
+            <a:lvl8pPr marL="3200400" indent="0" algn="ctr" defTabSz="914400" rtl="0" eaLnBrk="1" latinLnBrk="0" hangingPunct="1">
+              <a:lnSpc>
+                <a:spcPct val="90000"/>
+              </a:lnSpc>
+              <a:spcBef>
+                <a:spcPts val="500"/>
+              </a:spcBef>
+              <a:buFont typeface="Arial" panose="020B0604020202020204" pitchFamily="34" charset="0"/>
+              <a:buNone/>
+              <a:defRPr sz="1600" kern="1200">
+                <a:solidFill>
+                  <a:schemeClr val="tx1"/>
+                </a:solidFill>
+                <a:latin typeface="+mn-lt"/>
+                <a:ea typeface="+mn-ea"/>
+                <a:cs typeface="+mn-cs"/>
+              </a:defRPr>
+            </a:lvl8pPr>
+            <a:lvl9pPr marL="3657600" indent="0" algn="ctr" defTabSz="914400" rtl="0" eaLnBrk="1" latinLnBrk="0" hangingPunct="1">
+              <a:lnSpc>
+                <a:spcPct val="90000"/>
+              </a:lnSpc>
+              <a:spcBef>
+                <a:spcPts val="500"/>
+              </a:spcBef>
+              <a:buFont typeface="Arial" panose="020B0604020202020204" pitchFamily="34" charset="0"/>
+              <a:buNone/>
+              <a:defRPr sz="1600" kern="1200">
+                <a:solidFill>
+                  <a:schemeClr val="tx1"/>
+                </a:solidFill>
+                <a:latin typeface="+mn-lt"/>
+                <a:ea typeface="+mn-ea"/>
+                <a:cs typeface="+mn-cs"/>
+              </a:defRPr>
+            </a:lvl9pPr>
+          </a:lstStyle>
+          <a:p>
+            <a:endParaRPr lang="ru-RU" dirty="0"/>
+          </a:p>
+        </p:txBody>
+      </p:sp>
+      <p:sp>
+        <p:nvSpPr>
+          <p:cNvPr id="9" name="Текст 4">
+            <a:extLst>
+              <a:ext uri="{FF2B5EF4-FFF2-40B4-BE49-F238E27FC236}">
+                <a16:creationId xmlns:a16="http://schemas.microsoft.com/office/drawing/2014/main" id="{0E392425-623F-EE55-47DE-94B957365571}"/>
+              </a:ext>
+            </a:extLst>
+          </p:cNvPr>
+          <p:cNvSpPr txBox="1">
+            <a:spLocks/>
+          </p:cNvSpPr>
+          <p:nvPr/>
+        </p:nvSpPr>
+        <p:spPr>
+          <a:xfrm>
+            <a:off x="4202938" y="5148871"/>
+            <a:ext cx="3560318" cy="577492"/>
+          </a:xfrm>
+          <a:prstGeom prst="rect">
+            <a:avLst/>
+          </a:prstGeom>
+        </p:spPr>
+        <p:txBody>
+          <a:bodyPr vert="horz" lIns="91440" tIns="45720" rIns="91440" bIns="45720" rtlCol="0">
+            <a:normAutofit/>
+          </a:bodyPr>
+          <a:lstStyle>
+            <a:lvl1pPr marL="0" indent="0" algn="l" defTabSz="914400" rtl="0" eaLnBrk="1" latinLnBrk="0" hangingPunct="1">
+              <a:lnSpc>
+                <a:spcPct val="100000"/>
+              </a:lnSpc>
+              <a:spcBef>
+                <a:spcPts val="1000"/>
+              </a:spcBef>
+              <a:buFont typeface="Arial" panose="020B0604020202020204" pitchFamily="34" charset="0"/>
+              <a:buNone/>
+              <a:defRPr sz="1400" b="0" i="0" kern="1200">
+                <a:solidFill>
+                  <a:srgbClr val="372D68"/>
+                </a:solidFill>
+                <a:latin typeface="Dazzed" pitchFamily="2" charset="77"/>
+                <a:ea typeface="+mn-ea"/>
+                <a:cs typeface="Dazzed" pitchFamily="2" charset="77"/>
+              </a:defRPr>
+            </a:lvl1pPr>
+            <a:lvl2pPr marL="457200" indent="0" algn="ctr" defTabSz="914400" rtl="0" eaLnBrk="1" latinLnBrk="0" hangingPunct="1">
+              <a:lnSpc>
+                <a:spcPct val="90000"/>
+              </a:lnSpc>
+              <a:spcBef>
+                <a:spcPts val="500"/>
+              </a:spcBef>
+              <a:buFont typeface="Arial" panose="020B0604020202020204" pitchFamily="34" charset="0"/>
+              <a:buNone/>
+              <a:defRPr sz="2000" kern="1200">
+                <a:solidFill>
+                  <a:schemeClr val="tx1"/>
+                </a:solidFill>
+                <a:latin typeface="+mn-lt"/>
+                <a:ea typeface="+mn-ea"/>
+                <a:cs typeface="+mn-cs"/>
+              </a:defRPr>
+            </a:lvl2pPr>
+            <a:lvl3pPr marL="914400" indent="0" algn="ctr" defTabSz="914400" rtl="0" eaLnBrk="1" latinLnBrk="0" hangingPunct="1">
+              <a:lnSpc>
+                <a:spcPct val="90000"/>
+              </a:lnSpc>
+              <a:spcBef>
+                <a:spcPts val="500"/>
+              </a:spcBef>
+              <a:buFont typeface="Arial" panose="020B0604020202020204" pitchFamily="34" charset="0"/>
+              <a:buNone/>
+              <a:defRPr sz="1800" kern="1200">
+                <a:solidFill>
+                  <a:schemeClr val="tx1"/>
+                </a:solidFill>
+                <a:latin typeface="+mn-lt"/>
+                <a:ea typeface="+mn-ea"/>
+                <a:cs typeface="+mn-cs"/>
+              </a:defRPr>
+            </a:lvl3pPr>
+            <a:lvl4pPr marL="1371600" indent="0" algn="ctr" defTabSz="914400" rtl="0" eaLnBrk="1" latinLnBrk="0" hangingPunct="1">
+              <a:lnSpc>
+                <a:spcPct val="90000"/>
+              </a:lnSpc>
+              <a:spcBef>
+                <a:spcPts val="500"/>
+              </a:spcBef>
+              <a:buFont typeface="Arial" panose="020B0604020202020204" pitchFamily="34" charset="0"/>
+              <a:buNone/>
+              <a:defRPr sz="1600" kern="1200">
+                <a:solidFill>
+                  <a:schemeClr val="tx1"/>
+                </a:solidFill>
+                <a:latin typeface="+mn-lt"/>
+                <a:ea typeface="+mn-ea"/>
+                <a:cs typeface="+mn-cs"/>
+              </a:defRPr>
+            </a:lvl4pPr>
+            <a:lvl5pPr marL="1828800" indent="0" algn="ctr" defTabSz="914400" rtl="0" eaLnBrk="1" latinLnBrk="0" hangingPunct="1">
+              <a:lnSpc>
+                <a:spcPct val="90000"/>
+              </a:lnSpc>
+              <a:spcBef>
+                <a:spcPts val="500"/>
+              </a:spcBef>
+              <a:buFont typeface="Arial" panose="020B0604020202020204" pitchFamily="34" charset="0"/>
+              <a:buNone/>
+              <a:defRPr sz="1600" kern="1200">
+                <a:solidFill>
+                  <a:schemeClr val="tx1"/>
+                </a:solidFill>
+                <a:latin typeface="+mn-lt"/>
+                <a:ea typeface="+mn-ea"/>
+                <a:cs typeface="+mn-cs"/>
+              </a:defRPr>
+            </a:lvl5pPr>
+            <a:lvl6pPr marL="2286000" indent="0" algn="ctr" defTabSz="914400" rtl="0" eaLnBrk="1" latinLnBrk="0" hangingPunct="1">
+              <a:lnSpc>
+                <a:spcPct val="90000"/>
+              </a:lnSpc>
+              <a:spcBef>
+                <a:spcPts val="500"/>
+              </a:spcBef>
+              <a:buFont typeface="Arial" panose="020B0604020202020204" pitchFamily="34" charset="0"/>
+              <a:buNone/>
+              <a:defRPr sz="1600" kern="1200">
+                <a:solidFill>
+                  <a:schemeClr val="tx1"/>
+                </a:solidFill>
+                <a:latin typeface="+mn-lt"/>
+                <a:ea typeface="+mn-ea"/>
+                <a:cs typeface="+mn-cs"/>
+              </a:defRPr>
+            </a:lvl6pPr>
+            <a:lvl7pPr marL="2743200" indent="0" algn="ctr" defTabSz="914400" rtl="0" eaLnBrk="1" latinLnBrk="0" hangingPunct="1">
+              <a:lnSpc>
+                <a:spcPct val="90000"/>
+              </a:lnSpc>
+              <a:spcBef>
+                <a:spcPts val="500"/>
+              </a:spcBef>
+              <a:buFont typeface="Arial" panose="020B0604020202020204" pitchFamily="34" charset="0"/>
+              <a:buNone/>
+              <a:defRPr sz="1600" kern="1200">
+                <a:solidFill>
+                  <a:schemeClr val="tx1"/>
+                </a:solidFill>
+                <a:latin typeface="+mn-lt"/>
+                <a:ea typeface="+mn-ea"/>
+                <a:cs typeface="+mn-cs"/>
+              </a:defRPr>
+            </a:lvl7pPr>
+            <a:lvl8pPr marL="3200400" indent="0" algn="ctr" defTabSz="914400" rtl="0" eaLnBrk="1" latinLnBrk="0" hangingPunct="1">
+              <a:lnSpc>
+                <a:spcPct val="90000"/>
+              </a:lnSpc>
+              <a:spcBef>
+                <a:spcPts val="500"/>
+              </a:spcBef>
+              <a:buFont typeface="Arial" panose="020B0604020202020204" pitchFamily="34" charset="0"/>
+              <a:buNone/>
+              <a:defRPr sz="1600" kern="1200">
+                <a:solidFill>
+                  <a:schemeClr val="tx1"/>
+                </a:solidFill>
+                <a:latin typeface="+mn-lt"/>
+                <a:ea typeface="+mn-ea"/>
+                <a:cs typeface="+mn-cs"/>
+              </a:defRPr>
+            </a:lvl8pPr>
+            <a:lvl9pPr marL="3657600" indent="0" algn="ctr" defTabSz="914400" rtl="0" eaLnBrk="1" latinLnBrk="0" hangingPunct="1">
+              <a:lnSpc>
+                <a:spcPct val="90000"/>
+              </a:lnSpc>
+              <a:spcBef>
+                <a:spcPts val="500"/>
+              </a:spcBef>
+              <a:buFont typeface="Arial" panose="020B0604020202020204" pitchFamily="34" charset="0"/>
+              <a:buNone/>
+              <a:defRPr sz="1600" kern="1200">
+                <a:solidFill>
+                  <a:schemeClr val="tx1"/>
+                </a:solidFill>
+                <a:latin typeface="+mn-lt"/>
+                <a:ea typeface="+mn-ea"/>
+                <a:cs typeface="+mn-cs"/>
+              </a:defRPr>
+            </a:lvl9pPr>
+          </a:lstStyle>
+          <a:p>
+            <a:endParaRPr lang="ru-RU" dirty="0"/>
+          </a:p>
+        </p:txBody>
+      </p:sp>
+      <p:sp>
+        <p:nvSpPr>
+          <p:cNvPr id="10" name="Текст 2">
+            <a:extLst>
+              <a:ext uri="{FF2B5EF4-FFF2-40B4-BE49-F238E27FC236}">
+                <a16:creationId xmlns:a16="http://schemas.microsoft.com/office/drawing/2014/main" id="{2C52D138-BECF-8652-5600-C1017A67FF54}"/>
+              </a:ext>
+            </a:extLst>
+          </p:cNvPr>
+          <p:cNvSpPr txBox="1">
+            <a:spLocks/>
+          </p:cNvSpPr>
+          <p:nvPr/>
+        </p:nvSpPr>
+        <p:spPr>
+          <a:xfrm>
+            <a:off x="1368298" y="4217934"/>
+            <a:ext cx="10515600" cy="1500187"/>
+          </a:xfrm>
+          <a:prstGeom prst="rect">
+            <a:avLst/>
+          </a:prstGeom>
+        </p:spPr>
+        <p:txBody>
+          <a:bodyPr vert="horz" lIns="91440" tIns="45720" rIns="91440" bIns="45720" rtlCol="0">
+            <a:normAutofit/>
+          </a:bodyPr>
+          <a:lstStyle>
+            <a:lvl1pPr marL="0" indent="0" algn="l" defTabSz="914400" rtl="0" eaLnBrk="1" latinLnBrk="0" hangingPunct="1">
+              <a:lnSpc>
+                <a:spcPct val="100000"/>
+              </a:lnSpc>
+              <a:spcBef>
+                <a:spcPts val="1000"/>
+              </a:spcBef>
+              <a:buFont typeface="Arial" panose="020B0604020202020204" pitchFamily="34" charset="0"/>
+              <a:buNone/>
+              <a:defRPr sz="1400" b="0" i="0" kern="1200">
+                <a:solidFill>
+                  <a:srgbClr val="372D68"/>
+                </a:solidFill>
+                <a:latin typeface="Dazzed" pitchFamily="2" charset="77"/>
+                <a:ea typeface="+mn-ea"/>
+                <a:cs typeface="Dazzed" pitchFamily="2" charset="77"/>
+              </a:defRPr>
+            </a:lvl1pPr>
+            <a:lvl2pPr marL="457200" indent="0" algn="ctr" defTabSz="914400" rtl="0" eaLnBrk="1" latinLnBrk="0" hangingPunct="1">
+              <a:lnSpc>
+                <a:spcPct val="90000"/>
+              </a:lnSpc>
+              <a:spcBef>
+                <a:spcPts val="500"/>
+              </a:spcBef>
+              <a:buFont typeface="Arial" panose="020B0604020202020204" pitchFamily="34" charset="0"/>
+              <a:buNone/>
+              <a:defRPr sz="2000" kern="1200">
+                <a:solidFill>
+                  <a:schemeClr val="tx1"/>
+                </a:solidFill>
+                <a:latin typeface="+mn-lt"/>
+                <a:ea typeface="+mn-ea"/>
+                <a:cs typeface="+mn-cs"/>
+              </a:defRPr>
+            </a:lvl2pPr>
+            <a:lvl3pPr marL="914400" indent="0" algn="ctr" defTabSz="914400" rtl="0" eaLnBrk="1" latinLnBrk="0" hangingPunct="1">
+              <a:lnSpc>
+                <a:spcPct val="90000"/>
+              </a:lnSpc>
+              <a:spcBef>
+                <a:spcPts val="500"/>
+              </a:spcBef>
+              <a:buFont typeface="Arial" panose="020B0604020202020204" pitchFamily="34" charset="0"/>
+              <a:buNone/>
+              <a:defRPr sz="1800" kern="1200">
+                <a:solidFill>
+                  <a:schemeClr val="tx1"/>
+                </a:solidFill>
+                <a:latin typeface="+mn-lt"/>
+                <a:ea typeface="+mn-ea"/>
+                <a:cs typeface="+mn-cs"/>
+              </a:defRPr>
+            </a:lvl3pPr>
+            <a:lvl4pPr marL="1371600" indent="0" algn="ctr" defTabSz="914400" rtl="0" eaLnBrk="1" latinLnBrk="0" hangingPunct="1">
+              <a:lnSpc>
+                <a:spcPct val="90000"/>
+              </a:lnSpc>
+              <a:spcBef>
+                <a:spcPts val="500"/>
+              </a:spcBef>
+              <a:buFont typeface="Arial" panose="020B0604020202020204" pitchFamily="34" charset="0"/>
+              <a:buNone/>
+              <a:defRPr sz="1600" kern="1200">
+                <a:solidFill>
+                  <a:schemeClr val="tx1"/>
+                </a:solidFill>
+                <a:latin typeface="+mn-lt"/>
+                <a:ea typeface="+mn-ea"/>
+                <a:cs typeface="+mn-cs"/>
+              </a:defRPr>
+            </a:lvl4pPr>
+            <a:lvl5pPr marL="1828800" indent="0" algn="ctr" defTabSz="914400" rtl="0" eaLnBrk="1" latinLnBrk="0" hangingPunct="1">
+              <a:lnSpc>
+                <a:spcPct val="90000"/>
+              </a:lnSpc>
+              <a:spcBef>
+                <a:spcPts val="500"/>
+              </a:spcBef>
+              <a:buFont typeface="Arial" panose="020B0604020202020204" pitchFamily="34" charset="0"/>
+              <a:buNone/>
+              <a:defRPr sz="1600" kern="1200">
+                <a:solidFill>
+                  <a:schemeClr val="tx1"/>
+                </a:solidFill>
+                <a:latin typeface="+mn-lt"/>
+                <a:ea typeface="+mn-ea"/>
+                <a:cs typeface="+mn-cs"/>
+              </a:defRPr>
+            </a:lvl5pPr>
+            <a:lvl6pPr marL="2286000" indent="0" algn="ctr" defTabSz="914400" rtl="0" eaLnBrk="1" latinLnBrk="0" hangingPunct="1">
+              <a:lnSpc>
+                <a:spcPct val="90000"/>
+              </a:lnSpc>
+              <a:spcBef>
+                <a:spcPts val="500"/>
+              </a:spcBef>
+              <a:buFont typeface="Arial" panose="020B0604020202020204" pitchFamily="34" charset="0"/>
+              <a:buNone/>
+              <a:defRPr sz="1600" kern="1200">
+                <a:solidFill>
+                  <a:schemeClr val="tx1"/>
+                </a:solidFill>
+                <a:latin typeface="+mn-lt"/>
+                <a:ea typeface="+mn-ea"/>
+                <a:cs typeface="+mn-cs"/>
+              </a:defRPr>
+            </a:lvl6pPr>
+            <a:lvl7pPr marL="2743200" indent="0" algn="ctr" defTabSz="914400" rtl="0" eaLnBrk="1" latinLnBrk="0" hangingPunct="1">
+              <a:lnSpc>
+                <a:spcPct val="90000"/>
+              </a:lnSpc>
+              <a:spcBef>
+                <a:spcPts val="500"/>
+              </a:spcBef>
+              <a:buFont typeface="Arial" panose="020B0604020202020204" pitchFamily="34" charset="0"/>
+              <a:buNone/>
+              <a:defRPr sz="1600" kern="1200">
+                <a:solidFill>
+                  <a:schemeClr val="tx1"/>
+                </a:solidFill>
+                <a:latin typeface="+mn-lt"/>
+                <a:ea typeface="+mn-ea"/>
+                <a:cs typeface="+mn-cs"/>
+              </a:defRPr>
+            </a:lvl7pPr>
+            <a:lvl8pPr marL="3200400" indent="0" algn="ctr" defTabSz="914400" rtl="0" eaLnBrk="1" latinLnBrk="0" hangingPunct="1">
+              <a:lnSpc>
+                <a:spcPct val="90000"/>
+              </a:lnSpc>
+              <a:spcBef>
+                <a:spcPts val="500"/>
+              </a:spcBef>
+              <a:buFont typeface="Arial" panose="020B0604020202020204" pitchFamily="34" charset="0"/>
+              <a:buNone/>
+              <a:defRPr sz="1600" kern="1200">
+                <a:solidFill>
+                  <a:schemeClr val="tx1"/>
+                </a:solidFill>
+                <a:latin typeface="+mn-lt"/>
+                <a:ea typeface="+mn-ea"/>
+                <a:cs typeface="+mn-cs"/>
+              </a:defRPr>
+            </a:lvl8pPr>
+            <a:lvl9pPr marL="3657600" indent="0" algn="ctr" defTabSz="914400" rtl="0" eaLnBrk="1" latinLnBrk="0" hangingPunct="1">
+              <a:lnSpc>
+                <a:spcPct val="90000"/>
+              </a:lnSpc>
+              <a:spcBef>
+                <a:spcPts val="500"/>
+              </a:spcBef>
+              <a:buFont typeface="Arial" panose="020B0604020202020204" pitchFamily="34" charset="0"/>
+              <a:buNone/>
+              <a:defRPr sz="1600" kern="1200">
+                <a:solidFill>
+                  <a:schemeClr val="tx1"/>
+                </a:solidFill>
+                <a:latin typeface="+mn-lt"/>
+                <a:ea typeface="+mn-ea"/>
+                <a:cs typeface="+mn-cs"/>
+              </a:defRPr>
+            </a:lvl9pPr>
+          </a:lstStyle>
+          <a:p>
+            <a:endParaRPr lang="ru-RU" dirty="0"/>
+          </a:p>
+        </p:txBody>
+      </p:sp>
+    </p:spTree>
+    <p:extLst>
+      <p:ext uri="{BB962C8B-B14F-4D97-AF65-F5344CB8AC3E}">
+        <p14:creationId xmlns:p14="http://schemas.microsoft.com/office/powerpoint/2010/main" val="2669102461"/>
       </p:ext>
     </p:extLst>
   </p:cSld>
@@ -3715,18 +7555,18 @@
       </p:grpSpPr>
       <p:sp>
         <p:nvSpPr>
-          <p:cNvPr id="2" name="Заголовок 1">
-            <a:extLst>
-              <a:ext uri="{FF2B5EF4-FFF2-40B4-BE49-F238E27FC236}">
-                <a16:creationId xmlns:a16="http://schemas.microsoft.com/office/drawing/2014/main" id="{60B827DD-0BED-0A41-8A73-A11E8BBB37F1}"/>
-              </a:ext>
-            </a:extLst>
-          </p:cNvPr>
-          <p:cNvSpPr>
-            <a:spLocks noGrp="1"/>
-          </p:cNvSpPr>
-          <p:nvPr>
-            <p:ph type="title"/>
+          <p:cNvPr id="8" name="Текст 7">
+            <a:extLst>
+              <a:ext uri="{FF2B5EF4-FFF2-40B4-BE49-F238E27FC236}">
+                <a16:creationId xmlns:a16="http://schemas.microsoft.com/office/drawing/2014/main" id="{C954768A-977D-3787-99A5-64AE698E584A}"/>
+              </a:ext>
+            </a:extLst>
+          </p:cNvPr>
+          <p:cNvSpPr>
+            <a:spLocks noGrp="1"/>
+          </p:cNvSpPr>
+          <p:nvPr>
+            <p:ph type="body" idx="16"/>
           </p:nvPr>
         </p:nvSpPr>
         <p:spPr/>
@@ -3734,84 +7574,122 @@
           <a:bodyPr/>
           <a:lstStyle/>
           <a:p>
-            <a:r>
-              <a:rPr lang="ru-RU" dirty="0"/>
+            <a:endParaRPr lang="ru-RU"/>
+          </a:p>
+        </p:txBody>
+      </p:sp>
+      <p:sp>
+        <p:nvSpPr>
+          <p:cNvPr id="9" name="Текст 8">
+            <a:extLst>
+              <a:ext uri="{FF2B5EF4-FFF2-40B4-BE49-F238E27FC236}">
+                <a16:creationId xmlns:a16="http://schemas.microsoft.com/office/drawing/2014/main" id="{8D446A56-9BA4-2FE0-6FDF-0D92C6565143}"/>
+              </a:ext>
+            </a:extLst>
+          </p:cNvPr>
+          <p:cNvSpPr>
+            <a:spLocks noGrp="1"/>
+          </p:cNvSpPr>
+          <p:nvPr>
+            <p:ph type="body" sz="quarter" idx="18"/>
+          </p:nvPr>
+        </p:nvSpPr>
+        <p:spPr/>
+        <p:txBody>
+          <a:bodyPr>
+            <a:normAutofit/>
+          </a:bodyPr>
+          <a:lstStyle/>
+          <a:p>
+            <a:r>
+              <a:rPr lang="ru-RU" sz="2900" dirty="0"/>
+              <a:t>Миграция базы данных для </a:t>
+            </a:r>
+            <a:r>
+              <a:rPr lang="en-US" sz="2900" dirty="0" err="1"/>
+              <a:t>GeoBank</a:t>
+            </a:r>
+            <a:endParaRPr lang="en-US" sz="2900" dirty="0"/>
+          </a:p>
+          <a:p>
+            <a:r>
+              <a:rPr lang="ru-RU" sz="2900" dirty="0"/>
+              <a:t>Настройка </a:t>
+            </a:r>
+            <a:r>
+              <a:rPr lang="en-US" sz="2900" dirty="0" err="1"/>
+              <a:t>GeoBank</a:t>
+            </a:r>
+            <a:endParaRPr lang="ru-RU" sz="2900" dirty="0"/>
+          </a:p>
+          <a:p>
+            <a:r>
+              <a:rPr lang="ru-RU" sz="2900" dirty="0"/>
+              <a:t>Создание представлений</a:t>
+            </a:r>
+          </a:p>
+          <a:p>
+            <a:r>
+              <a:rPr lang="ru-RU" sz="2900" dirty="0"/>
+              <a:t>Создание отчетов</a:t>
+            </a:r>
+          </a:p>
+          <a:p>
+            <a:r>
+              <a:rPr lang="ru-RU" sz="2900" dirty="0"/>
+              <a:t>Создание резервной копии базы данных </a:t>
+            </a:r>
+            <a:r>
+              <a:rPr lang="en-US" sz="2900" dirty="0" err="1"/>
+              <a:t>GeoBank</a:t>
+            </a:r>
+            <a:endParaRPr lang="ru-RU" sz="2900" dirty="0"/>
+          </a:p>
+          <a:p>
+            <a:endParaRPr lang="ru-RU" sz="2900" dirty="0"/>
+          </a:p>
+          <a:p>
+            <a:pPr marL="0" indent="0">
+              <a:buNone/>
+            </a:pPr>
+            <a:endParaRPr lang="ru-RU" dirty="0"/>
+          </a:p>
+        </p:txBody>
+      </p:sp>
+      <p:sp>
+        <p:nvSpPr>
+          <p:cNvPr id="2" name="Заголовок 1">
+            <a:extLst>
+              <a:ext uri="{FF2B5EF4-FFF2-40B4-BE49-F238E27FC236}">
+                <a16:creationId xmlns:a16="http://schemas.microsoft.com/office/drawing/2014/main" id="{AC4D1C91-FF69-D444-31C7-784A22418C71}"/>
+              </a:ext>
+            </a:extLst>
+          </p:cNvPr>
+          <p:cNvSpPr>
+            <a:spLocks noGrp="1"/>
+          </p:cNvSpPr>
+          <p:nvPr>
+            <p:ph type="ctrTitle"/>
+          </p:nvPr>
+        </p:nvSpPr>
+        <p:spPr/>
+        <p:txBody>
+          <a:bodyPr>
+            <a:normAutofit/>
+          </a:bodyPr>
+          <a:lstStyle/>
+          <a:p>
+            <a:r>
+              <a:rPr lang="ru-RU" sz="4400" dirty="0"/>
               <a:t>План</a:t>
             </a:r>
-          </a:p>
-        </p:txBody>
-      </p:sp>
-      <p:sp>
-        <p:nvSpPr>
-          <p:cNvPr id="3" name="Объект 2">
-            <a:extLst>
-              <a:ext uri="{FF2B5EF4-FFF2-40B4-BE49-F238E27FC236}">
-                <a16:creationId xmlns:a16="http://schemas.microsoft.com/office/drawing/2014/main" id="{DE7CCC18-0F73-0164-DB13-1F437FF3BA68}"/>
-              </a:ext>
-            </a:extLst>
-          </p:cNvPr>
-          <p:cNvSpPr>
-            <a:spLocks noGrp="1"/>
-          </p:cNvSpPr>
-          <p:nvPr>
-            <p:ph idx="1"/>
-          </p:nvPr>
-        </p:nvSpPr>
-        <p:spPr/>
-        <p:txBody>
-          <a:bodyPr/>
-          <a:lstStyle/>
-          <a:p>
-            <a:r>
-              <a:rPr lang="ru-RU" dirty="0"/>
-              <a:t>Миграция базы данных для </a:t>
-            </a:r>
-            <a:r>
-              <a:rPr lang="en-US" dirty="0" err="1"/>
-              <a:t>GeoBank</a:t>
-            </a:r>
-            <a:endParaRPr lang="en-US" dirty="0"/>
-          </a:p>
-          <a:p>
-            <a:r>
-              <a:rPr lang="ru-RU" dirty="0"/>
-              <a:t>Настройка </a:t>
-            </a:r>
-            <a:r>
-              <a:rPr lang="en-US" dirty="0" err="1"/>
-              <a:t>GeoBank</a:t>
-            </a:r>
-            <a:endParaRPr lang="ru-RU" dirty="0"/>
-          </a:p>
-          <a:p>
-            <a:r>
-              <a:rPr lang="ru-RU" dirty="0"/>
-              <a:t>Создание представлений</a:t>
-            </a:r>
-          </a:p>
-          <a:p>
-            <a:r>
-              <a:rPr lang="ru-RU" dirty="0"/>
-              <a:t>Создание отчетов</a:t>
-            </a:r>
-          </a:p>
-          <a:p>
-            <a:r>
-              <a:rPr lang="ru-RU" dirty="0"/>
-              <a:t>Создание резервной копии базы данных </a:t>
-            </a:r>
-            <a:r>
-              <a:rPr lang="en-US" dirty="0" err="1"/>
-              <a:t>GeoBank</a:t>
-            </a:r>
-            <a:endParaRPr lang="ru-RU" dirty="0"/>
           </a:p>
         </p:txBody>
       </p:sp>
     </p:spTree>
     <p:extLst>
       <p:ext uri="{BB962C8B-B14F-4D97-AF65-F5344CB8AC3E}">
-        <p14:creationId xmlns:p14="http://schemas.microsoft.com/office/powerpoint/2010/main" val="2633935671"/>
+        <p14:creationId xmlns:p14="http://schemas.microsoft.com/office/powerpoint/2010/main" val="2142512425"/>
       </p:ext>
     </p:extLst>
   </p:cSld>
@@ -3840,18 +7718,18 @@
       </p:grpSpPr>
       <p:sp>
         <p:nvSpPr>
-          <p:cNvPr id="2" name="Заголовок 1">
-            <a:extLst>
-              <a:ext uri="{FF2B5EF4-FFF2-40B4-BE49-F238E27FC236}">
-                <a16:creationId xmlns:a16="http://schemas.microsoft.com/office/drawing/2014/main" id="{DB42B3B9-9045-53D4-B822-071371B585FD}"/>
-              </a:ext>
-            </a:extLst>
-          </p:cNvPr>
-          <p:cNvSpPr>
-            <a:spLocks noGrp="1"/>
-          </p:cNvSpPr>
-          <p:nvPr>
-            <p:ph type="title"/>
+          <p:cNvPr id="8" name="Текст 7">
+            <a:extLst>
+              <a:ext uri="{FF2B5EF4-FFF2-40B4-BE49-F238E27FC236}">
+                <a16:creationId xmlns:a16="http://schemas.microsoft.com/office/drawing/2014/main" id="{C954768A-977D-3787-99A5-64AE698E584A}"/>
+              </a:ext>
+            </a:extLst>
+          </p:cNvPr>
+          <p:cNvSpPr>
+            <a:spLocks noGrp="1"/>
+          </p:cNvSpPr>
+          <p:nvPr>
+            <p:ph type="body" idx="16"/>
           </p:nvPr>
         </p:nvSpPr>
         <p:spPr/>
@@ -3859,68 +7737,129 @@
           <a:bodyPr/>
           <a:lstStyle/>
           <a:p>
-            <a:r>
-              <a:rPr lang="ru-RU" dirty="0"/>
+            <a:endParaRPr lang="ru-RU"/>
+          </a:p>
+        </p:txBody>
+      </p:sp>
+      <p:sp>
+        <p:nvSpPr>
+          <p:cNvPr id="9" name="Текст 8">
+            <a:extLst>
+              <a:ext uri="{FF2B5EF4-FFF2-40B4-BE49-F238E27FC236}">
+                <a16:creationId xmlns:a16="http://schemas.microsoft.com/office/drawing/2014/main" id="{8D446A56-9BA4-2FE0-6FDF-0D92C6565143}"/>
+              </a:ext>
+            </a:extLst>
+          </p:cNvPr>
+          <p:cNvSpPr>
+            <a:spLocks noGrp="1"/>
+          </p:cNvSpPr>
+          <p:nvPr>
+            <p:ph type="body" sz="quarter" idx="18"/>
+          </p:nvPr>
+        </p:nvSpPr>
+        <p:spPr/>
+        <p:txBody>
+          <a:bodyPr>
+            <a:normAutofit/>
+          </a:bodyPr>
+          <a:lstStyle/>
+          <a:p>
+            <a:r>
+              <a:rPr lang="ru-RU" sz="2000" dirty="0"/>
+              <a:t>Состоит из двух баз данных </a:t>
+            </a:r>
+          </a:p>
+          <a:p>
+            <a:r>
+              <a:rPr lang="en-US" sz="2000" dirty="0"/>
+              <a:t>CONFIG</a:t>
+            </a:r>
+            <a:r>
+              <a:rPr lang="ru-RU" sz="2000" dirty="0"/>
+              <a:t> </a:t>
+            </a:r>
+          </a:p>
+          <a:p>
+            <a:pPr lvl="1"/>
+            <a:r>
+              <a:rPr lang="ru-RU" sz="2000" dirty="0"/>
+              <a:t>Конфигурационные данные</a:t>
+            </a:r>
+            <a:endParaRPr lang="en-US" sz="2000" dirty="0"/>
+          </a:p>
+          <a:p>
+            <a:r>
+              <a:rPr lang="en-US" sz="2000" dirty="0"/>
+              <a:t>MODEL</a:t>
+            </a:r>
+            <a:endParaRPr lang="ru-RU" sz="2000" dirty="0"/>
+          </a:p>
+          <a:p>
+            <a:pPr lvl="1"/>
+            <a:r>
+              <a:rPr lang="ru-RU" sz="2000" dirty="0"/>
+              <a:t>Данные по скважинам</a:t>
+            </a:r>
+            <a:r>
+              <a:rPr lang="en-US" sz="2000" dirty="0"/>
+              <a:t> </a:t>
+            </a:r>
+            <a:r>
+              <a:rPr lang="ru-RU" sz="2000" dirty="0"/>
+              <a:t>и пробам</a:t>
+            </a:r>
+            <a:endParaRPr lang="en-US" sz="2000" dirty="0"/>
+          </a:p>
+          <a:p>
+            <a:endParaRPr lang="ru-RU" sz="2000" dirty="0"/>
+          </a:p>
+          <a:p>
+            <a:pPr marL="0" indent="0">
+              <a:buNone/>
+            </a:pPr>
+            <a:endParaRPr lang="ru-RU" sz="2000" dirty="0"/>
+          </a:p>
+        </p:txBody>
+      </p:sp>
+      <p:sp>
+        <p:nvSpPr>
+          <p:cNvPr id="2" name="Заголовок 1">
+            <a:extLst>
+              <a:ext uri="{FF2B5EF4-FFF2-40B4-BE49-F238E27FC236}">
+                <a16:creationId xmlns:a16="http://schemas.microsoft.com/office/drawing/2014/main" id="{AC4D1C91-FF69-D444-31C7-784A22418C71}"/>
+              </a:ext>
+            </a:extLst>
+          </p:cNvPr>
+          <p:cNvSpPr>
+            <a:spLocks noGrp="1"/>
+          </p:cNvSpPr>
+          <p:nvPr>
+            <p:ph type="ctrTitle"/>
+          </p:nvPr>
+        </p:nvSpPr>
+        <p:spPr/>
+        <p:txBody>
+          <a:bodyPr>
+            <a:normAutofit/>
+          </a:bodyPr>
+          <a:lstStyle/>
+          <a:p>
+            <a:r>
+              <a:rPr lang="ru-RU" sz="4400" dirty="0"/>
               <a:t>Базы данных, используемые в ПО </a:t>
             </a:r>
             <a:r>
-              <a:rPr lang="en-US" dirty="0" err="1"/>
+              <a:rPr lang="en-US" sz="4400" dirty="0" err="1"/>
               <a:t>GeoBank</a:t>
             </a:r>
-            <a:endParaRPr lang="ru-RU" dirty="0"/>
-          </a:p>
-        </p:txBody>
-      </p:sp>
-      <p:sp>
-        <p:nvSpPr>
-          <p:cNvPr id="3" name="Объект 2">
-            <a:extLst>
-              <a:ext uri="{FF2B5EF4-FFF2-40B4-BE49-F238E27FC236}">
-                <a16:creationId xmlns:a16="http://schemas.microsoft.com/office/drawing/2014/main" id="{15001FED-EE03-932C-BE04-AFA567CACFDD}"/>
-              </a:ext>
-            </a:extLst>
-          </p:cNvPr>
-          <p:cNvSpPr>
-            <a:spLocks noGrp="1"/>
-          </p:cNvSpPr>
-          <p:nvPr>
-            <p:ph idx="1"/>
-          </p:nvPr>
-        </p:nvSpPr>
-        <p:spPr/>
-        <p:txBody>
-          <a:bodyPr/>
-          <a:lstStyle/>
-          <a:p>
-            <a:r>
-              <a:rPr lang="ru-RU" dirty="0"/>
-              <a:t>Состоит из двух баз данных </a:t>
-            </a:r>
-          </a:p>
-          <a:p>
-            <a:pPr lvl="1"/>
-            <a:r>
-              <a:rPr lang="en-US" dirty="0"/>
-              <a:t>CONFIG</a:t>
-            </a:r>
-          </a:p>
-          <a:p>
-            <a:pPr lvl="1"/>
-            <a:r>
-              <a:rPr lang="en-US" dirty="0"/>
-              <a:t>MODEL</a:t>
-            </a:r>
-          </a:p>
-          <a:p>
-            <a:pPr lvl="1"/>
-            <a:endParaRPr lang="en-US" dirty="0"/>
+            <a:endParaRPr lang="ru-RU" sz="4400" dirty="0"/>
           </a:p>
         </p:txBody>
       </p:sp>
     </p:spTree>
     <p:extLst>
       <p:ext uri="{BB962C8B-B14F-4D97-AF65-F5344CB8AC3E}">
-        <p14:creationId xmlns:p14="http://schemas.microsoft.com/office/powerpoint/2010/main" val="470572165"/>
+        <p14:creationId xmlns:p14="http://schemas.microsoft.com/office/powerpoint/2010/main" val="304770856"/>
       </p:ext>
     </p:extLst>
   </p:cSld>
@@ -3949,18 +7888,18 @@
       </p:grpSpPr>
       <p:sp>
         <p:nvSpPr>
-          <p:cNvPr id="2" name="Заголовок 1">
-            <a:extLst>
-              <a:ext uri="{FF2B5EF4-FFF2-40B4-BE49-F238E27FC236}">
-                <a16:creationId xmlns:a16="http://schemas.microsoft.com/office/drawing/2014/main" id="{DE774802-2667-C4A7-BFAA-4DDD33218A7C}"/>
-              </a:ext>
-            </a:extLst>
-          </p:cNvPr>
-          <p:cNvSpPr>
-            <a:spLocks noGrp="1"/>
-          </p:cNvSpPr>
-          <p:nvPr>
-            <p:ph type="title"/>
+          <p:cNvPr id="8" name="Текст 7">
+            <a:extLst>
+              <a:ext uri="{FF2B5EF4-FFF2-40B4-BE49-F238E27FC236}">
+                <a16:creationId xmlns:a16="http://schemas.microsoft.com/office/drawing/2014/main" id="{C954768A-977D-3787-99A5-64AE698E584A}"/>
+              </a:ext>
+            </a:extLst>
+          </p:cNvPr>
+          <p:cNvSpPr>
+            <a:spLocks noGrp="1"/>
+          </p:cNvSpPr>
+          <p:nvPr>
+            <p:ph type="body" idx="16"/>
           </p:nvPr>
         </p:nvSpPr>
         <p:spPr/>
@@ -3968,78 +7907,124 @@
           <a:bodyPr/>
           <a:lstStyle/>
           <a:p>
-            <a:r>
-              <a:rPr lang="ru-RU" dirty="0"/>
-              <a:t>Развертывание баз данных </a:t>
-            </a:r>
-          </a:p>
-        </p:txBody>
-      </p:sp>
-      <p:sp>
-        <p:nvSpPr>
-          <p:cNvPr id="3" name="Объект 2">
-            <a:extLst>
-              <a:ext uri="{FF2B5EF4-FFF2-40B4-BE49-F238E27FC236}">
-                <a16:creationId xmlns:a16="http://schemas.microsoft.com/office/drawing/2014/main" id="{E76FA971-D1D9-82ED-6081-77DB5725C385}"/>
-              </a:ext>
-            </a:extLst>
-          </p:cNvPr>
-          <p:cNvSpPr>
-            <a:spLocks noGrp="1"/>
-          </p:cNvSpPr>
-          <p:nvPr>
-            <p:ph idx="1"/>
+            <a:endParaRPr lang="ru-RU"/>
+          </a:p>
+        </p:txBody>
+      </p:sp>
+      <p:sp>
+        <p:nvSpPr>
+          <p:cNvPr id="9" name="Текст 8">
+            <a:extLst>
+              <a:ext uri="{FF2B5EF4-FFF2-40B4-BE49-F238E27FC236}">
+                <a16:creationId xmlns:a16="http://schemas.microsoft.com/office/drawing/2014/main" id="{8D446A56-9BA4-2FE0-6FDF-0D92C6565143}"/>
+              </a:ext>
+            </a:extLst>
+          </p:cNvPr>
+          <p:cNvSpPr>
+            <a:spLocks noGrp="1"/>
+          </p:cNvSpPr>
+          <p:nvPr>
+            <p:ph type="body" sz="quarter" idx="18"/>
           </p:nvPr>
         </p:nvSpPr>
         <p:spPr/>
         <p:txBody>
-          <a:bodyPr/>
+          <a:bodyPr>
+            <a:normAutofit/>
+          </a:bodyPr>
           <a:lstStyle/>
           <a:p>
             <a:r>
-              <a:rPr lang="ru-RU" dirty="0"/>
+              <a:rPr lang="ru-RU" sz="2000" dirty="0"/>
               <a:t>Скопируйте </a:t>
             </a:r>
             <a:r>
-              <a:rPr lang="en-US" dirty="0"/>
+              <a:rPr lang="en-US" sz="2000" dirty="0"/>
               <a:t>GB_BASE_CONFIG </a:t>
             </a:r>
             <a:r>
-              <a:rPr lang="ru-RU" dirty="0"/>
+              <a:rPr lang="ru-RU" sz="2000" dirty="0"/>
               <a:t>и </a:t>
             </a:r>
             <a:r>
-              <a:rPr lang="en-US" dirty="0"/>
-              <a:t>GB_CONFIG_MODEL </a:t>
-            </a:r>
-            <a:r>
-              <a:rPr lang="ru-RU" dirty="0"/>
+              <a:rPr lang="en-US" sz="2000" dirty="0"/>
+              <a:t>GB_BASE_MODEL </a:t>
+            </a:r>
+            <a:r>
+              <a:rPr lang="ru-RU" sz="2000" dirty="0"/>
               <a:t>в папку доступную </a:t>
             </a:r>
             <a:r>
-              <a:rPr lang="en-US" dirty="0"/>
+              <a:rPr lang="en-US" sz="2000" dirty="0"/>
+              <a:t>SQL </a:t>
+            </a:r>
+            <a:r>
+              <a:rPr lang="ru-RU" sz="2000" dirty="0"/>
+              <a:t>серверу</a:t>
+            </a:r>
+            <a:endParaRPr lang="en-US" sz="2000" dirty="0"/>
+          </a:p>
+          <a:p>
+            <a:r>
+              <a:rPr lang="ru-RU" sz="2000" dirty="0"/>
+              <a:t>Восстановите базы данных из бэкапов используя </a:t>
+            </a:r>
+            <a:r>
+              <a:rPr lang="en-US" sz="2000" dirty="0"/>
               <a:t>SSMS</a:t>
             </a:r>
           </a:p>
           <a:p>
             <a:r>
-              <a:rPr lang="ru-RU" dirty="0"/>
-              <a:t>Восстановите базы данных из бэкапов</a:t>
-            </a:r>
-            <a:endParaRPr lang="en-US" dirty="0"/>
-          </a:p>
-          <a:p>
-            <a:r>
-              <a:rPr lang="ru-RU" dirty="0"/>
+              <a:rPr lang="ru-RU" sz="2000" dirty="0"/>
               <a:t>Используйте аутентификацию </a:t>
             </a:r>
             <a:r>
-              <a:rPr lang="en-US" dirty="0"/>
+              <a:rPr lang="en-US" sz="2000" dirty="0"/>
               <a:t>Windows </a:t>
             </a:r>
             <a:r>
-              <a:rPr lang="ru-RU" dirty="0"/>
+              <a:rPr lang="ru-RU" sz="2000" dirty="0"/>
               <a:t>в качестве модели безопасности</a:t>
+            </a:r>
+          </a:p>
+          <a:p>
+            <a:endParaRPr lang="ru-RU" sz="2000" dirty="0"/>
+          </a:p>
+          <a:p>
+            <a:pPr marL="0" indent="0">
+              <a:buNone/>
+            </a:pPr>
+            <a:endParaRPr lang="ru-RU" sz="2000" dirty="0"/>
+          </a:p>
+        </p:txBody>
+      </p:sp>
+      <p:sp>
+        <p:nvSpPr>
+          <p:cNvPr id="2" name="Заголовок 1">
+            <a:extLst>
+              <a:ext uri="{FF2B5EF4-FFF2-40B4-BE49-F238E27FC236}">
+                <a16:creationId xmlns:a16="http://schemas.microsoft.com/office/drawing/2014/main" id="{AC4D1C91-FF69-D444-31C7-784A22418C71}"/>
+              </a:ext>
+            </a:extLst>
+          </p:cNvPr>
+          <p:cNvSpPr>
+            <a:spLocks noGrp="1"/>
+          </p:cNvSpPr>
+          <p:nvPr>
+            <p:ph type="ctrTitle"/>
+          </p:nvPr>
+        </p:nvSpPr>
+        <p:spPr/>
+        <p:txBody>
+          <a:bodyPr>
+            <a:normAutofit/>
+          </a:bodyPr>
+          <a:lstStyle/>
+          <a:p>
+            <a:r>
+              <a:rPr lang="ru-RU" sz="4400" dirty="0"/>
+              <a:t>Упражнение - Развертывание баз данных </a:t>
             </a:r>
           </a:p>
         </p:txBody>
@@ -4047,7 +8032,7 @@
     </p:spTree>
     <p:extLst>
       <p:ext uri="{BB962C8B-B14F-4D97-AF65-F5344CB8AC3E}">
-        <p14:creationId xmlns:p14="http://schemas.microsoft.com/office/powerpoint/2010/main" val="1897899827"/>
+        <p14:creationId xmlns:p14="http://schemas.microsoft.com/office/powerpoint/2010/main" val="3030370164"/>
       </p:ext>
     </p:extLst>
   </p:cSld>
@@ -4076,18 +8061,18 @@
       </p:grpSpPr>
       <p:sp>
         <p:nvSpPr>
-          <p:cNvPr id="2" name="Заголовок 1">
-            <a:extLst>
-              <a:ext uri="{FF2B5EF4-FFF2-40B4-BE49-F238E27FC236}">
-                <a16:creationId xmlns:a16="http://schemas.microsoft.com/office/drawing/2014/main" id="{4B773928-45C1-4558-B928-1F6E39E6A116}"/>
-              </a:ext>
-            </a:extLst>
-          </p:cNvPr>
-          <p:cNvSpPr>
-            <a:spLocks noGrp="1"/>
-          </p:cNvSpPr>
-          <p:nvPr>
-            <p:ph type="title"/>
+          <p:cNvPr id="8" name="Текст 7">
+            <a:extLst>
+              <a:ext uri="{FF2B5EF4-FFF2-40B4-BE49-F238E27FC236}">
+                <a16:creationId xmlns:a16="http://schemas.microsoft.com/office/drawing/2014/main" id="{C954768A-977D-3787-99A5-64AE698E584A}"/>
+              </a:ext>
+            </a:extLst>
+          </p:cNvPr>
+          <p:cNvSpPr>
+            <a:spLocks noGrp="1"/>
+          </p:cNvSpPr>
+          <p:nvPr>
+            <p:ph type="body" idx="16"/>
           </p:nvPr>
         </p:nvSpPr>
         <p:spPr/>
@@ -4095,62 +8080,94 @@
           <a:bodyPr/>
           <a:lstStyle/>
           <a:p>
-            <a:r>
-              <a:rPr lang="ru-RU" dirty="0"/>
-              <a:t>Настройка баз данных</a:t>
-            </a:r>
-          </a:p>
-        </p:txBody>
-      </p:sp>
-      <p:sp>
-        <p:nvSpPr>
-          <p:cNvPr id="3" name="Объект 2">
-            <a:extLst>
-              <a:ext uri="{FF2B5EF4-FFF2-40B4-BE49-F238E27FC236}">
-                <a16:creationId xmlns:a16="http://schemas.microsoft.com/office/drawing/2014/main" id="{5154B993-3204-EFCC-4DE9-4F15A076A07E}"/>
-              </a:ext>
-            </a:extLst>
-          </p:cNvPr>
-          <p:cNvSpPr>
-            <a:spLocks noGrp="1"/>
-          </p:cNvSpPr>
-          <p:nvPr>
-            <p:ph idx="1"/>
+            <a:endParaRPr lang="ru-RU"/>
+          </a:p>
+        </p:txBody>
+      </p:sp>
+      <p:sp>
+        <p:nvSpPr>
+          <p:cNvPr id="9" name="Текст 8">
+            <a:extLst>
+              <a:ext uri="{FF2B5EF4-FFF2-40B4-BE49-F238E27FC236}">
+                <a16:creationId xmlns:a16="http://schemas.microsoft.com/office/drawing/2014/main" id="{8D446A56-9BA4-2FE0-6FDF-0D92C6565143}"/>
+              </a:ext>
+            </a:extLst>
+          </p:cNvPr>
+          <p:cNvSpPr>
+            <a:spLocks noGrp="1"/>
+          </p:cNvSpPr>
+          <p:nvPr>
+            <p:ph type="body" sz="quarter" idx="18"/>
           </p:nvPr>
         </p:nvSpPr>
         <p:spPr/>
         <p:txBody>
-          <a:bodyPr/>
+          <a:bodyPr>
+            <a:normAutofit/>
+          </a:bodyPr>
           <a:lstStyle/>
           <a:p>
             <a:r>
-              <a:rPr lang="ru-RU" dirty="0"/>
+              <a:rPr lang="ru-RU" sz="2000" dirty="0"/>
               <a:t>Отредактируйте свойства подключения для </a:t>
             </a:r>
             <a:r>
-              <a:rPr lang="en-US" dirty="0"/>
+              <a:rPr lang="en-US" sz="2000" dirty="0"/>
               <a:t>GB_BASE_CONFIG</a:t>
             </a:r>
           </a:p>
           <a:p>
             <a:r>
-              <a:rPr lang="ru-RU" dirty="0"/>
+              <a:rPr lang="ru-RU" sz="2000" dirty="0"/>
               <a:t>Отредактируйте свойства подключения для </a:t>
             </a:r>
             <a:r>
-              <a:rPr lang="en-US" dirty="0"/>
+              <a:rPr lang="en-US" sz="2000" dirty="0"/>
               <a:t>GB_BASE_MODEL</a:t>
             </a:r>
           </a:p>
           <a:p>
-            <a:endParaRPr lang="ru-RU" dirty="0"/>
+            <a:pPr marL="0" indent="0">
+              <a:buNone/>
+            </a:pPr>
+            <a:endParaRPr lang="ru-RU" sz="2000" dirty="0"/>
+          </a:p>
+        </p:txBody>
+      </p:sp>
+      <p:sp>
+        <p:nvSpPr>
+          <p:cNvPr id="2" name="Заголовок 1">
+            <a:extLst>
+              <a:ext uri="{FF2B5EF4-FFF2-40B4-BE49-F238E27FC236}">
+                <a16:creationId xmlns:a16="http://schemas.microsoft.com/office/drawing/2014/main" id="{AC4D1C91-FF69-D444-31C7-784A22418C71}"/>
+              </a:ext>
+            </a:extLst>
+          </p:cNvPr>
+          <p:cNvSpPr>
+            <a:spLocks noGrp="1"/>
+          </p:cNvSpPr>
+          <p:nvPr>
+            <p:ph type="ctrTitle"/>
+          </p:nvPr>
+        </p:nvSpPr>
+        <p:spPr/>
+        <p:txBody>
+          <a:bodyPr>
+            <a:normAutofit/>
+          </a:bodyPr>
+          <a:lstStyle/>
+          <a:p>
+            <a:r>
+              <a:rPr lang="ru-RU" sz="4400" dirty="0"/>
+              <a:t>Упражнение - Настройка баз данных</a:t>
+            </a:r>
           </a:p>
         </p:txBody>
       </p:sp>
     </p:spTree>
     <p:extLst>
       <p:ext uri="{BB962C8B-B14F-4D97-AF65-F5344CB8AC3E}">
-        <p14:creationId xmlns:p14="http://schemas.microsoft.com/office/powerpoint/2010/main" val="1712754489"/>
+        <p14:creationId xmlns:p14="http://schemas.microsoft.com/office/powerpoint/2010/main" val="622654575"/>
       </p:ext>
     </p:extLst>
   </p:cSld>
@@ -4179,18 +8196,18 @@
       </p:grpSpPr>
       <p:sp>
         <p:nvSpPr>
-          <p:cNvPr id="2" name="Заголовок 1">
-            <a:extLst>
-              <a:ext uri="{FF2B5EF4-FFF2-40B4-BE49-F238E27FC236}">
-                <a16:creationId xmlns:a16="http://schemas.microsoft.com/office/drawing/2014/main" id="{05D83935-FB07-CC60-8E11-7F53652DF886}"/>
-              </a:ext>
-            </a:extLst>
-          </p:cNvPr>
-          <p:cNvSpPr>
-            <a:spLocks noGrp="1"/>
-          </p:cNvSpPr>
-          <p:nvPr>
-            <p:ph type="title"/>
+          <p:cNvPr id="8" name="Текст 7">
+            <a:extLst>
+              <a:ext uri="{FF2B5EF4-FFF2-40B4-BE49-F238E27FC236}">
+                <a16:creationId xmlns:a16="http://schemas.microsoft.com/office/drawing/2014/main" id="{C954768A-977D-3787-99A5-64AE698E584A}"/>
+              </a:ext>
+            </a:extLst>
+          </p:cNvPr>
+          <p:cNvSpPr>
+            <a:spLocks noGrp="1"/>
+          </p:cNvSpPr>
+          <p:nvPr>
+            <p:ph type="body" idx="16"/>
           </p:nvPr>
         </p:nvSpPr>
         <p:spPr/>
@@ -4198,8 +8215,65 @@
           <a:bodyPr/>
           <a:lstStyle/>
           <a:p>
-            <a:r>
-              <a:rPr lang="ru-RU" dirty="0"/>
+            <a:endParaRPr lang="ru-RU"/>
+          </a:p>
+        </p:txBody>
+      </p:sp>
+      <p:sp>
+        <p:nvSpPr>
+          <p:cNvPr id="9" name="Текст 8">
+            <a:extLst>
+              <a:ext uri="{FF2B5EF4-FFF2-40B4-BE49-F238E27FC236}">
+                <a16:creationId xmlns:a16="http://schemas.microsoft.com/office/drawing/2014/main" id="{8D446A56-9BA4-2FE0-6FDF-0D92C6565143}"/>
+              </a:ext>
+            </a:extLst>
+          </p:cNvPr>
+          <p:cNvSpPr>
+            <a:spLocks noGrp="1"/>
+          </p:cNvSpPr>
+          <p:nvPr>
+            <p:ph type="body" sz="quarter" idx="18"/>
+          </p:nvPr>
+        </p:nvSpPr>
+        <p:spPr/>
+        <p:txBody>
+          <a:bodyPr>
+            <a:normAutofit/>
+          </a:bodyPr>
+          <a:lstStyle/>
+          <a:p>
+            <a:pPr marL="0" indent="0">
+              <a:buNone/>
+            </a:pPr>
+            <a:endParaRPr lang="ru-RU" sz="2000" dirty="0"/>
+          </a:p>
+        </p:txBody>
+      </p:sp>
+      <p:sp>
+        <p:nvSpPr>
+          <p:cNvPr id="2" name="Заголовок 1">
+            <a:extLst>
+              <a:ext uri="{FF2B5EF4-FFF2-40B4-BE49-F238E27FC236}">
+                <a16:creationId xmlns:a16="http://schemas.microsoft.com/office/drawing/2014/main" id="{AC4D1C91-FF69-D444-31C7-784A22418C71}"/>
+              </a:ext>
+            </a:extLst>
+          </p:cNvPr>
+          <p:cNvSpPr>
+            <a:spLocks noGrp="1"/>
+          </p:cNvSpPr>
+          <p:nvPr>
+            <p:ph type="ctrTitle"/>
+          </p:nvPr>
+        </p:nvSpPr>
+        <p:spPr/>
+        <p:txBody>
+          <a:bodyPr>
+            <a:normAutofit/>
+          </a:bodyPr>
+          <a:lstStyle/>
+          <a:p>
+            <a:r>
+              <a:rPr lang="ru-RU" sz="4400" dirty="0"/>
               <a:t>Демонстрация – создание представления</a:t>
             </a:r>
           </a:p>
@@ -4207,19 +8281,17 @@
       </p:sp>
       <p:pic>
         <p:nvPicPr>
-          <p:cNvPr id="5" name="Объект 4">
-            <a:extLst>
-              <a:ext uri="{FF2B5EF4-FFF2-40B4-BE49-F238E27FC236}">
-                <a16:creationId xmlns:a16="http://schemas.microsoft.com/office/drawing/2014/main" id="{D4E29EE3-5E6F-C4C8-1DCF-F23570F44306}"/>
+          <p:cNvPr id="3" name="Объект 4">
+            <a:extLst>
+              <a:ext uri="{FF2B5EF4-FFF2-40B4-BE49-F238E27FC236}">
+                <a16:creationId xmlns:a16="http://schemas.microsoft.com/office/drawing/2014/main" id="{6134A1B7-EC62-FB83-6B6F-84210CD43F09}"/>
               </a:ext>
             </a:extLst>
           </p:cNvPr>
           <p:cNvPicPr>
-            <a:picLocks noGrp="1" noChangeAspect="1"/>
+            <a:picLocks noChangeAspect="1"/>
           </p:cNvPicPr>
-          <p:nvPr>
-            <p:ph idx="1"/>
-          </p:nvPr>
+          <p:nvPr/>
         </p:nvPicPr>
         <p:blipFill>
           <a:blip r:embed="rId2"/>
@@ -4229,15 +8301,18 @@
         </p:blipFill>
         <p:spPr>
           <a:xfrm>
-            <a:off x="2228144" y="1825625"/>
+            <a:off x="1917248" y="1552312"/>
             <a:ext cx="7735712" cy="4351338"/>
           </a:xfrm>
+          <a:prstGeom prst="rect">
+            <a:avLst/>
+          </a:prstGeom>
         </p:spPr>
       </p:pic>
     </p:spTree>
     <p:extLst>
       <p:ext uri="{BB962C8B-B14F-4D97-AF65-F5344CB8AC3E}">
-        <p14:creationId xmlns:p14="http://schemas.microsoft.com/office/powerpoint/2010/main" val="3404433638"/>
+        <p14:creationId xmlns:p14="http://schemas.microsoft.com/office/powerpoint/2010/main" val="4261435350"/>
       </p:ext>
     </p:extLst>
   </p:cSld>
@@ -4266,18 +8341,18 @@
       </p:grpSpPr>
       <p:sp>
         <p:nvSpPr>
-          <p:cNvPr id="2" name="Заголовок 1">
-            <a:extLst>
-              <a:ext uri="{FF2B5EF4-FFF2-40B4-BE49-F238E27FC236}">
-                <a16:creationId xmlns:a16="http://schemas.microsoft.com/office/drawing/2014/main" id="{0C4C3690-AD63-5702-9965-E5E0C6F290F5}"/>
-              </a:ext>
-            </a:extLst>
-          </p:cNvPr>
-          <p:cNvSpPr>
-            <a:spLocks noGrp="1"/>
-          </p:cNvSpPr>
-          <p:nvPr>
-            <p:ph type="title"/>
+          <p:cNvPr id="2" name="Текст 1">
+            <a:extLst>
+              <a:ext uri="{FF2B5EF4-FFF2-40B4-BE49-F238E27FC236}">
+                <a16:creationId xmlns:a16="http://schemas.microsoft.com/office/drawing/2014/main" id="{40B2B206-329B-6154-5AE6-99C90325BE87}"/>
+              </a:ext>
+            </a:extLst>
+          </p:cNvPr>
+          <p:cNvSpPr>
+            <a:spLocks noGrp="1"/>
+          </p:cNvSpPr>
+          <p:nvPr>
+            <p:ph type="body" idx="16"/>
           </p:nvPr>
         </p:nvSpPr>
         <p:spPr/>
@@ -4285,27 +8360,659 @@
           <a:bodyPr/>
           <a:lstStyle/>
           <a:p>
-            <a:r>
-              <a:rPr lang="ru-RU" dirty="0"/>
-              <a:t>Упражнение</a:t>
-            </a:r>
-          </a:p>
-        </p:txBody>
-      </p:sp>
-      <p:sp>
-        <p:nvSpPr>
-          <p:cNvPr id="3" name="Объект 2">
-            <a:extLst>
-              <a:ext uri="{FF2B5EF4-FFF2-40B4-BE49-F238E27FC236}">
-                <a16:creationId xmlns:a16="http://schemas.microsoft.com/office/drawing/2014/main" id="{5EA7FE94-58FE-39A9-86C7-87C255D0DB0C}"/>
-              </a:ext>
-            </a:extLst>
-          </p:cNvPr>
-          <p:cNvSpPr>
-            <a:spLocks noGrp="1"/>
-          </p:cNvSpPr>
-          <p:nvPr>
-            <p:ph idx="1"/>
+            <a:endParaRPr lang="ru-RU"/>
+          </a:p>
+        </p:txBody>
+      </p:sp>
+      <p:sp>
+        <p:nvSpPr>
+          <p:cNvPr id="3" name="Текст 2">
+            <a:extLst>
+              <a:ext uri="{FF2B5EF4-FFF2-40B4-BE49-F238E27FC236}">
+                <a16:creationId xmlns:a16="http://schemas.microsoft.com/office/drawing/2014/main" id="{B52C86F1-132F-1122-C7DC-8411A5A5BD46}"/>
+              </a:ext>
+            </a:extLst>
+          </p:cNvPr>
+          <p:cNvSpPr>
+            <a:spLocks noGrp="1"/>
+          </p:cNvSpPr>
+          <p:nvPr>
+            <p:ph type="body" sz="quarter" idx="18"/>
+          </p:nvPr>
+        </p:nvSpPr>
+        <p:spPr/>
+        <p:txBody>
+          <a:bodyPr>
+            <a:normAutofit lnSpcReduction="10000"/>
+          </a:bodyPr>
+          <a:lstStyle/>
+          <a:p>
+            <a:r>
+              <a:rPr lang="ru-RU" sz="2000" dirty="0"/>
+              <a:t>Для заполнения списков, которые должны использовать справочные данные используйте пользовательскую функцию </a:t>
+            </a:r>
+            <a:r>
+              <a:rPr lang="en-US" sz="2000" dirty="0" err="1"/>
+              <a:t>ufnGB_App_GetLookupListByField</a:t>
+            </a:r>
+            <a:endParaRPr lang="ru-RU" sz="2000" dirty="0"/>
+          </a:p>
+          <a:p>
+            <a:r>
+              <a:rPr lang="ru-RU" sz="2000" dirty="0"/>
+              <a:t>Например, для выбора данных из справочника </a:t>
+            </a:r>
+            <a:r>
+              <a:rPr lang="en-US" sz="2000" dirty="0"/>
+              <a:t>“</a:t>
+            </a:r>
+            <a:r>
+              <a:rPr lang="ru-RU" sz="2000" dirty="0"/>
+              <a:t>Литология</a:t>
+            </a:r>
+            <a:r>
+              <a:rPr lang="en-US" sz="2000" dirty="0"/>
+              <a:t>”</a:t>
+            </a:r>
+            <a:r>
+              <a:rPr lang="ru-RU" sz="2000" dirty="0"/>
+              <a:t> можно выполнить следующий запрос</a:t>
+            </a:r>
+            <a:br>
+              <a:rPr lang="ru-RU" sz="2000" dirty="0"/>
+            </a:br>
+            <a:br>
+              <a:rPr lang="ru-RU" sz="2000" dirty="0"/>
+            </a:br>
+            <a:r>
+              <a:rPr lang="en-US" sz="1800" dirty="0">
+                <a:solidFill>
+                  <a:srgbClr val="0000FF"/>
+                </a:solidFill>
+                <a:latin typeface="Dazzed" pitchFamily="2" charset="0"/>
+                <a:cs typeface="Dazzed" pitchFamily="2" charset="0"/>
+              </a:rPr>
+              <a:t>SELECT</a:t>
+            </a:r>
+            <a:r>
+              <a:rPr lang="en-US" sz="1800" dirty="0">
+                <a:solidFill>
+                  <a:srgbClr val="000000"/>
+                </a:solidFill>
+                <a:latin typeface="Dazzed" pitchFamily="2" charset="0"/>
+                <a:cs typeface="Dazzed" pitchFamily="2" charset="0"/>
+              </a:rPr>
+              <a:t> </a:t>
+            </a:r>
+            <a:r>
+              <a:rPr lang="en-US" sz="1800" dirty="0">
+                <a:solidFill>
+                  <a:srgbClr val="808080"/>
+                </a:solidFill>
+                <a:latin typeface="Dazzed" pitchFamily="2" charset="0"/>
+                <a:cs typeface="Dazzed" pitchFamily="2" charset="0"/>
+              </a:rPr>
+              <a:t>*</a:t>
+            </a:r>
+            <a:r>
+              <a:rPr lang="en-US" sz="1800" dirty="0">
+                <a:solidFill>
+                  <a:srgbClr val="000000"/>
+                </a:solidFill>
+                <a:latin typeface="Dazzed" pitchFamily="2" charset="0"/>
+                <a:cs typeface="Dazzed" pitchFamily="2" charset="0"/>
+              </a:rPr>
+              <a:t> </a:t>
+            </a:r>
+            <a:r>
+              <a:rPr lang="en-US" sz="1800" dirty="0">
+                <a:solidFill>
+                  <a:srgbClr val="0000FF"/>
+                </a:solidFill>
+                <a:latin typeface="Dazzed" pitchFamily="2" charset="0"/>
+                <a:cs typeface="Dazzed" pitchFamily="2" charset="0"/>
+              </a:rPr>
+              <a:t>FROM</a:t>
+            </a:r>
+            <a:r>
+              <a:rPr lang="en-US" sz="1800" dirty="0">
+                <a:solidFill>
+                  <a:srgbClr val="000000"/>
+                </a:solidFill>
+                <a:latin typeface="Dazzed" pitchFamily="2" charset="0"/>
+                <a:cs typeface="Dazzed" pitchFamily="2" charset="0"/>
+              </a:rPr>
+              <a:t> [</a:t>
+            </a:r>
+            <a:r>
+              <a:rPr lang="en-US" sz="1800" dirty="0" err="1">
+                <a:solidFill>
+                  <a:srgbClr val="000000"/>
+                </a:solidFill>
+                <a:latin typeface="Dazzed" pitchFamily="2" charset="0"/>
+                <a:cs typeface="Dazzed" pitchFamily="2" charset="0"/>
+              </a:rPr>
+              <a:t>dbo</a:t>
+            </a:r>
+            <a:r>
+              <a:rPr lang="en-US" sz="1800" dirty="0">
+                <a:solidFill>
+                  <a:srgbClr val="000000"/>
+                </a:solidFill>
+                <a:latin typeface="Dazzed" pitchFamily="2" charset="0"/>
+                <a:cs typeface="Dazzed" pitchFamily="2" charset="0"/>
+              </a:rPr>
+              <a:t>]</a:t>
+            </a:r>
+            <a:r>
+              <a:rPr lang="en-US" sz="1800" dirty="0">
+                <a:solidFill>
+                  <a:srgbClr val="808080"/>
+                </a:solidFill>
+                <a:latin typeface="Dazzed" pitchFamily="2" charset="0"/>
+                <a:cs typeface="Dazzed" pitchFamily="2" charset="0"/>
+              </a:rPr>
+              <a:t>.</a:t>
+            </a:r>
+            <a:r>
+              <a:rPr lang="en-US" sz="1800" dirty="0">
+                <a:solidFill>
+                  <a:srgbClr val="000000"/>
+                </a:solidFill>
+                <a:latin typeface="Dazzed" pitchFamily="2" charset="0"/>
+                <a:cs typeface="Dazzed" pitchFamily="2" charset="0"/>
+              </a:rPr>
+              <a:t>[</a:t>
+            </a:r>
+            <a:r>
+              <a:rPr lang="en-US" sz="1800" dirty="0" err="1">
+                <a:solidFill>
+                  <a:srgbClr val="000000"/>
+                </a:solidFill>
+                <a:latin typeface="Dazzed" pitchFamily="2" charset="0"/>
+                <a:cs typeface="Dazzed" pitchFamily="2" charset="0"/>
+              </a:rPr>
+              <a:t>ufnGB_App_GetLookupListByField</a:t>
+            </a:r>
+            <a:r>
+              <a:rPr lang="en-US" sz="1800" dirty="0">
+                <a:solidFill>
+                  <a:srgbClr val="000000"/>
+                </a:solidFill>
+                <a:latin typeface="Dazzed" pitchFamily="2" charset="0"/>
+                <a:cs typeface="Dazzed" pitchFamily="2" charset="0"/>
+              </a:rPr>
+              <a:t>]</a:t>
+            </a:r>
+            <a:r>
+              <a:rPr lang="en-US" sz="1800" dirty="0">
+                <a:solidFill>
+                  <a:srgbClr val="0000FF"/>
+                </a:solidFill>
+                <a:latin typeface="Dazzed" pitchFamily="2" charset="0"/>
+                <a:cs typeface="Dazzed" pitchFamily="2" charset="0"/>
+              </a:rPr>
+              <a:t> </a:t>
+            </a:r>
+            <a:r>
+              <a:rPr lang="en-US" sz="1800" dirty="0">
+                <a:solidFill>
+                  <a:srgbClr val="808080"/>
+                </a:solidFill>
+                <a:latin typeface="Dazzed" pitchFamily="2" charset="0"/>
+                <a:cs typeface="Dazzed" pitchFamily="2" charset="0"/>
+              </a:rPr>
+              <a:t>(</a:t>
+            </a:r>
+            <a:r>
+              <a:rPr lang="en-US" sz="1800" dirty="0">
+                <a:solidFill>
+                  <a:srgbClr val="000000"/>
+                </a:solidFill>
+                <a:latin typeface="Dazzed" pitchFamily="2" charset="0"/>
+                <a:cs typeface="Dazzed" pitchFamily="2" charset="0"/>
+              </a:rPr>
+              <a:t> </a:t>
+            </a:r>
+            <a:r>
+              <a:rPr lang="en-US" sz="1800" dirty="0">
+                <a:solidFill>
+                  <a:srgbClr val="FF0000"/>
+                </a:solidFill>
+                <a:latin typeface="Dazzed" pitchFamily="2" charset="0"/>
+                <a:cs typeface="Dazzed" pitchFamily="2" charset="0"/>
+              </a:rPr>
+              <a:t>'GB_LITHOLOGY'</a:t>
+            </a:r>
+            <a:r>
+              <a:rPr lang="en-US" sz="1800" dirty="0">
+                <a:solidFill>
+                  <a:srgbClr val="000000"/>
+                </a:solidFill>
+                <a:latin typeface="Dazzed" pitchFamily="2" charset="0"/>
+                <a:cs typeface="Dazzed" pitchFamily="2" charset="0"/>
+              </a:rPr>
+              <a:t> </a:t>
+            </a:r>
+            <a:r>
+              <a:rPr lang="en-US" sz="1800" dirty="0">
+                <a:solidFill>
+                  <a:srgbClr val="808080"/>
+                </a:solidFill>
+                <a:latin typeface="Dazzed" pitchFamily="2" charset="0"/>
+                <a:cs typeface="Dazzed" pitchFamily="2" charset="0"/>
+              </a:rPr>
+              <a:t>,</a:t>
+            </a:r>
+            <a:r>
+              <a:rPr lang="en-US" sz="1800" dirty="0">
+                <a:solidFill>
+                  <a:srgbClr val="000000"/>
+                </a:solidFill>
+                <a:latin typeface="Dazzed" pitchFamily="2" charset="0"/>
+                <a:cs typeface="Dazzed" pitchFamily="2" charset="0"/>
+              </a:rPr>
+              <a:t> </a:t>
+            </a:r>
+            <a:r>
+              <a:rPr lang="en-US" sz="1800" dirty="0">
+                <a:solidFill>
+                  <a:srgbClr val="FF0000"/>
+                </a:solidFill>
+                <a:latin typeface="Dazzed" pitchFamily="2" charset="0"/>
+                <a:cs typeface="Dazzed" pitchFamily="2" charset="0"/>
+              </a:rPr>
+              <a:t>'LITH1'</a:t>
+            </a:r>
+            <a:r>
+              <a:rPr lang="en-US" sz="1800" dirty="0">
+                <a:solidFill>
+                  <a:srgbClr val="000000"/>
+                </a:solidFill>
+                <a:latin typeface="Dazzed" pitchFamily="2" charset="0"/>
+                <a:cs typeface="Dazzed" pitchFamily="2" charset="0"/>
+              </a:rPr>
+              <a:t> </a:t>
+            </a:r>
+            <a:r>
+              <a:rPr lang="en-US" sz="1800" dirty="0">
+                <a:solidFill>
+                  <a:srgbClr val="808080"/>
+                </a:solidFill>
+                <a:latin typeface="Dazzed" pitchFamily="2" charset="0"/>
+                <a:cs typeface="Dazzed" pitchFamily="2" charset="0"/>
+              </a:rPr>
+              <a:t>,</a:t>
+            </a:r>
+            <a:r>
+              <a:rPr lang="en-US" sz="1800" dirty="0">
+                <a:solidFill>
+                  <a:srgbClr val="000000"/>
+                </a:solidFill>
+                <a:latin typeface="Dazzed" pitchFamily="2" charset="0"/>
+                <a:cs typeface="Dazzed" pitchFamily="2" charset="0"/>
+              </a:rPr>
+              <a:t> </a:t>
+            </a:r>
+            <a:r>
+              <a:rPr lang="en-US" sz="1800" dirty="0">
+                <a:solidFill>
+                  <a:srgbClr val="FF0000"/>
+                </a:solidFill>
+                <a:latin typeface="Dazzed" pitchFamily="2" charset="0"/>
+                <a:cs typeface="Dazzed" pitchFamily="2" charset="0"/>
+              </a:rPr>
+              <a:t>'DEFAULT'</a:t>
+            </a:r>
+            <a:r>
+              <a:rPr lang="en-US" sz="1800" dirty="0">
+                <a:solidFill>
+                  <a:srgbClr val="000000"/>
+                </a:solidFill>
+                <a:latin typeface="Dazzed" pitchFamily="2" charset="0"/>
+                <a:cs typeface="Dazzed" pitchFamily="2" charset="0"/>
+              </a:rPr>
+              <a:t> </a:t>
+            </a:r>
+            <a:r>
+              <a:rPr lang="en-US" sz="1800" dirty="0">
+                <a:solidFill>
+                  <a:srgbClr val="808080"/>
+                </a:solidFill>
+                <a:latin typeface="Dazzed" pitchFamily="2" charset="0"/>
+                <a:cs typeface="Dazzed" pitchFamily="2" charset="0"/>
+              </a:rPr>
+              <a:t>)</a:t>
+            </a:r>
+          </a:p>
+          <a:p>
+            <a:r>
+              <a:rPr lang="ru-RU" sz="2000" dirty="0">
+                <a:cs typeface="Dazzed" pitchFamily="2" charset="0"/>
+              </a:rPr>
+              <a:t>Для выбора данных используя текущее значение первичного ключа в родительской таблице используйте </a:t>
+            </a:r>
+            <a:r>
+              <a:rPr lang="en-US" sz="2000" dirty="0">
+                <a:cs typeface="Dazzed" pitchFamily="2" charset="0"/>
+              </a:rPr>
+              <a:t>:[</a:t>
+            </a:r>
+            <a:r>
+              <a:rPr lang="ru-RU" sz="2000" dirty="0">
+                <a:cs typeface="Dazzed" pitchFamily="2" charset="0"/>
+              </a:rPr>
+              <a:t>Наименование колонки</a:t>
+            </a:r>
+            <a:r>
+              <a:rPr lang="en-US" sz="2000" dirty="0">
+                <a:cs typeface="Dazzed" pitchFamily="2" charset="0"/>
+              </a:rPr>
+              <a:t>]</a:t>
+            </a:r>
+            <a:endParaRPr lang="ru-RU" sz="2000" dirty="0">
+              <a:cs typeface="Dazzed" pitchFamily="2" charset="0"/>
+            </a:endParaRPr>
+          </a:p>
+          <a:p>
+            <a:r>
+              <a:rPr lang="ru-RU" sz="2000" dirty="0">
+                <a:cs typeface="Dazzed" pitchFamily="2" charset="0"/>
+              </a:rPr>
+              <a:t>Например, </a:t>
+            </a:r>
+            <a:br>
+              <a:rPr lang="ru-RU" sz="2000" dirty="0">
+                <a:cs typeface="Dazzed" pitchFamily="2" charset="0"/>
+              </a:rPr>
+            </a:br>
+            <a:br>
+              <a:rPr lang="ru-RU" sz="2000" dirty="0">
+                <a:cs typeface="Dazzed" pitchFamily="2" charset="0"/>
+              </a:rPr>
+            </a:br>
+            <a:r>
+              <a:rPr lang="en-US" sz="1800" dirty="0">
+                <a:solidFill>
+                  <a:srgbClr val="000000"/>
+                </a:solidFill>
+                <a:latin typeface="Dazzed" pitchFamily="2" charset="0"/>
+                <a:cs typeface="Dazzed" pitchFamily="2" charset="0"/>
+              </a:rPr>
+              <a:t> </a:t>
+            </a:r>
+            <a:r>
+              <a:rPr lang="en-US" sz="1800" dirty="0">
+                <a:solidFill>
+                  <a:srgbClr val="0000FF"/>
+                </a:solidFill>
+                <a:latin typeface="Dazzed" pitchFamily="2" charset="0"/>
+                <a:cs typeface="Dazzed" pitchFamily="2" charset="0"/>
+              </a:rPr>
+              <a:t>SELECT</a:t>
+            </a:r>
+            <a:r>
+              <a:rPr lang="en-US" sz="1800" dirty="0">
+                <a:solidFill>
+                  <a:srgbClr val="000000"/>
+                </a:solidFill>
+                <a:latin typeface="Dazzed" pitchFamily="2" charset="0"/>
+                <a:cs typeface="Dazzed" pitchFamily="2" charset="0"/>
+              </a:rPr>
+              <a:t> </a:t>
+            </a:r>
+            <a:r>
+              <a:rPr lang="en-US" sz="1800" dirty="0">
+                <a:solidFill>
+                  <a:srgbClr val="808080"/>
+                </a:solidFill>
+                <a:latin typeface="Dazzed" pitchFamily="2" charset="0"/>
+                <a:cs typeface="Dazzed" pitchFamily="2" charset="0"/>
+              </a:rPr>
+              <a:t>*</a:t>
+            </a:r>
+            <a:r>
+              <a:rPr lang="en-US" sz="1800" dirty="0">
+                <a:solidFill>
+                  <a:srgbClr val="000000"/>
+                </a:solidFill>
+                <a:latin typeface="Dazzed" pitchFamily="2" charset="0"/>
+                <a:cs typeface="Dazzed" pitchFamily="2" charset="0"/>
+              </a:rPr>
+              <a:t> </a:t>
+            </a:r>
+            <a:r>
+              <a:rPr lang="en-US" sz="1800" dirty="0">
+                <a:solidFill>
+                  <a:srgbClr val="0000FF"/>
+                </a:solidFill>
+                <a:latin typeface="Dazzed" pitchFamily="2" charset="0"/>
+                <a:cs typeface="Dazzed" pitchFamily="2" charset="0"/>
+              </a:rPr>
+              <a:t>FROM</a:t>
+            </a:r>
+            <a:r>
+              <a:rPr lang="en-US" sz="1800" dirty="0">
+                <a:solidFill>
+                  <a:srgbClr val="000000"/>
+                </a:solidFill>
+                <a:latin typeface="Dazzed" pitchFamily="2" charset="0"/>
+                <a:cs typeface="Dazzed" pitchFamily="2" charset="0"/>
+              </a:rPr>
+              <a:t> GB_LITHOLOGY </a:t>
+            </a:r>
+            <a:r>
+              <a:rPr lang="en-US" sz="1800" dirty="0">
+                <a:solidFill>
+                  <a:srgbClr val="0000FF"/>
+                </a:solidFill>
+                <a:latin typeface="Dazzed" pitchFamily="2" charset="0"/>
+                <a:cs typeface="Dazzed" pitchFamily="2" charset="0"/>
+              </a:rPr>
+              <a:t>WHERE</a:t>
+            </a:r>
+            <a:r>
+              <a:rPr lang="en-US" sz="1800" dirty="0">
+                <a:solidFill>
+                  <a:srgbClr val="000000"/>
+                </a:solidFill>
+                <a:latin typeface="Dazzed" pitchFamily="2" charset="0"/>
+                <a:cs typeface="Dazzed" pitchFamily="2" charset="0"/>
+              </a:rPr>
+              <a:t> PROJECT</a:t>
+            </a:r>
+            <a:r>
+              <a:rPr lang="en-US" sz="1800" dirty="0">
+                <a:solidFill>
+                  <a:srgbClr val="808080"/>
+                </a:solidFill>
+                <a:latin typeface="Dazzed" pitchFamily="2" charset="0"/>
+                <a:cs typeface="Dazzed" pitchFamily="2" charset="0"/>
+              </a:rPr>
+              <a:t>=:</a:t>
+            </a:r>
+            <a:r>
+              <a:rPr lang="en-US" sz="1800" dirty="0">
+                <a:solidFill>
+                  <a:srgbClr val="000000"/>
+                </a:solidFill>
+                <a:latin typeface="Dazzed" pitchFamily="2" charset="0"/>
+                <a:cs typeface="Dazzed" pitchFamily="2" charset="0"/>
+              </a:rPr>
+              <a:t>PROJECT </a:t>
+            </a:r>
+            <a:r>
+              <a:rPr lang="en-US" sz="1800" dirty="0">
+                <a:solidFill>
+                  <a:srgbClr val="808080"/>
+                </a:solidFill>
+                <a:latin typeface="Dazzed" pitchFamily="2" charset="0"/>
+                <a:cs typeface="Dazzed" pitchFamily="2" charset="0"/>
+              </a:rPr>
+              <a:t>AND</a:t>
+            </a:r>
+            <a:r>
+              <a:rPr lang="en-US" sz="1800" dirty="0">
+                <a:solidFill>
+                  <a:srgbClr val="000000"/>
+                </a:solidFill>
+                <a:latin typeface="Dazzed" pitchFamily="2" charset="0"/>
+                <a:cs typeface="Dazzed" pitchFamily="2" charset="0"/>
+              </a:rPr>
+              <a:t> SITE_ID</a:t>
+            </a:r>
+            <a:r>
+              <a:rPr lang="en-US" sz="1800" dirty="0">
+                <a:solidFill>
+                  <a:srgbClr val="808080"/>
+                </a:solidFill>
+                <a:latin typeface="Dazzed" pitchFamily="2" charset="0"/>
+                <a:cs typeface="Dazzed" pitchFamily="2" charset="0"/>
+              </a:rPr>
+              <a:t>=:</a:t>
+            </a:r>
+            <a:r>
+              <a:rPr lang="en-US" sz="1800" dirty="0">
+                <a:solidFill>
+                  <a:srgbClr val="000000"/>
+                </a:solidFill>
+                <a:latin typeface="Dazzed" pitchFamily="2" charset="0"/>
+                <a:cs typeface="Dazzed" pitchFamily="2" charset="0"/>
+              </a:rPr>
+              <a:t>SITE_ID </a:t>
+            </a:r>
+            <a:r>
+              <a:rPr lang="en-US" sz="1800" dirty="0">
+                <a:solidFill>
+                  <a:srgbClr val="0000FF"/>
+                </a:solidFill>
+                <a:latin typeface="Dazzed" pitchFamily="2" charset="0"/>
+                <a:cs typeface="Dazzed" pitchFamily="2" charset="0"/>
+              </a:rPr>
+              <a:t>ORDER</a:t>
+            </a:r>
+            <a:r>
+              <a:rPr lang="en-US" sz="1800" dirty="0">
+                <a:solidFill>
+                  <a:srgbClr val="000000"/>
+                </a:solidFill>
+                <a:latin typeface="Dazzed" pitchFamily="2" charset="0"/>
+                <a:cs typeface="Dazzed" pitchFamily="2" charset="0"/>
+              </a:rPr>
+              <a:t> </a:t>
+            </a:r>
+            <a:r>
+              <a:rPr lang="en-US" sz="1800" dirty="0">
+                <a:solidFill>
+                  <a:srgbClr val="0000FF"/>
+                </a:solidFill>
+                <a:latin typeface="Dazzed" pitchFamily="2" charset="0"/>
+                <a:cs typeface="Dazzed" pitchFamily="2" charset="0"/>
+              </a:rPr>
+              <a:t>BY</a:t>
+            </a:r>
+            <a:r>
+              <a:rPr lang="en-US" sz="1800" dirty="0">
+                <a:solidFill>
+                  <a:srgbClr val="000000"/>
+                </a:solidFill>
+                <a:latin typeface="Dazzed" pitchFamily="2" charset="0"/>
+                <a:cs typeface="Dazzed" pitchFamily="2" charset="0"/>
+              </a:rPr>
+              <a:t> DEPTH_FROM</a:t>
+            </a:r>
+          </a:p>
+          <a:p>
+            <a:r>
+              <a:rPr lang="ru-RU" sz="2000" dirty="0">
+                <a:cs typeface="Dazzed" pitchFamily="2" charset="0"/>
+              </a:rPr>
+              <a:t>Используйте </a:t>
+            </a:r>
+            <a:r>
+              <a:rPr lang="en-US" sz="2000" dirty="0">
+                <a:cs typeface="Dazzed" pitchFamily="2" charset="0"/>
+              </a:rPr>
+              <a:t>?[</a:t>
+            </a:r>
+            <a:r>
+              <a:rPr lang="ru-RU" sz="2000" dirty="0">
+                <a:cs typeface="Dazzed" pitchFamily="2" charset="0"/>
+              </a:rPr>
+              <a:t>Имя переменной</a:t>
+            </a:r>
+            <a:r>
+              <a:rPr lang="en-US" sz="2000" dirty="0">
+                <a:cs typeface="Dazzed" pitchFamily="2" charset="0"/>
+              </a:rPr>
+              <a:t>]?</a:t>
+            </a:r>
+            <a:r>
+              <a:rPr lang="ru-RU" sz="2000" dirty="0">
+                <a:cs typeface="Dazzed" pitchFamily="2" charset="0"/>
+              </a:rPr>
+              <a:t> для доступа к значению подстановочной переменной</a:t>
+            </a:r>
+            <a:endParaRPr lang="en-US" sz="2000" dirty="0">
+              <a:cs typeface="Dazzed" pitchFamily="2" charset="0"/>
+            </a:endParaRPr>
+          </a:p>
+          <a:p>
+            <a:endParaRPr lang="en-US" sz="2000" dirty="0">
+              <a:cs typeface="Dazzed" pitchFamily="2" charset="0"/>
+            </a:endParaRPr>
+          </a:p>
+          <a:p>
+            <a:endParaRPr lang="ru-RU" sz="2000" dirty="0">
+              <a:cs typeface="Dazzed" pitchFamily="2" charset="0"/>
+            </a:endParaRPr>
+          </a:p>
+        </p:txBody>
+      </p:sp>
+      <p:sp>
+        <p:nvSpPr>
+          <p:cNvPr id="4" name="Заголовок 3">
+            <a:extLst>
+              <a:ext uri="{FF2B5EF4-FFF2-40B4-BE49-F238E27FC236}">
+                <a16:creationId xmlns:a16="http://schemas.microsoft.com/office/drawing/2014/main" id="{E266DADE-E403-93A7-9C91-EC90DFF4BFB6}"/>
+              </a:ext>
+            </a:extLst>
+          </p:cNvPr>
+          <p:cNvSpPr>
+            <a:spLocks noGrp="1"/>
+          </p:cNvSpPr>
+          <p:nvPr>
+            <p:ph type="ctrTitle"/>
+          </p:nvPr>
+        </p:nvSpPr>
+        <p:spPr/>
+        <p:txBody>
+          <a:bodyPr>
+            <a:normAutofit/>
+          </a:bodyPr>
+          <a:lstStyle/>
+          <a:p>
+            <a:r>
+              <a:rPr lang="ru-RU" sz="4400" dirty="0"/>
+              <a:t>Некоторые факты</a:t>
+            </a:r>
+          </a:p>
+        </p:txBody>
+      </p:sp>
+      <p:sp>
+        <p:nvSpPr>
+          <p:cNvPr id="5" name="Подзаголовок 4">
+            <a:extLst>
+              <a:ext uri="{FF2B5EF4-FFF2-40B4-BE49-F238E27FC236}">
+                <a16:creationId xmlns:a16="http://schemas.microsoft.com/office/drawing/2014/main" id="{D500FBA7-DD69-5A2E-64C7-8848107954F4}"/>
+              </a:ext>
+            </a:extLst>
+          </p:cNvPr>
+          <p:cNvSpPr>
+            <a:spLocks noGrp="1"/>
+          </p:cNvSpPr>
+          <p:nvPr>
+            <p:ph type="subTitle" idx="1"/>
           </p:nvPr>
         </p:nvSpPr>
         <p:spPr/>
@@ -4313,77 +9020,14 @@
           <a:bodyPr/>
           <a:lstStyle/>
           <a:p>
-            <a:r>
-              <a:rPr lang="ru-RU" dirty="0"/>
-              <a:t>Используя существующее представление </a:t>
-            </a:r>
-            <a:r>
-              <a:rPr lang="en-US" dirty="0"/>
-              <a:t>“</a:t>
-            </a:r>
-            <a:r>
-              <a:rPr lang="ru-RU" dirty="0"/>
-              <a:t>Редактирование проб</a:t>
-            </a:r>
-            <a:r>
-              <a:rPr lang="en-US" dirty="0"/>
-              <a:t>” </a:t>
-            </a:r>
-            <a:r>
-              <a:rPr lang="ru-RU" dirty="0"/>
-              <a:t>добавьте вкладку Литология</a:t>
-            </a:r>
-          </a:p>
-          <a:p>
-            <a:pPr lvl="1"/>
-            <a:r>
-              <a:rPr lang="ru-RU" dirty="0"/>
-              <a:t>Создайте соответствующий </a:t>
-            </a:r>
-            <a:r>
-              <a:rPr lang="en-US" dirty="0"/>
-              <a:t>SQL </a:t>
-            </a:r>
-            <a:r>
-              <a:rPr lang="ru-RU" dirty="0"/>
-              <a:t>запрос</a:t>
-            </a:r>
-          </a:p>
-          <a:p>
-            <a:pPr lvl="1"/>
-            <a:r>
-              <a:rPr lang="ru-RU" dirty="0"/>
-              <a:t>Добавьте таблицу в представление</a:t>
-            </a:r>
-          </a:p>
-          <a:p>
-            <a:pPr lvl="1"/>
-            <a:r>
-              <a:rPr lang="ru-RU" dirty="0"/>
-              <a:t>Укажите обязательные колонки</a:t>
-            </a:r>
-          </a:p>
-          <a:p>
-            <a:pPr lvl="1"/>
-            <a:r>
-              <a:rPr lang="ru-RU" dirty="0"/>
-              <a:t>Укажите </a:t>
-            </a:r>
-            <a:r>
-              <a:rPr lang="en-US" dirty="0"/>
-              <a:t>SQL </a:t>
-            </a:r>
-            <a:r>
-              <a:rPr lang="ru-RU" dirty="0"/>
-              <a:t>запросы для колонок со справочными данными</a:t>
-            </a:r>
+            <a:endParaRPr lang="ru-RU"/>
           </a:p>
         </p:txBody>
       </p:sp>
     </p:spTree>
     <p:extLst>
       <p:ext uri="{BB962C8B-B14F-4D97-AF65-F5344CB8AC3E}">
-        <p14:creationId xmlns:p14="http://schemas.microsoft.com/office/powerpoint/2010/main" val="2377177716"/>
+        <p14:creationId xmlns:p14="http://schemas.microsoft.com/office/powerpoint/2010/main" val="3915728715"/>
       </p:ext>
     </p:extLst>
   </p:cSld>
@@ -4412,18 +9056,18 @@
       </p:grpSpPr>
       <p:sp>
         <p:nvSpPr>
-          <p:cNvPr id="2" name="Заголовок 1">
-            <a:extLst>
-              <a:ext uri="{FF2B5EF4-FFF2-40B4-BE49-F238E27FC236}">
-                <a16:creationId xmlns:a16="http://schemas.microsoft.com/office/drawing/2014/main" id="{796E2CA1-05FD-470F-45EE-10DBF01B9B25}"/>
-              </a:ext>
-            </a:extLst>
-          </p:cNvPr>
-          <p:cNvSpPr>
-            <a:spLocks noGrp="1"/>
-          </p:cNvSpPr>
-          <p:nvPr>
-            <p:ph type="title"/>
+          <p:cNvPr id="8" name="Текст 7">
+            <a:extLst>
+              <a:ext uri="{FF2B5EF4-FFF2-40B4-BE49-F238E27FC236}">
+                <a16:creationId xmlns:a16="http://schemas.microsoft.com/office/drawing/2014/main" id="{C954768A-977D-3787-99A5-64AE698E584A}"/>
+              </a:ext>
+            </a:extLst>
+          </p:cNvPr>
+          <p:cNvSpPr>
+            <a:spLocks noGrp="1"/>
+          </p:cNvSpPr>
+          <p:nvPr>
+            <p:ph type="body" idx="16"/>
           </p:nvPr>
         </p:nvSpPr>
         <p:spPr/>
@@ -4431,46 +9075,195 @@
           <a:bodyPr/>
           <a:lstStyle/>
           <a:p>
-            <a:r>
-              <a:rPr lang="ru-RU" dirty="0"/>
-              <a:t>Демонстрация – создание отчёта по пробам</a:t>
-            </a:r>
-          </a:p>
-        </p:txBody>
-      </p:sp>
-      <p:pic>
-        <p:nvPicPr>
-          <p:cNvPr id="5" name="Объект 4">
-            <a:extLst>
-              <a:ext uri="{FF2B5EF4-FFF2-40B4-BE49-F238E27FC236}">
-                <a16:creationId xmlns:a16="http://schemas.microsoft.com/office/drawing/2014/main" id="{3515472B-1226-71B7-37ED-9002013F23B9}"/>
-              </a:ext>
-            </a:extLst>
-          </p:cNvPr>
-          <p:cNvPicPr>
-            <a:picLocks noGrp="1" noChangeAspect="1"/>
-          </p:cNvPicPr>
-          <p:nvPr>
-            <p:ph idx="1"/>
-          </p:nvPr>
-        </p:nvPicPr>
-        <p:blipFill>
-          <a:blip r:embed="rId2"/>
-          <a:stretch>
-            <a:fillRect/>
-          </a:stretch>
-        </p:blipFill>
-        <p:spPr>
-          <a:xfrm>
-            <a:off x="2228144" y="1825625"/>
-            <a:ext cx="7735712" cy="4351338"/>
-          </a:xfrm>
-        </p:spPr>
-      </p:pic>
+            <a:endParaRPr lang="ru-RU"/>
+          </a:p>
+        </p:txBody>
+      </p:sp>
+      <p:sp>
+        <p:nvSpPr>
+          <p:cNvPr id="9" name="Текст 8">
+            <a:extLst>
+              <a:ext uri="{FF2B5EF4-FFF2-40B4-BE49-F238E27FC236}">
+                <a16:creationId xmlns:a16="http://schemas.microsoft.com/office/drawing/2014/main" id="{8D446A56-9BA4-2FE0-6FDF-0D92C6565143}"/>
+              </a:ext>
+            </a:extLst>
+          </p:cNvPr>
+          <p:cNvSpPr>
+            <a:spLocks noGrp="1"/>
+          </p:cNvSpPr>
+          <p:nvPr>
+            <p:ph type="body" sz="quarter" idx="18"/>
+          </p:nvPr>
+        </p:nvSpPr>
+        <p:spPr/>
+        <p:txBody>
+          <a:bodyPr>
+            <a:normAutofit/>
+          </a:bodyPr>
+          <a:lstStyle/>
+          <a:p>
+            <a:r>
+              <a:rPr lang="ru-RU" sz="2000" dirty="0"/>
+              <a:t>Используя существующее представление </a:t>
+            </a:r>
+            <a:r>
+              <a:rPr lang="en-US" sz="2000" dirty="0"/>
+              <a:t>“</a:t>
+            </a:r>
+            <a:r>
+              <a:rPr lang="ru-RU" sz="2000" dirty="0"/>
+              <a:t>Редактирование проб</a:t>
+            </a:r>
+            <a:r>
+              <a:rPr lang="en-US" sz="2000" dirty="0"/>
+              <a:t>” </a:t>
+            </a:r>
+            <a:r>
+              <a:rPr lang="ru-RU" sz="2000" dirty="0"/>
+              <a:t>добавьте вкладку </a:t>
+            </a:r>
+            <a:r>
+              <a:rPr lang="en-US" sz="2000" dirty="0"/>
+              <a:t>“</a:t>
+            </a:r>
+            <a:r>
+              <a:rPr lang="ru-RU" sz="2000" dirty="0"/>
+              <a:t>Литология</a:t>
+            </a:r>
+            <a:r>
+              <a:rPr lang="en-US" sz="2000" dirty="0"/>
+              <a:t>”</a:t>
+            </a:r>
+            <a:endParaRPr lang="ru-RU" sz="2000" dirty="0"/>
+          </a:p>
+          <a:p>
+            <a:pPr lvl="1"/>
+            <a:r>
+              <a:rPr lang="ru-RU" sz="2000" dirty="0"/>
+              <a:t>Создайте соответствующий </a:t>
+            </a:r>
+            <a:r>
+              <a:rPr lang="en-US" sz="2000" dirty="0"/>
+              <a:t>SQL </a:t>
+            </a:r>
+            <a:r>
+              <a:rPr lang="ru-RU" sz="2000" dirty="0"/>
+              <a:t>запрос </a:t>
+            </a:r>
+            <a:r>
+              <a:rPr lang="en-US" sz="2000" dirty="0"/>
+              <a:t>(</a:t>
+            </a:r>
+            <a:r>
+              <a:rPr lang="ru-RU" sz="2000" dirty="0"/>
+              <a:t>см. таблицу </a:t>
+            </a:r>
+            <a:r>
+              <a:rPr lang="en-US" sz="2000" dirty="0"/>
+              <a:t>GB_LITHILOGY</a:t>
+            </a:r>
+            <a:r>
+              <a:rPr lang="ru-RU" sz="2000" dirty="0"/>
+              <a:t>)</a:t>
+            </a:r>
+            <a:endParaRPr lang="en-US" sz="2000" dirty="0"/>
+          </a:p>
+          <a:p>
+            <a:pPr lvl="2"/>
+            <a:r>
+              <a:rPr lang="ru-RU" sz="1600" dirty="0"/>
+              <a:t>Протестировать запрос можно в редакторе запросов, либо используя </a:t>
+            </a:r>
+            <a:r>
+              <a:rPr lang="en-US" sz="1600" dirty="0"/>
+              <a:t>SSMS</a:t>
+            </a:r>
+            <a:endParaRPr lang="ru-RU" sz="1600" dirty="0"/>
+          </a:p>
+          <a:p>
+            <a:pPr lvl="1"/>
+            <a:r>
+              <a:rPr lang="ru-RU" sz="2000" dirty="0"/>
+              <a:t>Добавьте таблицу в представление</a:t>
+            </a:r>
+          </a:p>
+          <a:p>
+            <a:pPr lvl="1"/>
+            <a:r>
+              <a:rPr lang="ru-RU" sz="2000" dirty="0"/>
+              <a:t>Укажите обязательные колонки</a:t>
+            </a:r>
+          </a:p>
+          <a:p>
+            <a:pPr lvl="1"/>
+            <a:r>
+              <a:rPr lang="ru-RU" sz="2000" dirty="0"/>
+              <a:t>Укажите </a:t>
+            </a:r>
+            <a:r>
+              <a:rPr lang="en-US" sz="2000" dirty="0"/>
+              <a:t>SQL </a:t>
+            </a:r>
+            <a:r>
+              <a:rPr lang="ru-RU" sz="2000" dirty="0"/>
+              <a:t>запросы для колонок со справочными данными</a:t>
+            </a:r>
+          </a:p>
+          <a:p>
+            <a:r>
+              <a:rPr lang="ru-RU" sz="2200" dirty="0"/>
+              <a:t>В качестве примера можете использовать представление </a:t>
+            </a:r>
+            <a:r>
+              <a:rPr lang="en-US" sz="2200" dirty="0"/>
+              <a:t>Edit All Drillhole Data </a:t>
+            </a:r>
+            <a:r>
+              <a:rPr lang="ru-RU" sz="2200" dirty="0"/>
+              <a:t>в разделе Представления</a:t>
+            </a:r>
+            <a:r>
+              <a:rPr lang="en-US" sz="2200" dirty="0"/>
+              <a:t>/Optional Views</a:t>
+            </a:r>
+            <a:endParaRPr lang="ru-RU" sz="2200" dirty="0"/>
+          </a:p>
+        </p:txBody>
+      </p:sp>
+      <p:sp>
+        <p:nvSpPr>
+          <p:cNvPr id="2" name="Заголовок 1">
+            <a:extLst>
+              <a:ext uri="{FF2B5EF4-FFF2-40B4-BE49-F238E27FC236}">
+                <a16:creationId xmlns:a16="http://schemas.microsoft.com/office/drawing/2014/main" id="{AC4D1C91-FF69-D444-31C7-784A22418C71}"/>
+              </a:ext>
+            </a:extLst>
+          </p:cNvPr>
+          <p:cNvSpPr>
+            <a:spLocks noGrp="1"/>
+          </p:cNvSpPr>
+          <p:nvPr>
+            <p:ph type="ctrTitle"/>
+          </p:nvPr>
+        </p:nvSpPr>
+        <p:spPr/>
+        <p:txBody>
+          <a:bodyPr>
+            <a:normAutofit/>
+          </a:bodyPr>
+          <a:lstStyle/>
+          <a:p>
+            <a:r>
+              <a:rPr lang="ru-RU" sz="4400" dirty="0"/>
+              <a:t>Упражнение</a:t>
+            </a:r>
+          </a:p>
+        </p:txBody>
+      </p:sp>
     </p:spTree>
     <p:extLst>
       <p:ext uri="{BB962C8B-B14F-4D97-AF65-F5344CB8AC3E}">
-        <p14:creationId xmlns:p14="http://schemas.microsoft.com/office/powerpoint/2010/main" val="1232703335"/>
+        <p14:creationId xmlns:p14="http://schemas.microsoft.com/office/powerpoint/2010/main" val="2851513826"/>
       </p:ext>
     </p:extLst>
   </p:cSld>
@@ -4499,18 +9292,18 @@
       </p:grpSpPr>
       <p:sp>
         <p:nvSpPr>
-          <p:cNvPr id="2" name="Заголовок 1">
-            <a:extLst>
-              <a:ext uri="{FF2B5EF4-FFF2-40B4-BE49-F238E27FC236}">
-                <a16:creationId xmlns:a16="http://schemas.microsoft.com/office/drawing/2014/main" id="{65647690-7147-143D-7CA0-1BF5B2167331}"/>
-              </a:ext>
-            </a:extLst>
-          </p:cNvPr>
-          <p:cNvSpPr>
-            <a:spLocks noGrp="1"/>
-          </p:cNvSpPr>
-          <p:nvPr>
-            <p:ph type="title"/>
+          <p:cNvPr id="8" name="Текст 7">
+            <a:extLst>
+              <a:ext uri="{FF2B5EF4-FFF2-40B4-BE49-F238E27FC236}">
+                <a16:creationId xmlns:a16="http://schemas.microsoft.com/office/drawing/2014/main" id="{C954768A-977D-3787-99A5-64AE698E584A}"/>
+              </a:ext>
+            </a:extLst>
+          </p:cNvPr>
+          <p:cNvSpPr>
+            <a:spLocks noGrp="1"/>
+          </p:cNvSpPr>
+          <p:nvPr>
+            <p:ph type="body" idx="16"/>
           </p:nvPr>
         </p:nvSpPr>
         <p:spPr/>
@@ -4518,41 +9311,83 @@
           <a:bodyPr/>
           <a:lstStyle/>
           <a:p>
-            <a:r>
-              <a:rPr lang="ru-RU" dirty="0"/>
-              <a:t>Демонстрация – создание отчета </a:t>
-            </a:r>
-            <a:r>
-              <a:rPr lang="en-US" dirty="0"/>
-              <a:t>“</a:t>
-            </a:r>
-            <a:r>
-              <a:rPr lang="ru-RU" dirty="0"/>
-              <a:t>Проведенные буровые работы</a:t>
-            </a:r>
-            <a:r>
-              <a:rPr lang="en-US" dirty="0"/>
-              <a:t>”</a:t>
-            </a:r>
-            <a:endParaRPr lang="ru-RU" dirty="0"/>
+            <a:endParaRPr lang="ru-RU"/>
+          </a:p>
+        </p:txBody>
+      </p:sp>
+      <p:sp>
+        <p:nvSpPr>
+          <p:cNvPr id="9" name="Текст 8">
+            <a:extLst>
+              <a:ext uri="{FF2B5EF4-FFF2-40B4-BE49-F238E27FC236}">
+                <a16:creationId xmlns:a16="http://schemas.microsoft.com/office/drawing/2014/main" id="{8D446A56-9BA4-2FE0-6FDF-0D92C6565143}"/>
+              </a:ext>
+            </a:extLst>
+          </p:cNvPr>
+          <p:cNvSpPr>
+            <a:spLocks noGrp="1"/>
+          </p:cNvSpPr>
+          <p:nvPr>
+            <p:ph type="body" sz="quarter" idx="18"/>
+          </p:nvPr>
+        </p:nvSpPr>
+        <p:spPr/>
+        <p:txBody>
+          <a:bodyPr>
+            <a:normAutofit/>
+          </a:bodyPr>
+          <a:lstStyle/>
+          <a:p>
+            <a:pPr marL="0" indent="0">
+              <a:buNone/>
+            </a:pPr>
+            <a:endParaRPr lang="ru-RU" sz="2000" dirty="0"/>
+          </a:p>
+        </p:txBody>
+      </p:sp>
+      <p:sp>
+        <p:nvSpPr>
+          <p:cNvPr id="2" name="Заголовок 1">
+            <a:extLst>
+              <a:ext uri="{FF2B5EF4-FFF2-40B4-BE49-F238E27FC236}">
+                <a16:creationId xmlns:a16="http://schemas.microsoft.com/office/drawing/2014/main" id="{AC4D1C91-FF69-D444-31C7-784A22418C71}"/>
+              </a:ext>
+            </a:extLst>
+          </p:cNvPr>
+          <p:cNvSpPr>
+            <a:spLocks noGrp="1"/>
+          </p:cNvSpPr>
+          <p:nvPr>
+            <p:ph type="ctrTitle"/>
+          </p:nvPr>
+        </p:nvSpPr>
+        <p:spPr/>
+        <p:txBody>
+          <a:bodyPr>
+            <a:normAutofit/>
+          </a:bodyPr>
+          <a:lstStyle/>
+          <a:p>
+            <a:r>
+              <a:rPr lang="ru-RU" sz="4400" dirty="0"/>
+              <a:t>Демонстрация – создание отчёта по пробам</a:t>
+            </a:r>
           </a:p>
         </p:txBody>
       </p:sp>
       <p:pic>
         <p:nvPicPr>
-          <p:cNvPr id="5" name="Объект 4">
-            <a:extLst>
-              <a:ext uri="{FF2B5EF4-FFF2-40B4-BE49-F238E27FC236}">
-                <a16:creationId xmlns:a16="http://schemas.microsoft.com/office/drawing/2014/main" id="{FD0176E1-3E9C-FFB0-ADCE-8599A994C986}"/>
+          <p:cNvPr id="4" name="Объект 4">
+            <a:extLst>
+              <a:ext uri="{FF2B5EF4-FFF2-40B4-BE49-F238E27FC236}">
+                <a16:creationId xmlns:a16="http://schemas.microsoft.com/office/drawing/2014/main" id="{3D6C40E9-414E-D49C-773C-7DAF50350E51}"/>
               </a:ext>
             </a:extLst>
           </p:cNvPr>
           <p:cNvPicPr>
-            <a:picLocks noGrp="1" noChangeAspect="1"/>
+            <a:picLocks noChangeAspect="1"/>
           </p:cNvPicPr>
-          <p:nvPr>
-            <p:ph idx="1"/>
-          </p:nvPr>
+          <p:nvPr/>
         </p:nvPicPr>
         <p:blipFill>
           <a:blip r:embed="rId2"/>
@@ -4565,12 +9400,15 @@
             <a:off x="2228144" y="1825625"/>
             <a:ext cx="7735712" cy="4351338"/>
           </a:xfrm>
+          <a:prstGeom prst="rect">
+            <a:avLst/>
+          </a:prstGeom>
         </p:spPr>
       </p:pic>
     </p:spTree>
     <p:extLst>
       <p:ext uri="{BB962C8B-B14F-4D97-AF65-F5344CB8AC3E}">
-        <p14:creationId xmlns:p14="http://schemas.microsoft.com/office/powerpoint/2010/main" val="3165608303"/>
+        <p14:creationId xmlns:p14="http://schemas.microsoft.com/office/powerpoint/2010/main" val="1321539056"/>
       </p:ext>
     </p:extLst>
   </p:cSld>
